--- a/documentation/HeuristicLab 3.3 - Architecture.pptx
+++ b/documentation/HeuristicLab 3.3 - Architecture.pptx
@@ -7,7 +7,7 @@
   <p:sldIdLst>
     <p:sldId id="256" r:id="rId2"/>
   </p:sldIdLst>
-  <p:sldSz cx="9144000" cy="6858000" type="screen4x3"/>
+  <p:sldSz cx="12601575" cy="6121400"/>
   <p:notesSz cx="6858000" cy="9144000"/>
   <p:defaultTextStyle>
     <a:defPPr>
@@ -109,7 +109,7 @@
 
 <file path=ppt/slideLayouts/slideLayout1.xml><?xml version="1.0" encoding="utf-8"?>
 <p:sldLayout xmlns:a="http://schemas.openxmlformats.org/drawingml/2006/main" xmlns:r="http://schemas.openxmlformats.org/officeDocument/2006/relationships" xmlns:p="http://schemas.openxmlformats.org/presentationml/2006/main" type="title" preserve="1">
-  <p:cSld name="Title Slide">
+  <p:cSld name="Titelfolie">
     <p:spTree>
       <p:nvGrpSpPr>
         <p:cNvPr id="1" name=""/>
@@ -126,7 +126,7 @@
       </p:grpSpPr>
       <p:sp>
         <p:nvSpPr>
-          <p:cNvPr id="2" name="Title 1"/>
+          <p:cNvPr id="2" name="Titel 1"/>
           <p:cNvSpPr>
             <a:spLocks noGrp="1"/>
           </p:cNvSpPr>
@@ -136,8 +136,8 @@
         </p:nvSpPr>
         <p:spPr>
           <a:xfrm>
-            <a:off x="685800" y="2130425"/>
-            <a:ext cx="7772400" cy="1470025"/>
+            <a:off x="945118" y="1901602"/>
+            <a:ext cx="10711339" cy="1312133"/>
           </a:xfrm>
         </p:spPr>
         <p:txBody>
@@ -145,16 +145,16 @@
           <a:lstStyle/>
           <a:p>
             <a:r>
-              <a:rPr lang="en-US" smtClean="0"/>
-              <a:t>Click to edit Master title style</a:t>
-            </a:r>
-            <a:endParaRPr lang="de-AT"/>
-          </a:p>
-        </p:txBody>
-      </p:sp>
-      <p:sp>
-        <p:nvSpPr>
-          <p:cNvPr id="3" name="Subtitle 2"/>
+              <a:rPr lang="de-DE" smtClean="0"/>
+              <a:t>Titelmasterformat durch Klicken bearbeiten</a:t>
+            </a:r>
+            <a:endParaRPr lang="de-AT"/>
+          </a:p>
+        </p:txBody>
+      </p:sp>
+      <p:sp>
+        <p:nvSpPr>
+          <p:cNvPr id="3" name="Untertitel 2"/>
           <p:cNvSpPr>
             <a:spLocks noGrp="1"/>
           </p:cNvSpPr>
@@ -164,8 +164,8 @@
         </p:nvSpPr>
         <p:spPr>
           <a:xfrm>
-            <a:off x="1371600" y="3886200"/>
-            <a:ext cx="6400800" cy="1752600"/>
+            <a:off x="1890236" y="3468793"/>
+            <a:ext cx="8821103" cy="1564358"/>
           </a:xfrm>
         </p:spPr>
         <p:txBody>
@@ -264,16 +264,16 @@
           </a:lstStyle>
           <a:p>
             <a:r>
-              <a:rPr lang="en-US" smtClean="0"/>
-              <a:t>Click to edit Master subtitle style</a:t>
-            </a:r>
-            <a:endParaRPr lang="de-AT"/>
-          </a:p>
-        </p:txBody>
-      </p:sp>
-      <p:sp>
-        <p:nvSpPr>
-          <p:cNvPr id="4" name="Date Placeholder 3"/>
+              <a:rPr lang="de-DE" smtClean="0"/>
+              <a:t>Formatvorlage des Untertitelmasters durch Klicken bearbeiten</a:t>
+            </a:r>
+            <a:endParaRPr lang="de-AT"/>
+          </a:p>
+        </p:txBody>
+      </p:sp>
+      <p:sp>
+        <p:nvSpPr>
+          <p:cNvPr id="4" name="Datumsplatzhalter 3"/>
           <p:cNvSpPr>
             <a:spLocks noGrp="1"/>
           </p:cNvSpPr>
@@ -286,9 +286,9 @@
           <a:bodyPr/>
           <a:lstStyle/>
           <a:p>
-            <a:fld id="{DA48B841-176A-4F14-B85B-02032543DE0F}" type="datetimeFigureOut">
+            <a:fld id="{17A770FE-B93C-406E-B648-E21175039D10}" type="datetimeFigureOut">
               <a:rPr lang="de-AT" smtClean="0"/>
-              <a:t>04.04.2012</a:t>
+              <a:t>11.04.2012</a:t>
             </a:fld>
             <a:endParaRPr lang="de-AT"/>
           </a:p>
@@ -296,7 +296,7 @@
       </p:sp>
       <p:sp>
         <p:nvSpPr>
-          <p:cNvPr id="5" name="Footer Placeholder 4"/>
+          <p:cNvPr id="5" name="Fußzeilenplatzhalter 4"/>
           <p:cNvSpPr>
             <a:spLocks noGrp="1"/>
           </p:cNvSpPr>
@@ -315,7 +315,7 @@
       </p:sp>
       <p:sp>
         <p:nvSpPr>
-          <p:cNvPr id="6" name="Slide Number Placeholder 5"/>
+          <p:cNvPr id="6" name="Foliennummernplatzhalter 5"/>
           <p:cNvSpPr>
             <a:spLocks noGrp="1"/>
           </p:cNvSpPr>
@@ -328,7 +328,7 @@
           <a:bodyPr/>
           <a:lstStyle/>
           <a:p>
-            <a:fld id="{836B6E62-D470-446C-A6F9-E2F3AAB40117}" type="slidenum">
+            <a:fld id="{8D9144EB-E929-4A40-B56C-0BAF6B5B0A8F}" type="slidenum">
               <a:rPr lang="de-AT" smtClean="0"/>
               <a:t>‹Nr.›</a:t>
             </a:fld>
@@ -337,6 +337,11 @@
         </p:txBody>
       </p:sp>
     </p:spTree>
+    <p:extLst>
+      <p:ext uri="{BB962C8B-B14F-4D97-AF65-F5344CB8AC3E}">
+        <p14:creationId xmlns:p14="http://schemas.microsoft.com/office/powerpoint/2010/main" val="594646834"/>
+      </p:ext>
+    </p:extLst>
   </p:cSld>
   <p:clrMapOvr>
     <a:masterClrMapping/>
@@ -346,7 +351,7 @@
 
 <file path=ppt/slideLayouts/slideLayout10.xml><?xml version="1.0" encoding="utf-8"?>
 <p:sldLayout xmlns:a="http://schemas.openxmlformats.org/drawingml/2006/main" xmlns:r="http://schemas.openxmlformats.org/officeDocument/2006/relationships" xmlns:p="http://schemas.openxmlformats.org/presentationml/2006/main" type="vertTx" preserve="1">
-  <p:cSld name="Title and Vertical Text">
+  <p:cSld name="Titel und vertikaler Text">
     <p:spTree>
       <p:nvGrpSpPr>
         <p:cNvPr id="1" name=""/>
@@ -363,7 +368,7 @@
       </p:grpSpPr>
       <p:sp>
         <p:nvSpPr>
-          <p:cNvPr id="2" name="Title 1"/>
+          <p:cNvPr id="2" name="Titel 1"/>
           <p:cNvSpPr>
             <a:spLocks noGrp="1"/>
           </p:cNvSpPr>
@@ -377,16 +382,16 @@
           <a:lstStyle/>
           <a:p>
             <a:r>
-              <a:rPr lang="en-US" smtClean="0"/>
-              <a:t>Click to edit Master title style</a:t>
-            </a:r>
-            <a:endParaRPr lang="de-AT"/>
-          </a:p>
-        </p:txBody>
-      </p:sp>
-      <p:sp>
-        <p:nvSpPr>
-          <p:cNvPr id="3" name="Vertical Text Placeholder 2"/>
+              <a:rPr lang="de-DE" smtClean="0"/>
+              <a:t>Titelmasterformat durch Klicken bearbeiten</a:t>
+            </a:r>
+            <a:endParaRPr lang="de-AT"/>
+          </a:p>
+        </p:txBody>
+      </p:sp>
+      <p:sp>
+        <p:nvSpPr>
+          <p:cNvPr id="3" name="Vertikaler Textplatzhalter 2"/>
           <p:cNvSpPr>
             <a:spLocks noGrp="1"/>
           </p:cNvSpPr>
@@ -401,44 +406,44 @@
           <a:p>
             <a:pPr lvl="0"/>
             <a:r>
-              <a:rPr lang="en-US" smtClean="0"/>
-              <a:t>Click to edit Master text styles</a:t>
+              <a:rPr lang="de-DE" smtClean="0"/>
+              <a:t>Textmasterformat bearbeiten</a:t>
             </a:r>
           </a:p>
           <a:p>
             <a:pPr lvl="1"/>
             <a:r>
-              <a:rPr lang="en-US" smtClean="0"/>
-              <a:t>Second level</a:t>
+              <a:rPr lang="de-DE" smtClean="0"/>
+              <a:t>Zweite Ebene</a:t>
             </a:r>
           </a:p>
           <a:p>
             <a:pPr lvl="2"/>
             <a:r>
-              <a:rPr lang="en-US" smtClean="0"/>
-              <a:t>Third level</a:t>
+              <a:rPr lang="de-DE" smtClean="0"/>
+              <a:t>Dritte Ebene</a:t>
             </a:r>
           </a:p>
           <a:p>
             <a:pPr lvl="3"/>
             <a:r>
-              <a:rPr lang="en-US" smtClean="0"/>
-              <a:t>Fourth level</a:t>
+              <a:rPr lang="de-DE" smtClean="0"/>
+              <a:t>Vierte Ebene</a:t>
             </a:r>
           </a:p>
           <a:p>
             <a:pPr lvl="4"/>
             <a:r>
-              <a:rPr lang="en-US" smtClean="0"/>
-              <a:t>Fifth level</a:t>
-            </a:r>
-            <a:endParaRPr lang="de-AT"/>
-          </a:p>
-        </p:txBody>
-      </p:sp>
-      <p:sp>
-        <p:nvSpPr>
-          <p:cNvPr id="4" name="Date Placeholder 3"/>
+              <a:rPr lang="de-DE" smtClean="0"/>
+              <a:t>Fünfte Ebene</a:t>
+            </a:r>
+            <a:endParaRPr lang="de-AT"/>
+          </a:p>
+        </p:txBody>
+      </p:sp>
+      <p:sp>
+        <p:nvSpPr>
+          <p:cNvPr id="4" name="Datumsplatzhalter 3"/>
           <p:cNvSpPr>
             <a:spLocks noGrp="1"/>
           </p:cNvSpPr>
@@ -451,9 +456,9 @@
           <a:bodyPr/>
           <a:lstStyle/>
           <a:p>
-            <a:fld id="{DA48B841-176A-4F14-B85B-02032543DE0F}" type="datetimeFigureOut">
+            <a:fld id="{17A770FE-B93C-406E-B648-E21175039D10}" type="datetimeFigureOut">
               <a:rPr lang="de-AT" smtClean="0"/>
-              <a:t>04.04.2012</a:t>
+              <a:t>11.04.2012</a:t>
             </a:fld>
             <a:endParaRPr lang="de-AT"/>
           </a:p>
@@ -461,7 +466,7 @@
       </p:sp>
       <p:sp>
         <p:nvSpPr>
-          <p:cNvPr id="5" name="Footer Placeholder 4"/>
+          <p:cNvPr id="5" name="Fußzeilenplatzhalter 4"/>
           <p:cNvSpPr>
             <a:spLocks noGrp="1"/>
           </p:cNvSpPr>
@@ -480,7 +485,7 @@
       </p:sp>
       <p:sp>
         <p:nvSpPr>
-          <p:cNvPr id="6" name="Slide Number Placeholder 5"/>
+          <p:cNvPr id="6" name="Foliennummernplatzhalter 5"/>
           <p:cNvSpPr>
             <a:spLocks noGrp="1"/>
           </p:cNvSpPr>
@@ -493,7 +498,7 @@
           <a:bodyPr/>
           <a:lstStyle/>
           <a:p>
-            <a:fld id="{836B6E62-D470-446C-A6F9-E2F3AAB40117}" type="slidenum">
+            <a:fld id="{8D9144EB-E929-4A40-B56C-0BAF6B5B0A8F}" type="slidenum">
               <a:rPr lang="de-AT" smtClean="0"/>
               <a:t>‹Nr.›</a:t>
             </a:fld>
@@ -502,6 +507,11 @@
         </p:txBody>
       </p:sp>
     </p:spTree>
+    <p:extLst>
+      <p:ext uri="{BB962C8B-B14F-4D97-AF65-F5344CB8AC3E}">
+        <p14:creationId xmlns:p14="http://schemas.microsoft.com/office/powerpoint/2010/main" val="108379531"/>
+      </p:ext>
+    </p:extLst>
   </p:cSld>
   <p:clrMapOvr>
     <a:masterClrMapping/>
@@ -511,7 +521,7 @@
 
 <file path=ppt/slideLayouts/slideLayout11.xml><?xml version="1.0" encoding="utf-8"?>
 <p:sldLayout xmlns:a="http://schemas.openxmlformats.org/drawingml/2006/main" xmlns:r="http://schemas.openxmlformats.org/officeDocument/2006/relationships" xmlns:p="http://schemas.openxmlformats.org/presentationml/2006/main" type="vertTitleAndTx" preserve="1">
-  <p:cSld name="Vertical Title and Text">
+  <p:cSld name="Vertikaler Titel und Text">
     <p:spTree>
       <p:nvGrpSpPr>
         <p:cNvPr id="1" name=""/>
@@ -528,7 +538,7 @@
       </p:grpSpPr>
       <p:sp>
         <p:nvSpPr>
-          <p:cNvPr id="2" name="Vertical Title 1"/>
+          <p:cNvPr id="2" name="Vertikaler Titel 1"/>
           <p:cNvSpPr>
             <a:spLocks noGrp="1"/>
           </p:cNvSpPr>
@@ -538,8 +548,8 @@
         </p:nvSpPr>
         <p:spPr>
           <a:xfrm>
-            <a:off x="6629400" y="274638"/>
-            <a:ext cx="2057400" cy="5851525"/>
+            <a:off x="12590638" y="218217"/>
+            <a:ext cx="3907363" cy="4663317"/>
           </a:xfrm>
         </p:spPr>
         <p:txBody>
@@ -547,16 +557,16 @@
           <a:lstStyle/>
           <a:p>
             <a:r>
-              <a:rPr lang="en-US" smtClean="0"/>
-              <a:t>Click to edit Master title style</a:t>
-            </a:r>
-            <a:endParaRPr lang="de-AT"/>
-          </a:p>
-        </p:txBody>
-      </p:sp>
-      <p:sp>
-        <p:nvSpPr>
-          <p:cNvPr id="3" name="Vertical Text Placeholder 2"/>
+              <a:rPr lang="de-DE" smtClean="0"/>
+              <a:t>Titelmasterformat durch Klicken bearbeiten</a:t>
+            </a:r>
+            <a:endParaRPr lang="de-AT"/>
+          </a:p>
+        </p:txBody>
+      </p:sp>
+      <p:sp>
+        <p:nvSpPr>
+          <p:cNvPr id="3" name="Vertikaler Textplatzhalter 2"/>
           <p:cNvSpPr>
             <a:spLocks noGrp="1"/>
           </p:cNvSpPr>
@@ -566,8 +576,8 @@
         </p:nvSpPr>
         <p:spPr>
           <a:xfrm>
-            <a:off x="457200" y="274638"/>
-            <a:ext cx="6019800" cy="5851525"/>
+            <a:off x="868547" y="218217"/>
+            <a:ext cx="11512064" cy="4663317"/>
           </a:xfrm>
         </p:spPr>
         <p:txBody>
@@ -576,44 +586,44 @@
           <a:p>
             <a:pPr lvl="0"/>
             <a:r>
-              <a:rPr lang="en-US" smtClean="0"/>
-              <a:t>Click to edit Master text styles</a:t>
+              <a:rPr lang="de-DE" smtClean="0"/>
+              <a:t>Textmasterformat bearbeiten</a:t>
             </a:r>
           </a:p>
           <a:p>
             <a:pPr lvl="1"/>
             <a:r>
-              <a:rPr lang="en-US" smtClean="0"/>
-              <a:t>Second level</a:t>
+              <a:rPr lang="de-DE" smtClean="0"/>
+              <a:t>Zweite Ebene</a:t>
             </a:r>
           </a:p>
           <a:p>
             <a:pPr lvl="2"/>
             <a:r>
-              <a:rPr lang="en-US" smtClean="0"/>
-              <a:t>Third level</a:t>
+              <a:rPr lang="de-DE" smtClean="0"/>
+              <a:t>Dritte Ebene</a:t>
             </a:r>
           </a:p>
           <a:p>
             <a:pPr lvl="3"/>
             <a:r>
-              <a:rPr lang="en-US" smtClean="0"/>
-              <a:t>Fourth level</a:t>
+              <a:rPr lang="de-DE" smtClean="0"/>
+              <a:t>Vierte Ebene</a:t>
             </a:r>
           </a:p>
           <a:p>
             <a:pPr lvl="4"/>
             <a:r>
-              <a:rPr lang="en-US" smtClean="0"/>
-              <a:t>Fifth level</a:t>
-            </a:r>
-            <a:endParaRPr lang="de-AT"/>
-          </a:p>
-        </p:txBody>
-      </p:sp>
-      <p:sp>
-        <p:nvSpPr>
-          <p:cNvPr id="4" name="Date Placeholder 3"/>
+              <a:rPr lang="de-DE" smtClean="0"/>
+              <a:t>Fünfte Ebene</a:t>
+            </a:r>
+            <a:endParaRPr lang="de-AT"/>
+          </a:p>
+        </p:txBody>
+      </p:sp>
+      <p:sp>
+        <p:nvSpPr>
+          <p:cNvPr id="4" name="Datumsplatzhalter 3"/>
           <p:cNvSpPr>
             <a:spLocks noGrp="1"/>
           </p:cNvSpPr>
@@ -626,9 +636,9 @@
           <a:bodyPr/>
           <a:lstStyle/>
           <a:p>
-            <a:fld id="{DA48B841-176A-4F14-B85B-02032543DE0F}" type="datetimeFigureOut">
+            <a:fld id="{17A770FE-B93C-406E-B648-E21175039D10}" type="datetimeFigureOut">
               <a:rPr lang="de-AT" smtClean="0"/>
-              <a:t>04.04.2012</a:t>
+              <a:t>11.04.2012</a:t>
             </a:fld>
             <a:endParaRPr lang="de-AT"/>
           </a:p>
@@ -636,7 +646,7 @@
       </p:sp>
       <p:sp>
         <p:nvSpPr>
-          <p:cNvPr id="5" name="Footer Placeholder 4"/>
+          <p:cNvPr id="5" name="Fußzeilenplatzhalter 4"/>
           <p:cNvSpPr>
             <a:spLocks noGrp="1"/>
           </p:cNvSpPr>
@@ -655,7 +665,7 @@
       </p:sp>
       <p:sp>
         <p:nvSpPr>
-          <p:cNvPr id="6" name="Slide Number Placeholder 5"/>
+          <p:cNvPr id="6" name="Foliennummernplatzhalter 5"/>
           <p:cNvSpPr>
             <a:spLocks noGrp="1"/>
           </p:cNvSpPr>
@@ -668,7 +678,7 @@
           <a:bodyPr/>
           <a:lstStyle/>
           <a:p>
-            <a:fld id="{836B6E62-D470-446C-A6F9-E2F3AAB40117}" type="slidenum">
+            <a:fld id="{8D9144EB-E929-4A40-B56C-0BAF6B5B0A8F}" type="slidenum">
               <a:rPr lang="de-AT" smtClean="0"/>
               <a:t>‹Nr.›</a:t>
             </a:fld>
@@ -677,6 +687,11 @@
         </p:txBody>
       </p:sp>
     </p:spTree>
+    <p:extLst>
+      <p:ext uri="{BB962C8B-B14F-4D97-AF65-F5344CB8AC3E}">
+        <p14:creationId xmlns:p14="http://schemas.microsoft.com/office/powerpoint/2010/main" val="1196993090"/>
+      </p:ext>
+    </p:extLst>
   </p:cSld>
   <p:clrMapOvr>
     <a:masterClrMapping/>
@@ -686,7 +701,7 @@
 
 <file path=ppt/slideLayouts/slideLayout2.xml><?xml version="1.0" encoding="utf-8"?>
 <p:sldLayout xmlns:a="http://schemas.openxmlformats.org/drawingml/2006/main" xmlns:r="http://schemas.openxmlformats.org/officeDocument/2006/relationships" xmlns:p="http://schemas.openxmlformats.org/presentationml/2006/main" type="obj" preserve="1">
-  <p:cSld name="Title and Content">
+  <p:cSld name="Titel und Inhalt">
     <p:spTree>
       <p:nvGrpSpPr>
         <p:cNvPr id="1" name=""/>
@@ -703,7 +718,7 @@
       </p:grpSpPr>
       <p:sp>
         <p:nvSpPr>
-          <p:cNvPr id="2" name="Title 1"/>
+          <p:cNvPr id="2" name="Titel 1"/>
           <p:cNvSpPr>
             <a:spLocks noGrp="1"/>
           </p:cNvSpPr>
@@ -717,16 +732,16 @@
           <a:lstStyle/>
           <a:p>
             <a:r>
-              <a:rPr lang="en-US" smtClean="0"/>
-              <a:t>Click to edit Master title style</a:t>
-            </a:r>
-            <a:endParaRPr lang="de-AT"/>
-          </a:p>
-        </p:txBody>
-      </p:sp>
-      <p:sp>
-        <p:nvSpPr>
-          <p:cNvPr id="3" name="Content Placeholder 2"/>
+              <a:rPr lang="de-DE" smtClean="0"/>
+              <a:t>Titelmasterformat durch Klicken bearbeiten</a:t>
+            </a:r>
+            <a:endParaRPr lang="de-AT"/>
+          </a:p>
+        </p:txBody>
+      </p:sp>
+      <p:sp>
+        <p:nvSpPr>
+          <p:cNvPr id="3" name="Inhaltsplatzhalter 2"/>
           <p:cNvSpPr>
             <a:spLocks noGrp="1"/>
           </p:cNvSpPr>
@@ -741,44 +756,44 @@
           <a:p>
             <a:pPr lvl="0"/>
             <a:r>
-              <a:rPr lang="en-US" smtClean="0"/>
-              <a:t>Click to edit Master text styles</a:t>
+              <a:rPr lang="de-DE" smtClean="0"/>
+              <a:t>Textmasterformat bearbeiten</a:t>
             </a:r>
           </a:p>
           <a:p>
             <a:pPr lvl="1"/>
             <a:r>
-              <a:rPr lang="en-US" smtClean="0"/>
-              <a:t>Second level</a:t>
+              <a:rPr lang="de-DE" smtClean="0"/>
+              <a:t>Zweite Ebene</a:t>
             </a:r>
           </a:p>
           <a:p>
             <a:pPr lvl="2"/>
             <a:r>
-              <a:rPr lang="en-US" smtClean="0"/>
-              <a:t>Third level</a:t>
+              <a:rPr lang="de-DE" smtClean="0"/>
+              <a:t>Dritte Ebene</a:t>
             </a:r>
           </a:p>
           <a:p>
             <a:pPr lvl="3"/>
             <a:r>
-              <a:rPr lang="en-US" smtClean="0"/>
-              <a:t>Fourth level</a:t>
+              <a:rPr lang="de-DE" smtClean="0"/>
+              <a:t>Vierte Ebene</a:t>
             </a:r>
           </a:p>
           <a:p>
             <a:pPr lvl="4"/>
             <a:r>
-              <a:rPr lang="en-US" smtClean="0"/>
-              <a:t>Fifth level</a:t>
-            </a:r>
-            <a:endParaRPr lang="de-AT"/>
-          </a:p>
-        </p:txBody>
-      </p:sp>
-      <p:sp>
-        <p:nvSpPr>
-          <p:cNvPr id="4" name="Date Placeholder 3"/>
+              <a:rPr lang="de-DE" smtClean="0"/>
+              <a:t>Fünfte Ebene</a:t>
+            </a:r>
+            <a:endParaRPr lang="de-AT"/>
+          </a:p>
+        </p:txBody>
+      </p:sp>
+      <p:sp>
+        <p:nvSpPr>
+          <p:cNvPr id="4" name="Datumsplatzhalter 3"/>
           <p:cNvSpPr>
             <a:spLocks noGrp="1"/>
           </p:cNvSpPr>
@@ -791,9 +806,9 @@
           <a:bodyPr/>
           <a:lstStyle/>
           <a:p>
-            <a:fld id="{DA48B841-176A-4F14-B85B-02032543DE0F}" type="datetimeFigureOut">
+            <a:fld id="{17A770FE-B93C-406E-B648-E21175039D10}" type="datetimeFigureOut">
               <a:rPr lang="de-AT" smtClean="0"/>
-              <a:t>04.04.2012</a:t>
+              <a:t>11.04.2012</a:t>
             </a:fld>
             <a:endParaRPr lang="de-AT"/>
           </a:p>
@@ -801,7 +816,7 @@
       </p:sp>
       <p:sp>
         <p:nvSpPr>
-          <p:cNvPr id="5" name="Footer Placeholder 4"/>
+          <p:cNvPr id="5" name="Fußzeilenplatzhalter 4"/>
           <p:cNvSpPr>
             <a:spLocks noGrp="1"/>
           </p:cNvSpPr>
@@ -820,7 +835,7 @@
       </p:sp>
       <p:sp>
         <p:nvSpPr>
-          <p:cNvPr id="6" name="Slide Number Placeholder 5"/>
+          <p:cNvPr id="6" name="Foliennummernplatzhalter 5"/>
           <p:cNvSpPr>
             <a:spLocks noGrp="1"/>
           </p:cNvSpPr>
@@ -833,7 +848,7 @@
           <a:bodyPr/>
           <a:lstStyle/>
           <a:p>
-            <a:fld id="{836B6E62-D470-446C-A6F9-E2F3AAB40117}" type="slidenum">
+            <a:fld id="{8D9144EB-E929-4A40-B56C-0BAF6B5B0A8F}" type="slidenum">
               <a:rPr lang="de-AT" smtClean="0"/>
               <a:t>‹Nr.›</a:t>
             </a:fld>
@@ -842,6 +857,11 @@
         </p:txBody>
       </p:sp>
     </p:spTree>
+    <p:extLst>
+      <p:ext uri="{BB962C8B-B14F-4D97-AF65-F5344CB8AC3E}">
+        <p14:creationId xmlns:p14="http://schemas.microsoft.com/office/powerpoint/2010/main" val="4171049504"/>
+      </p:ext>
+    </p:extLst>
   </p:cSld>
   <p:clrMapOvr>
     <a:masterClrMapping/>
@@ -851,7 +871,7 @@
 
 <file path=ppt/slideLayouts/slideLayout3.xml><?xml version="1.0" encoding="utf-8"?>
 <p:sldLayout xmlns:a="http://schemas.openxmlformats.org/drawingml/2006/main" xmlns:r="http://schemas.openxmlformats.org/officeDocument/2006/relationships" xmlns:p="http://schemas.openxmlformats.org/presentationml/2006/main" type="secHead" preserve="1">
-  <p:cSld name="Section Header">
+  <p:cSld name="Abschnitts-&#10;überschrift">
     <p:spTree>
       <p:nvGrpSpPr>
         <p:cNvPr id="1" name=""/>
@@ -868,7 +888,7 @@
       </p:grpSpPr>
       <p:sp>
         <p:nvSpPr>
-          <p:cNvPr id="2" name="Title 1"/>
+          <p:cNvPr id="2" name="Titel 1"/>
           <p:cNvSpPr>
             <a:spLocks noGrp="1"/>
           </p:cNvSpPr>
@@ -878,8 +898,8 @@
         </p:nvSpPr>
         <p:spPr>
           <a:xfrm>
-            <a:off x="722313" y="4406900"/>
-            <a:ext cx="7772400" cy="1362075"/>
+            <a:off x="995437" y="3933567"/>
+            <a:ext cx="10711339" cy="1215778"/>
           </a:xfrm>
         </p:spPr>
         <p:txBody>
@@ -891,16 +911,16 @@
           </a:lstStyle>
           <a:p>
             <a:r>
-              <a:rPr lang="en-US" smtClean="0"/>
-              <a:t>Click to edit Master title style</a:t>
-            </a:r>
-            <a:endParaRPr lang="de-AT"/>
-          </a:p>
-        </p:txBody>
-      </p:sp>
-      <p:sp>
-        <p:nvSpPr>
-          <p:cNvPr id="3" name="Text Placeholder 2"/>
+              <a:rPr lang="de-DE" smtClean="0"/>
+              <a:t>Titelmasterformat durch Klicken bearbeiten</a:t>
+            </a:r>
+            <a:endParaRPr lang="de-AT"/>
+          </a:p>
+        </p:txBody>
+      </p:sp>
+      <p:sp>
+        <p:nvSpPr>
+          <p:cNvPr id="3" name="Textplatzhalter 2"/>
           <p:cNvSpPr>
             <a:spLocks noGrp="1"/>
           </p:cNvSpPr>
@@ -910,8 +930,8 @@
         </p:nvSpPr>
         <p:spPr>
           <a:xfrm>
-            <a:off x="722313" y="2906713"/>
-            <a:ext cx="7772400" cy="1500187"/>
+            <a:off x="995437" y="2594511"/>
+            <a:ext cx="10711339" cy="1339056"/>
           </a:xfrm>
         </p:spPr>
         <p:txBody>
@@ -1011,15 +1031,15 @@
           <a:p>
             <a:pPr lvl="0"/>
             <a:r>
-              <a:rPr lang="en-US" smtClean="0"/>
-              <a:t>Click to edit Master text styles</a:t>
-            </a:r>
-          </a:p>
-        </p:txBody>
-      </p:sp>
-      <p:sp>
-        <p:nvSpPr>
-          <p:cNvPr id="4" name="Date Placeholder 3"/>
+              <a:rPr lang="de-DE" smtClean="0"/>
+              <a:t>Textmasterformat bearbeiten</a:t>
+            </a:r>
+          </a:p>
+        </p:txBody>
+      </p:sp>
+      <p:sp>
+        <p:nvSpPr>
+          <p:cNvPr id="4" name="Datumsplatzhalter 3"/>
           <p:cNvSpPr>
             <a:spLocks noGrp="1"/>
           </p:cNvSpPr>
@@ -1032,9 +1052,9 @@
           <a:bodyPr/>
           <a:lstStyle/>
           <a:p>
-            <a:fld id="{DA48B841-176A-4F14-B85B-02032543DE0F}" type="datetimeFigureOut">
+            <a:fld id="{17A770FE-B93C-406E-B648-E21175039D10}" type="datetimeFigureOut">
               <a:rPr lang="de-AT" smtClean="0"/>
-              <a:t>04.04.2012</a:t>
+              <a:t>11.04.2012</a:t>
             </a:fld>
             <a:endParaRPr lang="de-AT"/>
           </a:p>
@@ -1042,7 +1062,7 @@
       </p:sp>
       <p:sp>
         <p:nvSpPr>
-          <p:cNvPr id="5" name="Footer Placeholder 4"/>
+          <p:cNvPr id="5" name="Fußzeilenplatzhalter 4"/>
           <p:cNvSpPr>
             <a:spLocks noGrp="1"/>
           </p:cNvSpPr>
@@ -1061,7 +1081,7 @@
       </p:sp>
       <p:sp>
         <p:nvSpPr>
-          <p:cNvPr id="6" name="Slide Number Placeholder 5"/>
+          <p:cNvPr id="6" name="Foliennummernplatzhalter 5"/>
           <p:cNvSpPr>
             <a:spLocks noGrp="1"/>
           </p:cNvSpPr>
@@ -1074,7 +1094,7 @@
           <a:bodyPr/>
           <a:lstStyle/>
           <a:p>
-            <a:fld id="{836B6E62-D470-446C-A6F9-E2F3AAB40117}" type="slidenum">
+            <a:fld id="{8D9144EB-E929-4A40-B56C-0BAF6B5B0A8F}" type="slidenum">
               <a:rPr lang="de-AT" smtClean="0"/>
               <a:t>‹Nr.›</a:t>
             </a:fld>
@@ -1083,6 +1103,11 @@
         </p:txBody>
       </p:sp>
     </p:spTree>
+    <p:extLst>
+      <p:ext uri="{BB962C8B-B14F-4D97-AF65-F5344CB8AC3E}">
+        <p14:creationId xmlns:p14="http://schemas.microsoft.com/office/powerpoint/2010/main" val="1269156086"/>
+      </p:ext>
+    </p:extLst>
   </p:cSld>
   <p:clrMapOvr>
     <a:masterClrMapping/>
@@ -1092,7 +1117,7 @@
 
 <file path=ppt/slideLayouts/slideLayout4.xml><?xml version="1.0" encoding="utf-8"?>
 <p:sldLayout xmlns:a="http://schemas.openxmlformats.org/drawingml/2006/main" xmlns:r="http://schemas.openxmlformats.org/officeDocument/2006/relationships" xmlns:p="http://schemas.openxmlformats.org/presentationml/2006/main" type="twoObj" preserve="1">
-  <p:cSld name="Two Content">
+  <p:cSld name="Zwei Inhalte">
     <p:spTree>
       <p:nvGrpSpPr>
         <p:cNvPr id="1" name=""/>
@@ -1109,7 +1134,7 @@
       </p:grpSpPr>
       <p:sp>
         <p:nvSpPr>
-          <p:cNvPr id="2" name="Title 1"/>
+          <p:cNvPr id="2" name="Titel 1"/>
           <p:cNvSpPr>
             <a:spLocks noGrp="1"/>
           </p:cNvSpPr>
@@ -1123,16 +1148,16 @@
           <a:lstStyle/>
           <a:p>
             <a:r>
-              <a:rPr lang="en-US" smtClean="0"/>
-              <a:t>Click to edit Master title style</a:t>
-            </a:r>
-            <a:endParaRPr lang="de-AT"/>
-          </a:p>
-        </p:txBody>
-      </p:sp>
-      <p:sp>
-        <p:nvSpPr>
-          <p:cNvPr id="3" name="Content Placeholder 2"/>
+              <a:rPr lang="de-DE" smtClean="0"/>
+              <a:t>Titelmasterformat durch Klicken bearbeiten</a:t>
+            </a:r>
+            <a:endParaRPr lang="de-AT"/>
+          </a:p>
+        </p:txBody>
+      </p:sp>
+      <p:sp>
+        <p:nvSpPr>
+          <p:cNvPr id="3" name="Inhaltsplatzhalter 2"/>
           <p:cNvSpPr>
             <a:spLocks noGrp="1"/>
           </p:cNvSpPr>
@@ -1142,8 +1167,8 @@
         </p:nvSpPr>
         <p:spPr>
           <a:xfrm>
-            <a:off x="457200" y="1600200"/>
-            <a:ext cx="4038600" cy="4525963"/>
+            <a:off x="868547" y="1275292"/>
+            <a:ext cx="7709714" cy="3606242"/>
           </a:xfrm>
         </p:spPr>
         <p:txBody>
@@ -1180,44 +1205,44 @@
           <a:p>
             <a:pPr lvl="0"/>
             <a:r>
-              <a:rPr lang="en-US" smtClean="0"/>
-              <a:t>Click to edit Master text styles</a:t>
+              <a:rPr lang="de-DE" smtClean="0"/>
+              <a:t>Textmasterformat bearbeiten</a:t>
             </a:r>
           </a:p>
           <a:p>
             <a:pPr lvl="1"/>
             <a:r>
-              <a:rPr lang="en-US" smtClean="0"/>
-              <a:t>Second level</a:t>
+              <a:rPr lang="de-DE" smtClean="0"/>
+              <a:t>Zweite Ebene</a:t>
             </a:r>
           </a:p>
           <a:p>
             <a:pPr lvl="2"/>
             <a:r>
-              <a:rPr lang="en-US" smtClean="0"/>
-              <a:t>Third level</a:t>
+              <a:rPr lang="de-DE" smtClean="0"/>
+              <a:t>Dritte Ebene</a:t>
             </a:r>
           </a:p>
           <a:p>
             <a:pPr lvl="3"/>
             <a:r>
-              <a:rPr lang="en-US" smtClean="0"/>
-              <a:t>Fourth level</a:t>
+              <a:rPr lang="de-DE" smtClean="0"/>
+              <a:t>Vierte Ebene</a:t>
             </a:r>
           </a:p>
           <a:p>
             <a:pPr lvl="4"/>
             <a:r>
-              <a:rPr lang="en-US" smtClean="0"/>
-              <a:t>Fifth level</a:t>
-            </a:r>
-            <a:endParaRPr lang="de-AT"/>
-          </a:p>
-        </p:txBody>
-      </p:sp>
-      <p:sp>
-        <p:nvSpPr>
-          <p:cNvPr id="4" name="Content Placeholder 3"/>
+              <a:rPr lang="de-DE" smtClean="0"/>
+              <a:t>Fünfte Ebene</a:t>
+            </a:r>
+            <a:endParaRPr lang="de-AT"/>
+          </a:p>
+        </p:txBody>
+      </p:sp>
+      <p:sp>
+        <p:nvSpPr>
+          <p:cNvPr id="4" name="Inhaltsplatzhalter 3"/>
           <p:cNvSpPr>
             <a:spLocks noGrp="1"/>
           </p:cNvSpPr>
@@ -1227,8 +1252,8 @@
         </p:nvSpPr>
         <p:spPr>
           <a:xfrm>
-            <a:off x="4648200" y="1600200"/>
-            <a:ext cx="4038600" cy="4525963"/>
+            <a:off x="8788286" y="1275292"/>
+            <a:ext cx="7709714" cy="3606242"/>
           </a:xfrm>
         </p:spPr>
         <p:txBody>
@@ -1265,44 +1290,44 @@
           <a:p>
             <a:pPr lvl="0"/>
             <a:r>
-              <a:rPr lang="en-US" smtClean="0"/>
-              <a:t>Click to edit Master text styles</a:t>
+              <a:rPr lang="de-DE" smtClean="0"/>
+              <a:t>Textmasterformat bearbeiten</a:t>
             </a:r>
           </a:p>
           <a:p>
             <a:pPr lvl="1"/>
             <a:r>
-              <a:rPr lang="en-US" smtClean="0"/>
-              <a:t>Second level</a:t>
+              <a:rPr lang="de-DE" smtClean="0"/>
+              <a:t>Zweite Ebene</a:t>
             </a:r>
           </a:p>
           <a:p>
             <a:pPr lvl="2"/>
             <a:r>
-              <a:rPr lang="en-US" smtClean="0"/>
-              <a:t>Third level</a:t>
+              <a:rPr lang="de-DE" smtClean="0"/>
+              <a:t>Dritte Ebene</a:t>
             </a:r>
           </a:p>
           <a:p>
             <a:pPr lvl="3"/>
             <a:r>
-              <a:rPr lang="en-US" smtClean="0"/>
-              <a:t>Fourth level</a:t>
+              <a:rPr lang="de-DE" smtClean="0"/>
+              <a:t>Vierte Ebene</a:t>
             </a:r>
           </a:p>
           <a:p>
             <a:pPr lvl="4"/>
             <a:r>
-              <a:rPr lang="en-US" smtClean="0"/>
-              <a:t>Fifth level</a:t>
-            </a:r>
-            <a:endParaRPr lang="de-AT"/>
-          </a:p>
-        </p:txBody>
-      </p:sp>
-      <p:sp>
-        <p:nvSpPr>
-          <p:cNvPr id="5" name="Date Placeholder 4"/>
+              <a:rPr lang="de-DE" smtClean="0"/>
+              <a:t>Fünfte Ebene</a:t>
+            </a:r>
+            <a:endParaRPr lang="de-AT"/>
+          </a:p>
+        </p:txBody>
+      </p:sp>
+      <p:sp>
+        <p:nvSpPr>
+          <p:cNvPr id="5" name="Datumsplatzhalter 4"/>
           <p:cNvSpPr>
             <a:spLocks noGrp="1"/>
           </p:cNvSpPr>
@@ -1315,9 +1340,9 @@
           <a:bodyPr/>
           <a:lstStyle/>
           <a:p>
-            <a:fld id="{DA48B841-176A-4F14-B85B-02032543DE0F}" type="datetimeFigureOut">
+            <a:fld id="{17A770FE-B93C-406E-B648-E21175039D10}" type="datetimeFigureOut">
               <a:rPr lang="de-AT" smtClean="0"/>
-              <a:t>04.04.2012</a:t>
+              <a:t>11.04.2012</a:t>
             </a:fld>
             <a:endParaRPr lang="de-AT"/>
           </a:p>
@@ -1325,7 +1350,7 @@
       </p:sp>
       <p:sp>
         <p:nvSpPr>
-          <p:cNvPr id="6" name="Footer Placeholder 5"/>
+          <p:cNvPr id="6" name="Fußzeilenplatzhalter 5"/>
           <p:cNvSpPr>
             <a:spLocks noGrp="1"/>
           </p:cNvSpPr>
@@ -1344,7 +1369,7 @@
       </p:sp>
       <p:sp>
         <p:nvSpPr>
-          <p:cNvPr id="7" name="Slide Number Placeholder 6"/>
+          <p:cNvPr id="7" name="Foliennummernplatzhalter 6"/>
           <p:cNvSpPr>
             <a:spLocks noGrp="1"/>
           </p:cNvSpPr>
@@ -1357,7 +1382,7 @@
           <a:bodyPr/>
           <a:lstStyle/>
           <a:p>
-            <a:fld id="{836B6E62-D470-446C-A6F9-E2F3AAB40117}" type="slidenum">
+            <a:fld id="{8D9144EB-E929-4A40-B56C-0BAF6B5B0A8F}" type="slidenum">
               <a:rPr lang="de-AT" smtClean="0"/>
               <a:t>‹Nr.›</a:t>
             </a:fld>
@@ -1366,6 +1391,11 @@
         </p:txBody>
       </p:sp>
     </p:spTree>
+    <p:extLst>
+      <p:ext uri="{BB962C8B-B14F-4D97-AF65-F5344CB8AC3E}">
+        <p14:creationId xmlns:p14="http://schemas.microsoft.com/office/powerpoint/2010/main" val="3809642986"/>
+      </p:ext>
+    </p:extLst>
   </p:cSld>
   <p:clrMapOvr>
     <a:masterClrMapping/>
@@ -1375,7 +1405,7 @@
 
 <file path=ppt/slideLayouts/slideLayout5.xml><?xml version="1.0" encoding="utf-8"?>
 <p:sldLayout xmlns:a="http://schemas.openxmlformats.org/drawingml/2006/main" xmlns:r="http://schemas.openxmlformats.org/officeDocument/2006/relationships" xmlns:p="http://schemas.openxmlformats.org/presentationml/2006/main" type="twoTxTwoObj" preserve="1">
-  <p:cSld name="Comparison">
+  <p:cSld name="Vergleich">
     <p:spTree>
       <p:nvGrpSpPr>
         <p:cNvPr id="1" name=""/>
@@ -1392,7 +1422,7 @@
       </p:grpSpPr>
       <p:sp>
         <p:nvSpPr>
-          <p:cNvPr id="2" name="Title 1"/>
+          <p:cNvPr id="2" name="Titel 1"/>
           <p:cNvSpPr>
             <a:spLocks noGrp="1"/>
           </p:cNvSpPr>
@@ -1400,7 +1430,12 @@
             <p:ph type="title"/>
           </p:nvPr>
         </p:nvSpPr>
-        <p:spPr/>
+        <p:spPr>
+          <a:xfrm>
+            <a:off x="630079" y="245140"/>
+            <a:ext cx="11341418" cy="1020233"/>
+          </a:xfrm>
+        </p:spPr>
         <p:txBody>
           <a:bodyPr/>
           <a:lstStyle>
@@ -1410,16 +1445,16 @@
           </a:lstStyle>
           <a:p>
             <a:r>
-              <a:rPr lang="en-US" smtClean="0"/>
-              <a:t>Click to edit Master title style</a:t>
-            </a:r>
-            <a:endParaRPr lang="de-AT"/>
-          </a:p>
-        </p:txBody>
-      </p:sp>
-      <p:sp>
-        <p:nvSpPr>
-          <p:cNvPr id="3" name="Text Placeholder 2"/>
+              <a:rPr lang="de-DE" smtClean="0"/>
+              <a:t>Titelmasterformat durch Klicken bearbeiten</a:t>
+            </a:r>
+            <a:endParaRPr lang="de-AT"/>
+          </a:p>
+        </p:txBody>
+      </p:sp>
+      <p:sp>
+        <p:nvSpPr>
+          <p:cNvPr id="3" name="Textplatzhalter 2"/>
           <p:cNvSpPr>
             <a:spLocks noGrp="1"/>
           </p:cNvSpPr>
@@ -1429,8 +1464,8 @@
         </p:nvSpPr>
         <p:spPr>
           <a:xfrm>
-            <a:off x="457200" y="1535113"/>
-            <a:ext cx="4040188" cy="639762"/>
+            <a:off x="630079" y="1370230"/>
+            <a:ext cx="5567884" cy="571047"/>
           </a:xfrm>
         </p:spPr>
         <p:txBody>
@@ -1476,15 +1511,15 @@
           <a:p>
             <a:pPr lvl="0"/>
             <a:r>
-              <a:rPr lang="en-US" smtClean="0"/>
-              <a:t>Click to edit Master text styles</a:t>
-            </a:r>
-          </a:p>
-        </p:txBody>
-      </p:sp>
-      <p:sp>
-        <p:nvSpPr>
-          <p:cNvPr id="4" name="Content Placeholder 3"/>
+              <a:rPr lang="de-DE" smtClean="0"/>
+              <a:t>Textmasterformat bearbeiten</a:t>
+            </a:r>
+          </a:p>
+        </p:txBody>
+      </p:sp>
+      <p:sp>
+        <p:nvSpPr>
+          <p:cNvPr id="4" name="Inhaltsplatzhalter 3"/>
           <p:cNvSpPr>
             <a:spLocks noGrp="1"/>
           </p:cNvSpPr>
@@ -1494,8 +1529,8 @@
         </p:nvSpPr>
         <p:spPr>
           <a:xfrm>
-            <a:off x="457200" y="2174875"/>
-            <a:ext cx="4040188" cy="3951288"/>
+            <a:off x="630079" y="1941278"/>
+            <a:ext cx="5567884" cy="3526890"/>
           </a:xfrm>
         </p:spPr>
         <p:txBody>
@@ -1532,44 +1567,44 @@
           <a:p>
             <a:pPr lvl="0"/>
             <a:r>
-              <a:rPr lang="en-US" smtClean="0"/>
-              <a:t>Click to edit Master text styles</a:t>
+              <a:rPr lang="de-DE" smtClean="0"/>
+              <a:t>Textmasterformat bearbeiten</a:t>
             </a:r>
           </a:p>
           <a:p>
             <a:pPr lvl="1"/>
             <a:r>
-              <a:rPr lang="en-US" smtClean="0"/>
-              <a:t>Second level</a:t>
+              <a:rPr lang="de-DE" smtClean="0"/>
+              <a:t>Zweite Ebene</a:t>
             </a:r>
           </a:p>
           <a:p>
             <a:pPr lvl="2"/>
             <a:r>
-              <a:rPr lang="en-US" smtClean="0"/>
-              <a:t>Third level</a:t>
+              <a:rPr lang="de-DE" smtClean="0"/>
+              <a:t>Dritte Ebene</a:t>
             </a:r>
           </a:p>
           <a:p>
             <a:pPr lvl="3"/>
             <a:r>
-              <a:rPr lang="en-US" smtClean="0"/>
-              <a:t>Fourth level</a:t>
+              <a:rPr lang="de-DE" smtClean="0"/>
+              <a:t>Vierte Ebene</a:t>
             </a:r>
           </a:p>
           <a:p>
             <a:pPr lvl="4"/>
             <a:r>
-              <a:rPr lang="en-US" smtClean="0"/>
-              <a:t>Fifth level</a:t>
-            </a:r>
-            <a:endParaRPr lang="de-AT"/>
-          </a:p>
-        </p:txBody>
-      </p:sp>
-      <p:sp>
-        <p:nvSpPr>
-          <p:cNvPr id="5" name="Text Placeholder 4"/>
+              <a:rPr lang="de-DE" smtClean="0"/>
+              <a:t>Fünfte Ebene</a:t>
+            </a:r>
+            <a:endParaRPr lang="de-AT"/>
+          </a:p>
+        </p:txBody>
+      </p:sp>
+      <p:sp>
+        <p:nvSpPr>
+          <p:cNvPr id="5" name="Textplatzhalter 4"/>
           <p:cNvSpPr>
             <a:spLocks noGrp="1"/>
           </p:cNvSpPr>
@@ -1579,8 +1614,8 @@
         </p:nvSpPr>
         <p:spPr>
           <a:xfrm>
-            <a:off x="4645025" y="1535113"/>
-            <a:ext cx="4041775" cy="639762"/>
+            <a:off x="6401426" y="1370230"/>
+            <a:ext cx="5570071" cy="571047"/>
           </a:xfrm>
         </p:spPr>
         <p:txBody>
@@ -1626,15 +1661,15 @@
           <a:p>
             <a:pPr lvl="0"/>
             <a:r>
-              <a:rPr lang="en-US" smtClean="0"/>
-              <a:t>Click to edit Master text styles</a:t>
-            </a:r>
-          </a:p>
-        </p:txBody>
-      </p:sp>
-      <p:sp>
-        <p:nvSpPr>
-          <p:cNvPr id="6" name="Content Placeholder 5"/>
+              <a:rPr lang="de-DE" smtClean="0"/>
+              <a:t>Textmasterformat bearbeiten</a:t>
+            </a:r>
+          </a:p>
+        </p:txBody>
+      </p:sp>
+      <p:sp>
+        <p:nvSpPr>
+          <p:cNvPr id="6" name="Inhaltsplatzhalter 5"/>
           <p:cNvSpPr>
             <a:spLocks noGrp="1"/>
           </p:cNvSpPr>
@@ -1644,8 +1679,8 @@
         </p:nvSpPr>
         <p:spPr>
           <a:xfrm>
-            <a:off x="4645025" y="2174875"/>
-            <a:ext cx="4041775" cy="3951288"/>
+            <a:off x="6401426" y="1941278"/>
+            <a:ext cx="5570071" cy="3526890"/>
           </a:xfrm>
         </p:spPr>
         <p:txBody>
@@ -1682,44 +1717,44 @@
           <a:p>
             <a:pPr lvl="0"/>
             <a:r>
-              <a:rPr lang="en-US" smtClean="0"/>
-              <a:t>Click to edit Master text styles</a:t>
+              <a:rPr lang="de-DE" smtClean="0"/>
+              <a:t>Textmasterformat bearbeiten</a:t>
             </a:r>
           </a:p>
           <a:p>
             <a:pPr lvl="1"/>
             <a:r>
-              <a:rPr lang="en-US" smtClean="0"/>
-              <a:t>Second level</a:t>
+              <a:rPr lang="de-DE" smtClean="0"/>
+              <a:t>Zweite Ebene</a:t>
             </a:r>
           </a:p>
           <a:p>
             <a:pPr lvl="2"/>
             <a:r>
-              <a:rPr lang="en-US" smtClean="0"/>
-              <a:t>Third level</a:t>
+              <a:rPr lang="de-DE" smtClean="0"/>
+              <a:t>Dritte Ebene</a:t>
             </a:r>
           </a:p>
           <a:p>
             <a:pPr lvl="3"/>
             <a:r>
-              <a:rPr lang="en-US" smtClean="0"/>
-              <a:t>Fourth level</a:t>
+              <a:rPr lang="de-DE" smtClean="0"/>
+              <a:t>Vierte Ebene</a:t>
             </a:r>
           </a:p>
           <a:p>
             <a:pPr lvl="4"/>
             <a:r>
-              <a:rPr lang="en-US" smtClean="0"/>
-              <a:t>Fifth level</a:t>
-            </a:r>
-            <a:endParaRPr lang="de-AT"/>
-          </a:p>
-        </p:txBody>
-      </p:sp>
-      <p:sp>
-        <p:nvSpPr>
-          <p:cNvPr id="7" name="Date Placeholder 6"/>
+              <a:rPr lang="de-DE" smtClean="0"/>
+              <a:t>Fünfte Ebene</a:t>
+            </a:r>
+            <a:endParaRPr lang="de-AT"/>
+          </a:p>
+        </p:txBody>
+      </p:sp>
+      <p:sp>
+        <p:nvSpPr>
+          <p:cNvPr id="7" name="Datumsplatzhalter 6"/>
           <p:cNvSpPr>
             <a:spLocks noGrp="1"/>
           </p:cNvSpPr>
@@ -1732,9 +1767,9 @@
           <a:bodyPr/>
           <a:lstStyle/>
           <a:p>
-            <a:fld id="{DA48B841-176A-4F14-B85B-02032543DE0F}" type="datetimeFigureOut">
+            <a:fld id="{17A770FE-B93C-406E-B648-E21175039D10}" type="datetimeFigureOut">
               <a:rPr lang="de-AT" smtClean="0"/>
-              <a:t>04.04.2012</a:t>
+              <a:t>11.04.2012</a:t>
             </a:fld>
             <a:endParaRPr lang="de-AT"/>
           </a:p>
@@ -1742,7 +1777,7 @@
       </p:sp>
       <p:sp>
         <p:nvSpPr>
-          <p:cNvPr id="8" name="Footer Placeholder 7"/>
+          <p:cNvPr id="8" name="Fußzeilenplatzhalter 7"/>
           <p:cNvSpPr>
             <a:spLocks noGrp="1"/>
           </p:cNvSpPr>
@@ -1761,7 +1796,7 @@
       </p:sp>
       <p:sp>
         <p:nvSpPr>
-          <p:cNvPr id="9" name="Slide Number Placeholder 8"/>
+          <p:cNvPr id="9" name="Foliennummernplatzhalter 8"/>
           <p:cNvSpPr>
             <a:spLocks noGrp="1"/>
           </p:cNvSpPr>
@@ -1774,7 +1809,7 @@
           <a:bodyPr/>
           <a:lstStyle/>
           <a:p>
-            <a:fld id="{836B6E62-D470-446C-A6F9-E2F3AAB40117}" type="slidenum">
+            <a:fld id="{8D9144EB-E929-4A40-B56C-0BAF6B5B0A8F}" type="slidenum">
               <a:rPr lang="de-AT" smtClean="0"/>
               <a:t>‹Nr.›</a:t>
             </a:fld>
@@ -1783,6 +1818,11 @@
         </p:txBody>
       </p:sp>
     </p:spTree>
+    <p:extLst>
+      <p:ext uri="{BB962C8B-B14F-4D97-AF65-F5344CB8AC3E}">
+        <p14:creationId xmlns:p14="http://schemas.microsoft.com/office/powerpoint/2010/main" val="656960947"/>
+      </p:ext>
+    </p:extLst>
   </p:cSld>
   <p:clrMapOvr>
     <a:masterClrMapping/>
@@ -1792,7 +1832,7 @@
 
 <file path=ppt/slideLayouts/slideLayout6.xml><?xml version="1.0" encoding="utf-8"?>
 <p:sldLayout xmlns:a="http://schemas.openxmlformats.org/drawingml/2006/main" xmlns:r="http://schemas.openxmlformats.org/officeDocument/2006/relationships" xmlns:p="http://schemas.openxmlformats.org/presentationml/2006/main" type="titleOnly" preserve="1">
-  <p:cSld name="Title Only">
+  <p:cSld name="Nur Titel">
     <p:spTree>
       <p:nvGrpSpPr>
         <p:cNvPr id="1" name=""/>
@@ -1809,7 +1849,7 @@
       </p:grpSpPr>
       <p:sp>
         <p:nvSpPr>
-          <p:cNvPr id="2" name="Title 1"/>
+          <p:cNvPr id="2" name="Titel 1"/>
           <p:cNvSpPr>
             <a:spLocks noGrp="1"/>
           </p:cNvSpPr>
@@ -1823,16 +1863,16 @@
           <a:lstStyle/>
           <a:p>
             <a:r>
-              <a:rPr lang="en-US" smtClean="0"/>
-              <a:t>Click to edit Master title style</a:t>
-            </a:r>
-            <a:endParaRPr lang="de-AT"/>
-          </a:p>
-        </p:txBody>
-      </p:sp>
-      <p:sp>
-        <p:nvSpPr>
-          <p:cNvPr id="3" name="Date Placeholder 2"/>
+              <a:rPr lang="de-DE" smtClean="0"/>
+              <a:t>Titelmasterformat durch Klicken bearbeiten</a:t>
+            </a:r>
+            <a:endParaRPr lang="de-AT"/>
+          </a:p>
+        </p:txBody>
+      </p:sp>
+      <p:sp>
+        <p:nvSpPr>
+          <p:cNvPr id="3" name="Datumsplatzhalter 2"/>
           <p:cNvSpPr>
             <a:spLocks noGrp="1"/>
           </p:cNvSpPr>
@@ -1845,9 +1885,9 @@
           <a:bodyPr/>
           <a:lstStyle/>
           <a:p>
-            <a:fld id="{DA48B841-176A-4F14-B85B-02032543DE0F}" type="datetimeFigureOut">
+            <a:fld id="{17A770FE-B93C-406E-B648-E21175039D10}" type="datetimeFigureOut">
               <a:rPr lang="de-AT" smtClean="0"/>
-              <a:t>04.04.2012</a:t>
+              <a:t>11.04.2012</a:t>
             </a:fld>
             <a:endParaRPr lang="de-AT"/>
           </a:p>
@@ -1855,7 +1895,7 @@
       </p:sp>
       <p:sp>
         <p:nvSpPr>
-          <p:cNvPr id="4" name="Footer Placeholder 3"/>
+          <p:cNvPr id="4" name="Fußzeilenplatzhalter 3"/>
           <p:cNvSpPr>
             <a:spLocks noGrp="1"/>
           </p:cNvSpPr>
@@ -1874,7 +1914,7 @@
       </p:sp>
       <p:sp>
         <p:nvSpPr>
-          <p:cNvPr id="5" name="Slide Number Placeholder 4"/>
+          <p:cNvPr id="5" name="Foliennummernplatzhalter 4"/>
           <p:cNvSpPr>
             <a:spLocks noGrp="1"/>
           </p:cNvSpPr>
@@ -1887,7 +1927,7 @@
           <a:bodyPr/>
           <a:lstStyle/>
           <a:p>
-            <a:fld id="{836B6E62-D470-446C-A6F9-E2F3AAB40117}" type="slidenum">
+            <a:fld id="{8D9144EB-E929-4A40-B56C-0BAF6B5B0A8F}" type="slidenum">
               <a:rPr lang="de-AT" smtClean="0"/>
               <a:t>‹Nr.›</a:t>
             </a:fld>
@@ -1896,6 +1936,11 @@
         </p:txBody>
       </p:sp>
     </p:spTree>
+    <p:extLst>
+      <p:ext uri="{BB962C8B-B14F-4D97-AF65-F5344CB8AC3E}">
+        <p14:creationId xmlns:p14="http://schemas.microsoft.com/office/powerpoint/2010/main" val="1521745317"/>
+      </p:ext>
+    </p:extLst>
   </p:cSld>
   <p:clrMapOvr>
     <a:masterClrMapping/>
@@ -1905,7 +1950,7 @@
 
 <file path=ppt/slideLayouts/slideLayout7.xml><?xml version="1.0" encoding="utf-8"?>
 <p:sldLayout xmlns:a="http://schemas.openxmlformats.org/drawingml/2006/main" xmlns:r="http://schemas.openxmlformats.org/officeDocument/2006/relationships" xmlns:p="http://schemas.openxmlformats.org/presentationml/2006/main" type="blank" preserve="1">
-  <p:cSld name="Blank">
+  <p:cSld name="Leer">
     <p:spTree>
       <p:nvGrpSpPr>
         <p:cNvPr id="1" name=""/>
@@ -1922,7 +1967,7 @@
       </p:grpSpPr>
       <p:sp>
         <p:nvSpPr>
-          <p:cNvPr id="2" name="Date Placeholder 1"/>
+          <p:cNvPr id="2" name="Datumsplatzhalter 1"/>
           <p:cNvSpPr>
             <a:spLocks noGrp="1"/>
           </p:cNvSpPr>
@@ -1935,9 +1980,9 @@
           <a:bodyPr/>
           <a:lstStyle/>
           <a:p>
-            <a:fld id="{DA48B841-176A-4F14-B85B-02032543DE0F}" type="datetimeFigureOut">
+            <a:fld id="{17A770FE-B93C-406E-B648-E21175039D10}" type="datetimeFigureOut">
               <a:rPr lang="de-AT" smtClean="0"/>
-              <a:t>04.04.2012</a:t>
+              <a:t>11.04.2012</a:t>
             </a:fld>
             <a:endParaRPr lang="de-AT"/>
           </a:p>
@@ -1945,7 +1990,7 @@
       </p:sp>
       <p:sp>
         <p:nvSpPr>
-          <p:cNvPr id="3" name="Footer Placeholder 2"/>
+          <p:cNvPr id="3" name="Fußzeilenplatzhalter 2"/>
           <p:cNvSpPr>
             <a:spLocks noGrp="1"/>
           </p:cNvSpPr>
@@ -1964,7 +2009,7 @@
       </p:sp>
       <p:sp>
         <p:nvSpPr>
-          <p:cNvPr id="4" name="Slide Number Placeholder 3"/>
+          <p:cNvPr id="4" name="Foliennummernplatzhalter 3"/>
           <p:cNvSpPr>
             <a:spLocks noGrp="1"/>
           </p:cNvSpPr>
@@ -1977,7 +2022,7 @@
           <a:bodyPr/>
           <a:lstStyle/>
           <a:p>
-            <a:fld id="{836B6E62-D470-446C-A6F9-E2F3AAB40117}" type="slidenum">
+            <a:fld id="{8D9144EB-E929-4A40-B56C-0BAF6B5B0A8F}" type="slidenum">
               <a:rPr lang="de-AT" smtClean="0"/>
               <a:t>‹Nr.›</a:t>
             </a:fld>
@@ -1986,6 +2031,11 @@
         </p:txBody>
       </p:sp>
     </p:spTree>
+    <p:extLst>
+      <p:ext uri="{BB962C8B-B14F-4D97-AF65-F5344CB8AC3E}">
+        <p14:creationId xmlns:p14="http://schemas.microsoft.com/office/powerpoint/2010/main" val="4110417924"/>
+      </p:ext>
+    </p:extLst>
   </p:cSld>
   <p:clrMapOvr>
     <a:masterClrMapping/>
@@ -1995,7 +2045,7 @@
 
 <file path=ppt/slideLayouts/slideLayout8.xml><?xml version="1.0" encoding="utf-8"?>
 <p:sldLayout xmlns:a="http://schemas.openxmlformats.org/drawingml/2006/main" xmlns:r="http://schemas.openxmlformats.org/officeDocument/2006/relationships" xmlns:p="http://schemas.openxmlformats.org/presentationml/2006/main" type="objTx" preserve="1">
-  <p:cSld name="Content with Caption">
+  <p:cSld name="Inhalt mit Überschrift">
     <p:spTree>
       <p:nvGrpSpPr>
         <p:cNvPr id="1" name=""/>
@@ -2012,7 +2062,7 @@
       </p:grpSpPr>
       <p:sp>
         <p:nvSpPr>
-          <p:cNvPr id="2" name="Title 1"/>
+          <p:cNvPr id="2" name="Titel 1"/>
           <p:cNvSpPr>
             <a:spLocks noGrp="1"/>
           </p:cNvSpPr>
@@ -2022,8 +2072,8 @@
         </p:nvSpPr>
         <p:spPr>
           <a:xfrm>
-            <a:off x="457200" y="273050"/>
-            <a:ext cx="3008313" cy="1162050"/>
+            <a:off x="630080" y="243723"/>
+            <a:ext cx="4145831" cy="1037237"/>
           </a:xfrm>
         </p:spPr>
         <p:txBody>
@@ -2035,16 +2085,16 @@
           </a:lstStyle>
           <a:p>
             <a:r>
-              <a:rPr lang="en-US" smtClean="0"/>
-              <a:t>Click to edit Master title style</a:t>
-            </a:r>
-            <a:endParaRPr lang="de-AT"/>
-          </a:p>
-        </p:txBody>
-      </p:sp>
-      <p:sp>
-        <p:nvSpPr>
-          <p:cNvPr id="3" name="Content Placeholder 2"/>
+              <a:rPr lang="de-DE" smtClean="0"/>
+              <a:t>Titelmasterformat durch Klicken bearbeiten</a:t>
+            </a:r>
+            <a:endParaRPr lang="de-AT"/>
+          </a:p>
+        </p:txBody>
+      </p:sp>
+      <p:sp>
+        <p:nvSpPr>
+          <p:cNvPr id="3" name="Inhaltsplatzhalter 2"/>
           <p:cNvSpPr>
             <a:spLocks noGrp="1"/>
           </p:cNvSpPr>
@@ -2054,8 +2104,8 @@
         </p:nvSpPr>
         <p:spPr>
           <a:xfrm>
-            <a:off x="3575050" y="273050"/>
-            <a:ext cx="5111750" cy="5853113"/>
+            <a:off x="4926866" y="243723"/>
+            <a:ext cx="7044630" cy="5224445"/>
           </a:xfrm>
         </p:spPr>
         <p:txBody>
@@ -2092,44 +2142,44 @@
           <a:p>
             <a:pPr lvl="0"/>
             <a:r>
-              <a:rPr lang="en-US" smtClean="0"/>
-              <a:t>Click to edit Master text styles</a:t>
+              <a:rPr lang="de-DE" smtClean="0"/>
+              <a:t>Textmasterformat bearbeiten</a:t>
             </a:r>
           </a:p>
           <a:p>
             <a:pPr lvl="1"/>
             <a:r>
-              <a:rPr lang="en-US" smtClean="0"/>
-              <a:t>Second level</a:t>
+              <a:rPr lang="de-DE" smtClean="0"/>
+              <a:t>Zweite Ebene</a:t>
             </a:r>
           </a:p>
           <a:p>
             <a:pPr lvl="2"/>
             <a:r>
-              <a:rPr lang="en-US" smtClean="0"/>
-              <a:t>Third level</a:t>
+              <a:rPr lang="de-DE" smtClean="0"/>
+              <a:t>Dritte Ebene</a:t>
             </a:r>
           </a:p>
           <a:p>
             <a:pPr lvl="3"/>
             <a:r>
-              <a:rPr lang="en-US" smtClean="0"/>
-              <a:t>Fourth level</a:t>
+              <a:rPr lang="de-DE" smtClean="0"/>
+              <a:t>Vierte Ebene</a:t>
             </a:r>
           </a:p>
           <a:p>
             <a:pPr lvl="4"/>
             <a:r>
-              <a:rPr lang="en-US" smtClean="0"/>
-              <a:t>Fifth level</a:t>
-            </a:r>
-            <a:endParaRPr lang="de-AT"/>
-          </a:p>
-        </p:txBody>
-      </p:sp>
-      <p:sp>
-        <p:nvSpPr>
-          <p:cNvPr id="4" name="Text Placeholder 3"/>
+              <a:rPr lang="de-DE" smtClean="0"/>
+              <a:t>Fünfte Ebene</a:t>
+            </a:r>
+            <a:endParaRPr lang="de-AT"/>
+          </a:p>
+        </p:txBody>
+      </p:sp>
+      <p:sp>
+        <p:nvSpPr>
+          <p:cNvPr id="4" name="Textplatzhalter 3"/>
           <p:cNvSpPr>
             <a:spLocks noGrp="1"/>
           </p:cNvSpPr>
@@ -2139,8 +2189,8 @@
         </p:nvSpPr>
         <p:spPr>
           <a:xfrm>
-            <a:off x="457200" y="1435100"/>
-            <a:ext cx="3008313" cy="4691063"/>
+            <a:off x="630080" y="1280960"/>
+            <a:ext cx="4145831" cy="4187208"/>
           </a:xfrm>
         </p:spPr>
         <p:txBody>
@@ -2186,15 +2236,15 @@
           <a:p>
             <a:pPr lvl="0"/>
             <a:r>
-              <a:rPr lang="en-US" smtClean="0"/>
-              <a:t>Click to edit Master text styles</a:t>
-            </a:r>
-          </a:p>
-        </p:txBody>
-      </p:sp>
-      <p:sp>
-        <p:nvSpPr>
-          <p:cNvPr id="5" name="Date Placeholder 4"/>
+              <a:rPr lang="de-DE" smtClean="0"/>
+              <a:t>Textmasterformat bearbeiten</a:t>
+            </a:r>
+          </a:p>
+        </p:txBody>
+      </p:sp>
+      <p:sp>
+        <p:nvSpPr>
+          <p:cNvPr id="5" name="Datumsplatzhalter 4"/>
           <p:cNvSpPr>
             <a:spLocks noGrp="1"/>
           </p:cNvSpPr>
@@ -2207,9 +2257,9 @@
           <a:bodyPr/>
           <a:lstStyle/>
           <a:p>
-            <a:fld id="{DA48B841-176A-4F14-B85B-02032543DE0F}" type="datetimeFigureOut">
+            <a:fld id="{17A770FE-B93C-406E-B648-E21175039D10}" type="datetimeFigureOut">
               <a:rPr lang="de-AT" smtClean="0"/>
-              <a:t>04.04.2012</a:t>
+              <a:t>11.04.2012</a:t>
             </a:fld>
             <a:endParaRPr lang="de-AT"/>
           </a:p>
@@ -2217,7 +2267,7 @@
       </p:sp>
       <p:sp>
         <p:nvSpPr>
-          <p:cNvPr id="6" name="Footer Placeholder 5"/>
+          <p:cNvPr id="6" name="Fußzeilenplatzhalter 5"/>
           <p:cNvSpPr>
             <a:spLocks noGrp="1"/>
           </p:cNvSpPr>
@@ -2236,7 +2286,7 @@
       </p:sp>
       <p:sp>
         <p:nvSpPr>
-          <p:cNvPr id="7" name="Slide Number Placeholder 6"/>
+          <p:cNvPr id="7" name="Foliennummernplatzhalter 6"/>
           <p:cNvSpPr>
             <a:spLocks noGrp="1"/>
           </p:cNvSpPr>
@@ -2249,7 +2299,7 @@
           <a:bodyPr/>
           <a:lstStyle/>
           <a:p>
-            <a:fld id="{836B6E62-D470-446C-A6F9-E2F3AAB40117}" type="slidenum">
+            <a:fld id="{8D9144EB-E929-4A40-B56C-0BAF6B5B0A8F}" type="slidenum">
               <a:rPr lang="de-AT" smtClean="0"/>
               <a:t>‹Nr.›</a:t>
             </a:fld>
@@ -2258,6 +2308,11 @@
         </p:txBody>
       </p:sp>
     </p:spTree>
+    <p:extLst>
+      <p:ext uri="{BB962C8B-B14F-4D97-AF65-F5344CB8AC3E}">
+        <p14:creationId xmlns:p14="http://schemas.microsoft.com/office/powerpoint/2010/main" val="1672934395"/>
+      </p:ext>
+    </p:extLst>
   </p:cSld>
   <p:clrMapOvr>
     <a:masterClrMapping/>
@@ -2267,7 +2322,7 @@
 
 <file path=ppt/slideLayouts/slideLayout9.xml><?xml version="1.0" encoding="utf-8"?>
 <p:sldLayout xmlns:a="http://schemas.openxmlformats.org/drawingml/2006/main" xmlns:r="http://schemas.openxmlformats.org/officeDocument/2006/relationships" xmlns:p="http://schemas.openxmlformats.org/presentationml/2006/main" type="picTx" preserve="1">
-  <p:cSld name="Picture with Caption">
+  <p:cSld name="Bild mit Überschrift">
     <p:spTree>
       <p:nvGrpSpPr>
         <p:cNvPr id="1" name=""/>
@@ -2284,7 +2339,7 @@
       </p:grpSpPr>
       <p:sp>
         <p:nvSpPr>
-          <p:cNvPr id="2" name="Title 1"/>
+          <p:cNvPr id="2" name="Titel 1"/>
           <p:cNvSpPr>
             <a:spLocks noGrp="1"/>
           </p:cNvSpPr>
@@ -2294,8 +2349,8 @@
         </p:nvSpPr>
         <p:spPr>
           <a:xfrm>
-            <a:off x="1792288" y="4800600"/>
-            <a:ext cx="5486400" cy="566738"/>
+            <a:off x="2469997" y="4284980"/>
+            <a:ext cx="7560945" cy="505866"/>
           </a:xfrm>
         </p:spPr>
         <p:txBody>
@@ -2307,16 +2362,16 @@
           </a:lstStyle>
           <a:p>
             <a:r>
-              <a:rPr lang="en-US" smtClean="0"/>
-              <a:t>Click to edit Master title style</a:t>
-            </a:r>
-            <a:endParaRPr lang="de-AT"/>
-          </a:p>
-        </p:txBody>
-      </p:sp>
-      <p:sp>
-        <p:nvSpPr>
-          <p:cNvPr id="3" name="Picture Placeholder 2"/>
+              <a:rPr lang="de-DE" smtClean="0"/>
+              <a:t>Titelmasterformat durch Klicken bearbeiten</a:t>
+            </a:r>
+            <a:endParaRPr lang="de-AT"/>
+          </a:p>
+        </p:txBody>
+      </p:sp>
+      <p:sp>
+        <p:nvSpPr>
+          <p:cNvPr id="3" name="Bildplatzhalter 2"/>
           <p:cNvSpPr>
             <a:spLocks noGrp="1"/>
           </p:cNvSpPr>
@@ -2326,8 +2381,8 @@
         </p:nvSpPr>
         <p:spPr>
           <a:xfrm>
-            <a:off x="1792288" y="612775"/>
-            <a:ext cx="5486400" cy="4114800"/>
+            <a:off x="2469997" y="546958"/>
+            <a:ext cx="7560945" cy="3672840"/>
           </a:xfrm>
         </p:spPr>
         <p:txBody>
@@ -2377,7 +2432,7 @@
       </p:sp>
       <p:sp>
         <p:nvSpPr>
-          <p:cNvPr id="4" name="Text Placeholder 3"/>
+          <p:cNvPr id="4" name="Textplatzhalter 3"/>
           <p:cNvSpPr>
             <a:spLocks noGrp="1"/>
           </p:cNvSpPr>
@@ -2387,8 +2442,8 @@
         </p:nvSpPr>
         <p:spPr>
           <a:xfrm>
-            <a:off x="1792288" y="5367338"/>
-            <a:ext cx="5486400" cy="804862"/>
+            <a:off x="2469997" y="4790846"/>
+            <a:ext cx="7560945" cy="718414"/>
           </a:xfrm>
         </p:spPr>
         <p:txBody>
@@ -2434,15 +2489,15 @@
           <a:p>
             <a:pPr lvl="0"/>
             <a:r>
-              <a:rPr lang="en-US" smtClean="0"/>
-              <a:t>Click to edit Master text styles</a:t>
-            </a:r>
-          </a:p>
-        </p:txBody>
-      </p:sp>
-      <p:sp>
-        <p:nvSpPr>
-          <p:cNvPr id="5" name="Date Placeholder 4"/>
+              <a:rPr lang="de-DE" smtClean="0"/>
+              <a:t>Textmasterformat bearbeiten</a:t>
+            </a:r>
+          </a:p>
+        </p:txBody>
+      </p:sp>
+      <p:sp>
+        <p:nvSpPr>
+          <p:cNvPr id="5" name="Datumsplatzhalter 4"/>
           <p:cNvSpPr>
             <a:spLocks noGrp="1"/>
           </p:cNvSpPr>
@@ -2455,9 +2510,9 @@
           <a:bodyPr/>
           <a:lstStyle/>
           <a:p>
-            <a:fld id="{DA48B841-176A-4F14-B85B-02032543DE0F}" type="datetimeFigureOut">
+            <a:fld id="{17A770FE-B93C-406E-B648-E21175039D10}" type="datetimeFigureOut">
               <a:rPr lang="de-AT" smtClean="0"/>
-              <a:t>04.04.2012</a:t>
+              <a:t>11.04.2012</a:t>
             </a:fld>
             <a:endParaRPr lang="de-AT"/>
           </a:p>
@@ -2465,7 +2520,7 @@
       </p:sp>
       <p:sp>
         <p:nvSpPr>
-          <p:cNvPr id="6" name="Footer Placeholder 5"/>
+          <p:cNvPr id="6" name="Fußzeilenplatzhalter 5"/>
           <p:cNvSpPr>
             <a:spLocks noGrp="1"/>
           </p:cNvSpPr>
@@ -2484,7 +2539,7 @@
       </p:sp>
       <p:sp>
         <p:nvSpPr>
-          <p:cNvPr id="7" name="Slide Number Placeholder 6"/>
+          <p:cNvPr id="7" name="Foliennummernplatzhalter 6"/>
           <p:cNvSpPr>
             <a:spLocks noGrp="1"/>
           </p:cNvSpPr>
@@ -2497,7 +2552,7 @@
           <a:bodyPr/>
           <a:lstStyle/>
           <a:p>
-            <a:fld id="{836B6E62-D470-446C-A6F9-E2F3AAB40117}" type="slidenum">
+            <a:fld id="{8D9144EB-E929-4A40-B56C-0BAF6B5B0A8F}" type="slidenum">
               <a:rPr lang="de-AT" smtClean="0"/>
               <a:t>‹Nr.›</a:t>
             </a:fld>
@@ -2506,6 +2561,11 @@
         </p:txBody>
       </p:sp>
     </p:spTree>
+    <p:extLst>
+      <p:ext uri="{BB962C8B-B14F-4D97-AF65-F5344CB8AC3E}">
+        <p14:creationId xmlns:p14="http://schemas.microsoft.com/office/powerpoint/2010/main" val="3903568869"/>
+      </p:ext>
+    </p:extLst>
   </p:cSld>
   <p:clrMapOvr>
     <a:masterClrMapping/>
@@ -2537,7 +2597,7 @@
       </p:grpSpPr>
       <p:sp>
         <p:nvSpPr>
-          <p:cNvPr id="2" name="Title Placeholder 1"/>
+          <p:cNvPr id="2" name="Titelplatzhalter 1"/>
           <p:cNvSpPr>
             <a:spLocks noGrp="1"/>
           </p:cNvSpPr>
@@ -2547,8 +2607,8 @@
         </p:nvSpPr>
         <p:spPr>
           <a:xfrm>
-            <a:off x="457200" y="274638"/>
-            <a:ext cx="8229600" cy="1143000"/>
+            <a:off x="630079" y="245140"/>
+            <a:ext cx="11341418" cy="1020233"/>
           </a:xfrm>
           <a:prstGeom prst="rect">
             <a:avLst/>
@@ -2561,16 +2621,16 @@
           <a:lstStyle/>
           <a:p>
             <a:r>
-              <a:rPr lang="en-US" smtClean="0"/>
-              <a:t>Click to edit Master title style</a:t>
-            </a:r>
-            <a:endParaRPr lang="de-AT"/>
-          </a:p>
-        </p:txBody>
-      </p:sp>
-      <p:sp>
-        <p:nvSpPr>
-          <p:cNvPr id="3" name="Text Placeholder 2"/>
+              <a:rPr lang="de-DE" smtClean="0"/>
+              <a:t>Titelmasterformat durch Klicken bearbeiten</a:t>
+            </a:r>
+            <a:endParaRPr lang="de-AT"/>
+          </a:p>
+        </p:txBody>
+      </p:sp>
+      <p:sp>
+        <p:nvSpPr>
+          <p:cNvPr id="3" name="Textplatzhalter 2"/>
           <p:cNvSpPr>
             <a:spLocks noGrp="1"/>
           </p:cNvSpPr>
@@ -2580,8 +2640,8 @@
         </p:nvSpPr>
         <p:spPr>
           <a:xfrm>
-            <a:off x="457200" y="1600200"/>
-            <a:ext cx="8229600" cy="4525963"/>
+            <a:off x="630079" y="1428327"/>
+            <a:ext cx="11341418" cy="4039841"/>
           </a:xfrm>
           <a:prstGeom prst="rect">
             <a:avLst/>
@@ -2595,44 +2655,44 @@
           <a:p>
             <a:pPr lvl="0"/>
             <a:r>
-              <a:rPr lang="en-US" smtClean="0"/>
-              <a:t>Click to edit Master text styles</a:t>
+              <a:rPr lang="de-DE" smtClean="0"/>
+              <a:t>Textmasterformat bearbeiten</a:t>
             </a:r>
           </a:p>
           <a:p>
             <a:pPr lvl="1"/>
             <a:r>
-              <a:rPr lang="en-US" smtClean="0"/>
-              <a:t>Second level</a:t>
+              <a:rPr lang="de-DE" smtClean="0"/>
+              <a:t>Zweite Ebene</a:t>
             </a:r>
           </a:p>
           <a:p>
             <a:pPr lvl="2"/>
             <a:r>
-              <a:rPr lang="en-US" smtClean="0"/>
-              <a:t>Third level</a:t>
+              <a:rPr lang="de-DE" smtClean="0"/>
+              <a:t>Dritte Ebene</a:t>
             </a:r>
           </a:p>
           <a:p>
             <a:pPr lvl="3"/>
             <a:r>
-              <a:rPr lang="en-US" smtClean="0"/>
-              <a:t>Fourth level</a:t>
+              <a:rPr lang="de-DE" smtClean="0"/>
+              <a:t>Vierte Ebene</a:t>
             </a:r>
           </a:p>
           <a:p>
             <a:pPr lvl="4"/>
             <a:r>
-              <a:rPr lang="en-US" smtClean="0"/>
-              <a:t>Fifth level</a:t>
-            </a:r>
-            <a:endParaRPr lang="de-AT"/>
-          </a:p>
-        </p:txBody>
-      </p:sp>
-      <p:sp>
-        <p:nvSpPr>
-          <p:cNvPr id="4" name="Date Placeholder 3"/>
+              <a:rPr lang="de-DE" smtClean="0"/>
+              <a:t>Fünfte Ebene</a:t>
+            </a:r>
+            <a:endParaRPr lang="de-AT"/>
+          </a:p>
+        </p:txBody>
+      </p:sp>
+      <p:sp>
+        <p:nvSpPr>
+          <p:cNvPr id="4" name="Datumsplatzhalter 3"/>
           <p:cNvSpPr>
             <a:spLocks noGrp="1"/>
           </p:cNvSpPr>
@@ -2642,8 +2702,8 @@
         </p:nvSpPr>
         <p:spPr>
           <a:xfrm>
-            <a:off x="457200" y="6356350"/>
-            <a:ext cx="2133600" cy="365125"/>
+            <a:off x="630079" y="5673631"/>
+            <a:ext cx="2940368" cy="325908"/>
           </a:xfrm>
           <a:prstGeom prst="rect">
             <a:avLst/>
@@ -2663,9 +2723,9 @@
             </a:lvl1pPr>
           </a:lstStyle>
           <a:p>
-            <a:fld id="{DA48B841-176A-4F14-B85B-02032543DE0F}" type="datetimeFigureOut">
+            <a:fld id="{17A770FE-B93C-406E-B648-E21175039D10}" type="datetimeFigureOut">
               <a:rPr lang="de-AT" smtClean="0"/>
-              <a:t>04.04.2012</a:t>
+              <a:t>11.04.2012</a:t>
             </a:fld>
             <a:endParaRPr lang="de-AT"/>
           </a:p>
@@ -2673,7 +2733,7 @@
       </p:sp>
       <p:sp>
         <p:nvSpPr>
-          <p:cNvPr id="5" name="Footer Placeholder 4"/>
+          <p:cNvPr id="5" name="Fußzeilenplatzhalter 4"/>
           <p:cNvSpPr>
             <a:spLocks noGrp="1"/>
           </p:cNvSpPr>
@@ -2683,8 +2743,8 @@
         </p:nvSpPr>
         <p:spPr>
           <a:xfrm>
-            <a:off x="3124200" y="6356350"/>
-            <a:ext cx="2895600" cy="365125"/>
+            <a:off x="4305538" y="5673631"/>
+            <a:ext cx="3990499" cy="325908"/>
           </a:xfrm>
           <a:prstGeom prst="rect">
             <a:avLst/>
@@ -2710,7 +2770,7 @@
       </p:sp>
       <p:sp>
         <p:nvSpPr>
-          <p:cNvPr id="6" name="Slide Number Placeholder 5"/>
+          <p:cNvPr id="6" name="Foliennummernplatzhalter 5"/>
           <p:cNvSpPr>
             <a:spLocks noGrp="1"/>
           </p:cNvSpPr>
@@ -2720,8 +2780,8 @@
         </p:nvSpPr>
         <p:spPr>
           <a:xfrm>
-            <a:off x="6553200" y="6356350"/>
-            <a:ext cx="2133600" cy="365125"/>
+            <a:off x="9031129" y="5673631"/>
+            <a:ext cx="2940368" cy="325908"/>
           </a:xfrm>
           <a:prstGeom prst="rect">
             <a:avLst/>
@@ -2741,7 +2801,7 @@
             </a:lvl1pPr>
           </a:lstStyle>
           <a:p>
-            <a:fld id="{836B6E62-D470-446C-A6F9-E2F3AAB40117}" type="slidenum">
+            <a:fld id="{8D9144EB-E929-4A40-B56C-0BAF6B5B0A8F}" type="slidenum">
               <a:rPr lang="de-AT" smtClean="0"/>
               <a:t>‹Nr.›</a:t>
             </a:fld>
@@ -2750,6 +2810,11 @@
         </p:txBody>
       </p:sp>
     </p:spTree>
+    <p:extLst>
+      <p:ext uri="{BB962C8B-B14F-4D97-AF65-F5344CB8AC3E}">
+        <p14:creationId xmlns:p14="http://schemas.microsoft.com/office/powerpoint/2010/main" val="2050683406"/>
+      </p:ext>
+    </p:extLst>
   </p:cSld>
   <p:clrMap bg1="lt1" tx1="dk1" bg2="lt2" tx2="dk2" accent1="accent1" accent2="accent2" accent3="accent3" accent4="accent4" accent5="accent5" accent6="accent6" hlink="hlink" folHlink="folHlink"/>
   <p:sldLayoutIdLst>
@@ -3037,13 +3102,13 @@
       </p:grpSpPr>
       <p:sp>
         <p:nvSpPr>
-          <p:cNvPr id="4" name="Rectangle 3"/>
+          <p:cNvPr id="5" name="Rectangle 38"/>
           <p:cNvSpPr/>
           <p:nvPr/>
         </p:nvSpPr>
         <p:spPr>
           <a:xfrm>
-            <a:off x="1985056" y="5013176"/>
+            <a:off x="3204443" y="3377539"/>
             <a:ext cx="1656184" cy="331237"/>
           </a:xfrm>
           <a:prstGeom prst="rect">
@@ -3067,27 +3132,33 @@
           </a:fontRef>
         </p:style>
         <p:txBody>
-          <a:bodyPr rtlCol="0" anchor="ctr"/>
+          <a:bodyPr lIns="91439" tIns="45719" rIns="91439" bIns="45719" rtlCol="0" anchor="ctr"/>
           <a:lstStyle/>
           <a:p>
             <a:pPr algn="ctr"/>
             <a:r>
-              <a:rPr lang="de-AT" sz="1400" dirty="0" smtClean="0"/>
-              <a:t>Common</a:t>
-            </a:r>
-            <a:endParaRPr lang="de-AT" sz="1400" dirty="0"/>
-          </a:p>
-        </p:txBody>
-      </p:sp>
-      <p:sp>
-        <p:nvSpPr>
-          <p:cNvPr id="5" name="Rectangle 4"/>
+              <a:rPr lang="de-AT" sz="1400" dirty="0" smtClean="0">
+                <a:latin typeface="Times New Roman" pitchFamily="18" charset="0"/>
+                <a:cs typeface="Times New Roman" pitchFamily="18" charset="0"/>
+              </a:rPr>
+              <a:t>Collections</a:t>
+            </a:r>
+            <a:endParaRPr lang="de-AT" sz="1400" dirty="0">
+              <a:latin typeface="Times New Roman" pitchFamily="18" charset="0"/>
+              <a:cs typeface="Times New Roman" pitchFamily="18" charset="0"/>
+            </a:endParaRPr>
+          </a:p>
+        </p:txBody>
+      </p:sp>
+      <p:sp>
+        <p:nvSpPr>
+          <p:cNvPr id="6" name="Rectangle 39"/>
           <p:cNvSpPr/>
           <p:nvPr/>
         </p:nvSpPr>
         <p:spPr>
           <a:xfrm>
-            <a:off x="1984275" y="4581126"/>
+            <a:off x="6660827" y="3377539"/>
             <a:ext cx="1656184" cy="331237"/>
           </a:xfrm>
           <a:prstGeom prst="rect">
@@ -3111,28 +3182,684 @@
           </a:fontRef>
         </p:style>
         <p:txBody>
-          <a:bodyPr rtlCol="0" anchor="ctr"/>
+          <a:bodyPr lIns="91439" tIns="45719" rIns="91439" bIns="45719" rtlCol="0" anchor="ctr"/>
           <a:lstStyle/>
           <a:p>
             <a:pPr algn="ctr"/>
             <a:r>
-              <a:rPr lang="de-AT" sz="1400" dirty="0" smtClean="0"/>
-              <a:t>Collections</a:t>
-            </a:r>
-            <a:endParaRPr lang="de-AT" sz="1400" dirty="0"/>
-          </a:p>
-        </p:txBody>
-      </p:sp>
-      <p:sp>
-        <p:nvSpPr>
-          <p:cNvPr id="6" name="Rectangle 5"/>
+              <a:rPr lang="de-AT" sz="1400" dirty="0" smtClean="0">
+                <a:latin typeface="Times New Roman" pitchFamily="18" charset="0"/>
+                <a:cs typeface="Times New Roman" pitchFamily="18" charset="0"/>
+              </a:rPr>
+              <a:t>Persistence</a:t>
+            </a:r>
+            <a:endParaRPr lang="de-AT" sz="1400" dirty="0">
+              <a:latin typeface="Times New Roman" pitchFamily="18" charset="0"/>
+              <a:cs typeface="Times New Roman" pitchFamily="18" charset="0"/>
+            </a:endParaRPr>
+          </a:p>
+        </p:txBody>
+      </p:sp>
+      <p:sp>
+        <p:nvSpPr>
+          <p:cNvPr id="7" name="Rectangle 40"/>
           <p:cNvSpPr/>
           <p:nvPr/>
         </p:nvSpPr>
         <p:spPr>
           <a:xfrm>
-            <a:off x="256864" y="4581127"/>
+            <a:off x="8461027" y="3377538"/>
             <a:ext cx="1656184" cy="331237"/>
+          </a:xfrm>
+          <a:prstGeom prst="rect">
+            <a:avLst/>
+          </a:prstGeom>
+        </p:spPr>
+        <p:style>
+          <a:lnRef idx="2">
+            <a:schemeClr val="accent2">
+              <a:shade val="50000"/>
+            </a:schemeClr>
+          </a:lnRef>
+          <a:fillRef idx="1">
+            <a:schemeClr val="accent2"/>
+          </a:fillRef>
+          <a:effectRef idx="0">
+            <a:schemeClr val="accent2"/>
+          </a:effectRef>
+          <a:fontRef idx="minor">
+            <a:schemeClr val="lt1"/>
+          </a:fontRef>
+        </p:style>
+        <p:txBody>
+          <a:bodyPr lIns="91439" tIns="45719" rIns="91439" bIns="45719" rtlCol="0" anchor="ctr"/>
+          <a:lstStyle/>
+          <a:p>
+            <a:pPr algn="ctr"/>
+            <a:r>
+              <a:rPr lang="de-AT" sz="1400" dirty="0" smtClean="0">
+                <a:latin typeface="Times New Roman" pitchFamily="18" charset="0"/>
+                <a:cs typeface="Times New Roman" pitchFamily="18" charset="0"/>
+              </a:rPr>
+              <a:t>MainForm</a:t>
+            </a:r>
+            <a:endParaRPr lang="de-AT" sz="1400" dirty="0">
+              <a:latin typeface="Times New Roman" pitchFamily="18" charset="0"/>
+              <a:cs typeface="Times New Roman" pitchFamily="18" charset="0"/>
+            </a:endParaRPr>
+          </a:p>
+        </p:txBody>
+      </p:sp>
+      <p:sp>
+        <p:nvSpPr>
+          <p:cNvPr id="8" name="Rectangle 41"/>
+          <p:cNvSpPr/>
+          <p:nvPr/>
+        </p:nvSpPr>
+        <p:spPr>
+          <a:xfrm>
+            <a:off x="8461027" y="2974294"/>
+            <a:ext cx="1656184" cy="331237"/>
+          </a:xfrm>
+          <a:prstGeom prst="rect">
+            <a:avLst/>
+          </a:prstGeom>
+        </p:spPr>
+        <p:style>
+          <a:lnRef idx="2">
+            <a:schemeClr val="accent2">
+              <a:shade val="50000"/>
+            </a:schemeClr>
+          </a:lnRef>
+          <a:fillRef idx="1">
+            <a:schemeClr val="accent2"/>
+          </a:fillRef>
+          <a:effectRef idx="0">
+            <a:schemeClr val="accent2"/>
+          </a:effectRef>
+          <a:fontRef idx="minor">
+            <a:schemeClr val="lt1"/>
+          </a:fontRef>
+        </p:style>
+        <p:txBody>
+          <a:bodyPr lIns="91439" tIns="45719" rIns="91439" bIns="45719" rtlCol="0" anchor="ctr"/>
+          <a:lstStyle/>
+          <a:p>
+            <a:pPr algn="ctr"/>
+            <a:r>
+              <a:rPr lang="de-AT" sz="1400" dirty="0" smtClean="0">
+                <a:latin typeface="Times New Roman" pitchFamily="18" charset="0"/>
+                <a:cs typeface="Times New Roman" pitchFamily="18" charset="0"/>
+              </a:rPr>
+              <a:t>WindowsForms</a:t>
+            </a:r>
+            <a:endParaRPr lang="de-AT" sz="1400" dirty="0">
+              <a:latin typeface="Times New Roman" pitchFamily="18" charset="0"/>
+              <a:cs typeface="Times New Roman" pitchFamily="18" charset="0"/>
+            </a:endParaRPr>
+          </a:p>
+        </p:txBody>
+      </p:sp>
+      <p:sp>
+        <p:nvSpPr>
+          <p:cNvPr id="9" name="Rectangle 43"/>
+          <p:cNvSpPr/>
+          <p:nvPr/>
+        </p:nvSpPr>
+        <p:spPr>
+          <a:xfrm>
+            <a:off x="1477032" y="2369423"/>
+            <a:ext cx="1655403" cy="331237"/>
+          </a:xfrm>
+          <a:prstGeom prst="rect">
+            <a:avLst/>
+          </a:prstGeom>
+        </p:spPr>
+        <p:style>
+          <a:lnRef idx="2">
+            <a:schemeClr val="accent5">
+              <a:shade val="50000"/>
+            </a:schemeClr>
+          </a:lnRef>
+          <a:fillRef idx="1">
+            <a:schemeClr val="accent5"/>
+          </a:fillRef>
+          <a:effectRef idx="0">
+            <a:schemeClr val="accent5"/>
+          </a:effectRef>
+          <a:fontRef idx="minor">
+            <a:schemeClr val="lt1"/>
+          </a:fontRef>
+        </p:style>
+        <p:txBody>
+          <a:bodyPr lIns="91439" tIns="45719" rIns="91439" bIns="45719" rtlCol="0" anchor="ctr"/>
+          <a:lstStyle/>
+          <a:p>
+            <a:pPr algn="ctr"/>
+            <a:r>
+              <a:rPr lang="de-AT" sz="1400" dirty="0" smtClean="0">
+                <a:latin typeface="Times New Roman" pitchFamily="18" charset="0"/>
+                <a:cs typeface="Times New Roman" pitchFamily="18" charset="0"/>
+              </a:rPr>
+              <a:t>Core</a:t>
+            </a:r>
+            <a:endParaRPr lang="de-AT" sz="1400" dirty="0">
+              <a:latin typeface="Times New Roman" pitchFamily="18" charset="0"/>
+              <a:cs typeface="Times New Roman" pitchFamily="18" charset="0"/>
+            </a:endParaRPr>
+          </a:p>
+        </p:txBody>
+      </p:sp>
+      <p:sp>
+        <p:nvSpPr>
+          <p:cNvPr id="10" name="Rectangle 44"/>
+          <p:cNvSpPr/>
+          <p:nvPr/>
+        </p:nvSpPr>
+        <p:spPr>
+          <a:xfrm>
+            <a:off x="3205224" y="2369423"/>
+            <a:ext cx="1656184" cy="331237"/>
+          </a:xfrm>
+          <a:prstGeom prst="rect">
+            <a:avLst/>
+          </a:prstGeom>
+        </p:spPr>
+        <p:style>
+          <a:lnRef idx="2">
+            <a:schemeClr val="accent5">
+              <a:shade val="50000"/>
+            </a:schemeClr>
+          </a:lnRef>
+          <a:fillRef idx="1">
+            <a:schemeClr val="accent5"/>
+          </a:fillRef>
+          <a:effectRef idx="0">
+            <a:schemeClr val="accent5"/>
+          </a:effectRef>
+          <a:fontRef idx="minor">
+            <a:schemeClr val="lt1"/>
+          </a:fontRef>
+        </p:style>
+        <p:txBody>
+          <a:bodyPr lIns="91439" tIns="45719" rIns="91439" bIns="45719" rtlCol="0" anchor="ctr"/>
+          <a:lstStyle/>
+          <a:p>
+            <a:pPr algn="ctr"/>
+            <a:r>
+              <a:rPr lang="de-AT" sz="1400" dirty="0" smtClean="0">
+                <a:latin typeface="Times New Roman" pitchFamily="18" charset="0"/>
+                <a:cs typeface="Times New Roman" pitchFamily="18" charset="0"/>
+              </a:rPr>
+              <a:t>Data</a:t>
+            </a:r>
+            <a:endParaRPr lang="de-AT" sz="1400" dirty="0">
+              <a:latin typeface="Times New Roman" pitchFamily="18" charset="0"/>
+              <a:cs typeface="Times New Roman" pitchFamily="18" charset="0"/>
+            </a:endParaRPr>
+          </a:p>
+        </p:txBody>
+      </p:sp>
+      <p:sp>
+        <p:nvSpPr>
+          <p:cNvPr id="11" name="Rectangle 45"/>
+          <p:cNvSpPr/>
+          <p:nvPr/>
+        </p:nvSpPr>
+        <p:spPr>
+          <a:xfrm>
+            <a:off x="4933416" y="2369423"/>
+            <a:ext cx="1656184" cy="318905"/>
+          </a:xfrm>
+          <a:prstGeom prst="rect">
+            <a:avLst/>
+          </a:prstGeom>
+        </p:spPr>
+        <p:style>
+          <a:lnRef idx="2">
+            <a:schemeClr val="accent5">
+              <a:shade val="50000"/>
+            </a:schemeClr>
+          </a:lnRef>
+          <a:fillRef idx="1">
+            <a:schemeClr val="accent5"/>
+          </a:fillRef>
+          <a:effectRef idx="0">
+            <a:schemeClr val="accent5"/>
+          </a:effectRef>
+          <a:fontRef idx="minor">
+            <a:schemeClr val="lt1"/>
+          </a:fontRef>
+        </p:style>
+        <p:txBody>
+          <a:bodyPr lIns="91439" tIns="45719" rIns="91439" bIns="45719" rtlCol="0" anchor="ctr"/>
+          <a:lstStyle/>
+          <a:p>
+            <a:pPr algn="ctr"/>
+            <a:r>
+              <a:rPr lang="de-AT" sz="1400" dirty="0" smtClean="0">
+                <a:latin typeface="Times New Roman" pitchFamily="18" charset="0"/>
+                <a:cs typeface="Times New Roman" pitchFamily="18" charset="0"/>
+              </a:rPr>
+              <a:t>Parameters</a:t>
+            </a:r>
+            <a:endParaRPr lang="de-AT" sz="1400" dirty="0">
+              <a:latin typeface="Times New Roman" pitchFamily="18" charset="0"/>
+              <a:cs typeface="Times New Roman" pitchFamily="18" charset="0"/>
+            </a:endParaRPr>
+          </a:p>
+        </p:txBody>
+      </p:sp>
+      <p:sp>
+        <p:nvSpPr>
+          <p:cNvPr id="12" name="Rectangle 46"/>
+          <p:cNvSpPr/>
+          <p:nvPr/>
+        </p:nvSpPr>
+        <p:spPr>
+          <a:xfrm>
+            <a:off x="3210178" y="1920902"/>
+            <a:ext cx="1656184" cy="331237"/>
+          </a:xfrm>
+          <a:prstGeom prst="rect">
+            <a:avLst/>
+          </a:prstGeom>
+        </p:spPr>
+        <p:style>
+          <a:lnRef idx="2">
+            <a:schemeClr val="accent5">
+              <a:shade val="50000"/>
+            </a:schemeClr>
+          </a:lnRef>
+          <a:fillRef idx="1">
+            <a:schemeClr val="accent5"/>
+          </a:fillRef>
+          <a:effectRef idx="0">
+            <a:schemeClr val="accent5"/>
+          </a:effectRef>
+          <a:fontRef idx="minor">
+            <a:schemeClr val="lt1"/>
+          </a:fontRef>
+        </p:style>
+        <p:txBody>
+          <a:bodyPr lIns="91439" tIns="45719" rIns="91439" bIns="45719" rtlCol="0" anchor="ctr"/>
+          <a:lstStyle/>
+          <a:p>
+            <a:pPr algn="ctr"/>
+            <a:r>
+              <a:rPr lang="de-AT" sz="1400" dirty="0" smtClean="0">
+                <a:latin typeface="Times New Roman" pitchFamily="18" charset="0"/>
+                <a:cs typeface="Times New Roman" pitchFamily="18" charset="0"/>
+              </a:rPr>
+              <a:t>Operators</a:t>
+            </a:r>
+            <a:endParaRPr lang="de-AT" sz="1400" dirty="0">
+              <a:latin typeface="Times New Roman" pitchFamily="18" charset="0"/>
+              <a:cs typeface="Times New Roman" pitchFamily="18" charset="0"/>
+            </a:endParaRPr>
+          </a:p>
+        </p:txBody>
+      </p:sp>
+      <p:sp>
+        <p:nvSpPr>
+          <p:cNvPr id="13" name="Rectangle 47"/>
+          <p:cNvSpPr/>
+          <p:nvPr/>
+        </p:nvSpPr>
+        <p:spPr>
+          <a:xfrm>
+            <a:off x="6661608" y="1908570"/>
+            <a:ext cx="1655403" cy="331237"/>
+          </a:xfrm>
+          <a:prstGeom prst="rect">
+            <a:avLst/>
+          </a:prstGeom>
+        </p:spPr>
+        <p:style>
+          <a:lnRef idx="2">
+            <a:schemeClr val="accent5">
+              <a:shade val="50000"/>
+            </a:schemeClr>
+          </a:lnRef>
+          <a:fillRef idx="1">
+            <a:schemeClr val="accent5"/>
+          </a:fillRef>
+          <a:effectRef idx="0">
+            <a:schemeClr val="accent5"/>
+          </a:effectRef>
+          <a:fontRef idx="minor">
+            <a:schemeClr val="lt1"/>
+          </a:fontRef>
+        </p:style>
+        <p:txBody>
+          <a:bodyPr lIns="91439" tIns="45719" rIns="91439" bIns="45719" rtlCol="0" anchor="ctr"/>
+          <a:lstStyle/>
+          <a:p>
+            <a:pPr algn="ctr"/>
+            <a:r>
+              <a:rPr lang="de-AT" sz="1400" dirty="0" smtClean="0">
+                <a:latin typeface="Times New Roman" pitchFamily="18" charset="0"/>
+                <a:cs typeface="Times New Roman" pitchFamily="18" charset="0"/>
+              </a:rPr>
+              <a:t>Optimization</a:t>
+            </a:r>
+            <a:endParaRPr lang="de-AT" sz="1400" dirty="0">
+              <a:latin typeface="Times New Roman" pitchFamily="18" charset="0"/>
+              <a:cs typeface="Times New Roman" pitchFamily="18" charset="0"/>
+            </a:endParaRPr>
+          </a:p>
+        </p:txBody>
+      </p:sp>
+      <p:sp>
+        <p:nvSpPr>
+          <p:cNvPr id="14" name="Rectangle 48"/>
+          <p:cNvSpPr/>
+          <p:nvPr/>
+        </p:nvSpPr>
+        <p:spPr>
+          <a:xfrm>
+            <a:off x="1475469" y="1908571"/>
+            <a:ext cx="1655403" cy="331237"/>
+          </a:xfrm>
+          <a:prstGeom prst="rect">
+            <a:avLst/>
+          </a:prstGeom>
+        </p:spPr>
+        <p:style>
+          <a:lnRef idx="2">
+            <a:schemeClr val="accent5">
+              <a:shade val="50000"/>
+            </a:schemeClr>
+          </a:lnRef>
+          <a:fillRef idx="1">
+            <a:schemeClr val="accent5"/>
+          </a:fillRef>
+          <a:effectRef idx="0">
+            <a:schemeClr val="accent5"/>
+          </a:effectRef>
+          <a:fontRef idx="minor">
+            <a:schemeClr val="lt1"/>
+          </a:fontRef>
+        </p:style>
+        <p:txBody>
+          <a:bodyPr lIns="91439" tIns="45719" rIns="91439" bIns="45719" rtlCol="0" anchor="ctr"/>
+          <a:lstStyle/>
+          <a:p>
+            <a:pPr algn="ctr"/>
+            <a:r>
+              <a:rPr lang="de-AT" sz="1400" dirty="0" smtClean="0">
+                <a:latin typeface="Times New Roman" pitchFamily="18" charset="0"/>
+                <a:cs typeface="Times New Roman" pitchFamily="18" charset="0"/>
+              </a:rPr>
+              <a:t>.*Engine</a:t>
+            </a:r>
+            <a:endParaRPr lang="de-AT" sz="1400" dirty="0">
+              <a:latin typeface="Times New Roman" pitchFamily="18" charset="0"/>
+              <a:cs typeface="Times New Roman" pitchFamily="18" charset="0"/>
+            </a:endParaRPr>
+          </a:p>
+        </p:txBody>
+      </p:sp>
+      <p:sp>
+        <p:nvSpPr>
+          <p:cNvPr id="15" name="Rectangle 49"/>
+          <p:cNvSpPr/>
+          <p:nvPr/>
+        </p:nvSpPr>
+        <p:spPr>
+          <a:xfrm>
+            <a:off x="3204443" y="900460"/>
+            <a:ext cx="1656184" cy="331237"/>
+          </a:xfrm>
+          <a:prstGeom prst="rect">
+            <a:avLst/>
+          </a:prstGeom>
+        </p:spPr>
+        <p:style>
+          <a:lnRef idx="2">
+            <a:schemeClr val="accent4">
+              <a:shade val="50000"/>
+            </a:schemeClr>
+          </a:lnRef>
+          <a:fillRef idx="1">
+            <a:schemeClr val="accent4"/>
+          </a:fillRef>
+          <a:effectRef idx="0">
+            <a:schemeClr val="accent4"/>
+          </a:effectRef>
+          <a:fontRef idx="minor">
+            <a:schemeClr val="lt1"/>
+          </a:fontRef>
+        </p:style>
+        <p:txBody>
+          <a:bodyPr lIns="91439" tIns="45719" rIns="91439" bIns="45719" rtlCol="0" anchor="ctr"/>
+          <a:lstStyle/>
+          <a:p>
+            <a:pPr algn="ctr"/>
+            <a:r>
+              <a:rPr lang="de-AT" sz="1400" dirty="0" smtClean="0">
+                <a:latin typeface="Times New Roman" pitchFamily="18" charset="0"/>
+                <a:cs typeface="Times New Roman" pitchFamily="18" charset="0"/>
+              </a:rPr>
+              <a:t>Encodings.*</a:t>
+            </a:r>
+            <a:endParaRPr lang="de-AT" sz="1400" dirty="0">
+              <a:latin typeface="Times New Roman" pitchFamily="18" charset="0"/>
+              <a:cs typeface="Times New Roman" pitchFamily="18" charset="0"/>
+            </a:endParaRPr>
+          </a:p>
+        </p:txBody>
+      </p:sp>
+      <p:sp>
+        <p:nvSpPr>
+          <p:cNvPr id="16" name="Rectangle 50"/>
+          <p:cNvSpPr/>
+          <p:nvPr/>
+        </p:nvSpPr>
+        <p:spPr>
+          <a:xfrm>
+            <a:off x="4932635" y="900460"/>
+            <a:ext cx="1656184" cy="331236"/>
+          </a:xfrm>
+          <a:prstGeom prst="rect">
+            <a:avLst/>
+          </a:prstGeom>
+        </p:spPr>
+        <p:style>
+          <a:lnRef idx="2">
+            <a:schemeClr val="accent4">
+              <a:shade val="50000"/>
+            </a:schemeClr>
+          </a:lnRef>
+          <a:fillRef idx="1">
+            <a:schemeClr val="accent4"/>
+          </a:fillRef>
+          <a:effectRef idx="0">
+            <a:schemeClr val="accent4"/>
+          </a:effectRef>
+          <a:fontRef idx="minor">
+            <a:schemeClr val="lt1"/>
+          </a:fontRef>
+        </p:style>
+        <p:txBody>
+          <a:bodyPr lIns="91439" tIns="45719" rIns="91439" bIns="45719" rtlCol="0" anchor="ctr"/>
+          <a:lstStyle/>
+          <a:p>
+            <a:pPr algn="ctr"/>
+            <a:r>
+              <a:rPr lang="de-AT" sz="1400" dirty="0" smtClean="0">
+                <a:latin typeface="Times New Roman" pitchFamily="18" charset="0"/>
+                <a:cs typeface="Times New Roman" pitchFamily="18" charset="0"/>
+              </a:rPr>
+              <a:t>Problems.*</a:t>
+            </a:r>
+            <a:endParaRPr lang="de-AT" sz="1400" dirty="0">
+              <a:latin typeface="Times New Roman" pitchFamily="18" charset="0"/>
+              <a:cs typeface="Times New Roman" pitchFamily="18" charset="0"/>
+            </a:endParaRPr>
+          </a:p>
+        </p:txBody>
+      </p:sp>
+      <p:sp>
+        <p:nvSpPr>
+          <p:cNvPr id="17" name="Rectangle 51"/>
+          <p:cNvSpPr/>
+          <p:nvPr/>
+        </p:nvSpPr>
+        <p:spPr>
+          <a:xfrm>
+            <a:off x="6660827" y="900460"/>
+            <a:ext cx="1656184" cy="331237"/>
+          </a:xfrm>
+          <a:prstGeom prst="rect">
+            <a:avLst/>
+          </a:prstGeom>
+        </p:spPr>
+        <p:style>
+          <a:lnRef idx="2">
+            <a:schemeClr val="accent4">
+              <a:shade val="50000"/>
+            </a:schemeClr>
+          </a:lnRef>
+          <a:fillRef idx="1">
+            <a:schemeClr val="accent4"/>
+          </a:fillRef>
+          <a:effectRef idx="0">
+            <a:schemeClr val="accent4"/>
+          </a:effectRef>
+          <a:fontRef idx="minor">
+            <a:schemeClr val="lt1"/>
+          </a:fontRef>
+        </p:style>
+        <p:txBody>
+          <a:bodyPr lIns="91439" tIns="45719" rIns="91439" bIns="45719" rtlCol="0" anchor="ctr"/>
+          <a:lstStyle/>
+          <a:p>
+            <a:pPr algn="ctr"/>
+            <a:r>
+              <a:rPr lang="de-AT" sz="1400" dirty="0" smtClean="0">
+                <a:latin typeface="Times New Roman" pitchFamily="18" charset="0"/>
+                <a:cs typeface="Times New Roman" pitchFamily="18" charset="0"/>
+              </a:rPr>
+              <a:t>Algorithms.*</a:t>
+            </a:r>
+            <a:endParaRPr lang="de-AT" sz="1400" dirty="0">
+              <a:latin typeface="Times New Roman" pitchFamily="18" charset="0"/>
+              <a:cs typeface="Times New Roman" pitchFamily="18" charset="0"/>
+            </a:endParaRPr>
+          </a:p>
+        </p:txBody>
+      </p:sp>
+      <p:sp>
+        <p:nvSpPr>
+          <p:cNvPr id="18" name="Rectangle 52"/>
+          <p:cNvSpPr/>
+          <p:nvPr/>
+        </p:nvSpPr>
+        <p:spPr>
+          <a:xfrm>
+            <a:off x="1475469" y="900460"/>
+            <a:ext cx="1656184" cy="331237"/>
+          </a:xfrm>
+          <a:prstGeom prst="rect">
+            <a:avLst/>
+          </a:prstGeom>
+        </p:spPr>
+        <p:style>
+          <a:lnRef idx="2">
+            <a:schemeClr val="accent4">
+              <a:shade val="50000"/>
+            </a:schemeClr>
+          </a:lnRef>
+          <a:fillRef idx="1">
+            <a:schemeClr val="accent4"/>
+          </a:fillRef>
+          <a:effectRef idx="0">
+            <a:schemeClr val="accent4"/>
+          </a:effectRef>
+          <a:fontRef idx="minor">
+            <a:schemeClr val="lt1"/>
+          </a:fontRef>
+        </p:style>
+        <p:txBody>
+          <a:bodyPr lIns="91439" tIns="45719" rIns="91439" bIns="45719" rtlCol="0" anchor="ctr"/>
+          <a:lstStyle/>
+          <a:p>
+            <a:pPr algn="ctr"/>
+            <a:r>
+              <a:rPr lang="de-AT" sz="1400" dirty="0" smtClean="0">
+                <a:latin typeface="Times New Roman" pitchFamily="18" charset="0"/>
+                <a:cs typeface="Times New Roman" pitchFamily="18" charset="0"/>
+              </a:rPr>
+              <a:t>Analysis</a:t>
+            </a:r>
+            <a:endParaRPr lang="de-AT" sz="1400" dirty="0">
+              <a:latin typeface="Times New Roman" pitchFamily="18" charset="0"/>
+              <a:cs typeface="Times New Roman" pitchFamily="18" charset="0"/>
+            </a:endParaRPr>
+          </a:p>
+        </p:txBody>
+      </p:sp>
+      <p:sp>
+        <p:nvSpPr>
+          <p:cNvPr id="21" name="Rectangle 55"/>
+          <p:cNvSpPr/>
+          <p:nvPr/>
+        </p:nvSpPr>
+        <p:spPr>
+          <a:xfrm>
+            <a:off x="8461027" y="1908570"/>
+            <a:ext cx="1660521" cy="331239"/>
+          </a:xfrm>
+          <a:prstGeom prst="rect">
+            <a:avLst/>
+          </a:prstGeom>
+        </p:spPr>
+        <p:style>
+          <a:lnRef idx="2">
+            <a:schemeClr val="accent6">
+              <a:shade val="50000"/>
+            </a:schemeClr>
+          </a:lnRef>
+          <a:fillRef idx="1">
+            <a:schemeClr val="accent6"/>
+          </a:fillRef>
+          <a:effectRef idx="0">
+            <a:schemeClr val="accent6"/>
+          </a:effectRef>
+          <a:fontRef idx="minor">
+            <a:schemeClr val="lt1"/>
+          </a:fontRef>
+        </p:style>
+        <p:txBody>
+          <a:bodyPr lIns="91439" tIns="45719" rIns="91439" bIns="45719" rtlCol="0" anchor="ctr"/>
+          <a:lstStyle/>
+          <a:p>
+            <a:pPr algn="ctr"/>
+            <a:r>
+              <a:rPr lang="de-AT" sz="1400" dirty="0" smtClean="0">
+                <a:latin typeface="Times New Roman" pitchFamily="18" charset="0"/>
+                <a:cs typeface="Times New Roman" pitchFamily="18" charset="0"/>
+              </a:rPr>
+              <a:t>GraphVisualization</a:t>
+            </a:r>
+            <a:endParaRPr lang="de-AT" sz="1400" dirty="0">
+              <a:latin typeface="Times New Roman" pitchFamily="18" charset="0"/>
+              <a:cs typeface="Times New Roman" pitchFamily="18" charset="0"/>
+            </a:endParaRPr>
+          </a:p>
+        </p:txBody>
+      </p:sp>
+      <p:sp>
+        <p:nvSpPr>
+          <p:cNvPr id="22" name="Rectangle 56"/>
+          <p:cNvSpPr/>
+          <p:nvPr/>
+        </p:nvSpPr>
+        <p:spPr>
+          <a:xfrm>
+            <a:off x="4938370" y="3377540"/>
+            <a:ext cx="1656184" cy="331236"/>
           </a:xfrm>
           <a:prstGeom prst="rect">
             <a:avLst/>
@@ -3155,28 +3882,230 @@
           </a:fontRef>
         </p:style>
         <p:txBody>
-          <a:bodyPr rtlCol="0" anchor="ctr"/>
+          <a:bodyPr lIns="91439" tIns="45719" rIns="91439" bIns="45719" rtlCol="0" anchor="ctr"/>
           <a:lstStyle/>
           <a:p>
             <a:pPr algn="ctr"/>
             <a:r>
-              <a:rPr lang="de-AT" sz="1400" dirty="0" smtClean="0"/>
-              <a:t>Persistence</a:t>
-            </a:r>
-            <a:endParaRPr lang="de-AT" sz="1400" dirty="0"/>
-          </a:p>
-        </p:txBody>
-      </p:sp>
-      <p:sp>
-        <p:nvSpPr>
-          <p:cNvPr id="7" name="Rectangle 6"/>
+              <a:rPr lang="de-AT" sz="1400" dirty="0" smtClean="0">
+                <a:latin typeface="Times New Roman" pitchFamily="18" charset="0"/>
+                <a:cs typeface="Times New Roman" pitchFamily="18" charset="0"/>
+              </a:rPr>
+              <a:t>Tracing/Logging</a:t>
+            </a:r>
+            <a:endParaRPr lang="de-AT" sz="1400" dirty="0">
+              <a:latin typeface="Times New Roman" pitchFamily="18" charset="0"/>
+              <a:cs typeface="Times New Roman" pitchFamily="18" charset="0"/>
+            </a:endParaRPr>
+          </a:p>
+        </p:txBody>
+      </p:sp>
+      <p:sp>
+        <p:nvSpPr>
+          <p:cNvPr id="23" name="Rectangle 57"/>
           <p:cNvSpPr/>
           <p:nvPr/>
         </p:nvSpPr>
         <p:spPr>
           <a:xfrm>
-            <a:off x="5508104" y="4581124"/>
+            <a:off x="3204443" y="1332508"/>
             <a:ext cx="1656184" cy="331237"/>
+          </a:xfrm>
+          <a:prstGeom prst="rect">
+            <a:avLst/>
+          </a:prstGeom>
+        </p:spPr>
+        <p:style>
+          <a:lnRef idx="2">
+            <a:schemeClr val="accent4">
+              <a:shade val="50000"/>
+            </a:schemeClr>
+          </a:lnRef>
+          <a:fillRef idx="1">
+            <a:schemeClr val="accent4"/>
+          </a:fillRef>
+          <a:effectRef idx="0">
+            <a:schemeClr val="accent4"/>
+          </a:effectRef>
+          <a:fontRef idx="minor">
+            <a:schemeClr val="lt1"/>
+          </a:fontRef>
+        </p:style>
+        <p:txBody>
+          <a:bodyPr lIns="91439" tIns="45719" rIns="91439" bIns="45719" rtlCol="0" anchor="ctr"/>
+          <a:lstStyle/>
+          <a:p>
+            <a:pPr algn="ctr"/>
+            <a:r>
+              <a:rPr lang="de-AT" sz="1400" dirty="0" smtClean="0">
+                <a:latin typeface="Times New Roman" pitchFamily="18" charset="0"/>
+                <a:cs typeface="Times New Roman" pitchFamily="18" charset="0"/>
+              </a:rPr>
+              <a:t>Selection</a:t>
+            </a:r>
+            <a:endParaRPr lang="de-AT" sz="1400" dirty="0">
+              <a:latin typeface="Times New Roman" pitchFamily="18" charset="0"/>
+              <a:cs typeface="Times New Roman" pitchFamily="18" charset="0"/>
+            </a:endParaRPr>
+          </a:p>
+        </p:txBody>
+      </p:sp>
+      <p:sp>
+        <p:nvSpPr>
+          <p:cNvPr id="24" name="Rectangle 58"/>
+          <p:cNvSpPr/>
+          <p:nvPr/>
+        </p:nvSpPr>
+        <p:spPr>
+          <a:xfrm>
+            <a:off x="1475469" y="1332507"/>
+            <a:ext cx="1656184" cy="331237"/>
+          </a:xfrm>
+          <a:prstGeom prst="rect">
+            <a:avLst/>
+          </a:prstGeom>
+        </p:spPr>
+        <p:style>
+          <a:lnRef idx="2">
+            <a:schemeClr val="accent4">
+              <a:shade val="50000"/>
+            </a:schemeClr>
+          </a:lnRef>
+          <a:fillRef idx="1">
+            <a:schemeClr val="accent4"/>
+          </a:fillRef>
+          <a:effectRef idx="0">
+            <a:schemeClr val="accent4"/>
+          </a:effectRef>
+          <a:fontRef idx="minor">
+            <a:schemeClr val="lt1"/>
+          </a:fontRef>
+        </p:style>
+        <p:txBody>
+          <a:bodyPr lIns="91439" tIns="45719" rIns="91439" bIns="45719" rtlCol="0" anchor="ctr"/>
+          <a:lstStyle/>
+          <a:p>
+            <a:pPr algn="ctr"/>
+            <a:r>
+              <a:rPr lang="de-AT" sz="1400" dirty="0" smtClean="0">
+                <a:latin typeface="Times New Roman" pitchFamily="18" charset="0"/>
+                <a:cs typeface="Times New Roman" pitchFamily="18" charset="0"/>
+              </a:rPr>
+              <a:t>Random</a:t>
+            </a:r>
+            <a:endParaRPr lang="de-AT" sz="1400" dirty="0">
+              <a:latin typeface="Times New Roman" pitchFamily="18" charset="0"/>
+              <a:cs typeface="Times New Roman" pitchFamily="18" charset="0"/>
+            </a:endParaRPr>
+          </a:p>
+        </p:txBody>
+      </p:sp>
+      <p:sp>
+        <p:nvSpPr>
+          <p:cNvPr id="25" name="Rectangle 59"/>
+          <p:cNvSpPr/>
+          <p:nvPr/>
+        </p:nvSpPr>
+        <p:spPr>
+          <a:xfrm>
+            <a:off x="6661608" y="2369423"/>
+            <a:ext cx="1661528" cy="310470"/>
+          </a:xfrm>
+          <a:prstGeom prst="rect">
+            <a:avLst/>
+          </a:prstGeom>
+        </p:spPr>
+        <p:style>
+          <a:lnRef idx="2">
+            <a:schemeClr val="accent5">
+              <a:shade val="50000"/>
+            </a:schemeClr>
+          </a:lnRef>
+          <a:fillRef idx="1">
+            <a:schemeClr val="accent5"/>
+          </a:fillRef>
+          <a:effectRef idx="0">
+            <a:schemeClr val="accent5"/>
+          </a:effectRef>
+          <a:fontRef idx="minor">
+            <a:schemeClr val="lt1"/>
+          </a:fontRef>
+        </p:style>
+        <p:txBody>
+          <a:bodyPr lIns="91439" tIns="45719" rIns="91439" bIns="45719" rtlCol="0" anchor="ctr"/>
+          <a:lstStyle/>
+          <a:p>
+            <a:pPr algn="ctr"/>
+            <a:r>
+              <a:rPr lang="de-AT" sz="1400" dirty="0">
+                <a:latin typeface="Times New Roman" pitchFamily="18" charset="0"/>
+                <a:cs typeface="Times New Roman" pitchFamily="18" charset="0"/>
+              </a:rPr>
+              <a:t>Instances.*</a:t>
+            </a:r>
+          </a:p>
+        </p:txBody>
+      </p:sp>
+      <p:sp>
+        <p:nvSpPr>
+          <p:cNvPr id="26" name="Rectangle 60"/>
+          <p:cNvSpPr/>
+          <p:nvPr/>
+        </p:nvSpPr>
+        <p:spPr>
+          <a:xfrm>
+            <a:off x="8461027" y="2369423"/>
+            <a:ext cx="1660521" cy="310468"/>
+          </a:xfrm>
+          <a:prstGeom prst="rect">
+            <a:avLst/>
+          </a:prstGeom>
+        </p:spPr>
+        <p:style>
+          <a:lnRef idx="2">
+            <a:schemeClr val="accent6">
+              <a:shade val="50000"/>
+            </a:schemeClr>
+          </a:lnRef>
+          <a:fillRef idx="1">
+            <a:schemeClr val="accent6"/>
+          </a:fillRef>
+          <a:effectRef idx="0">
+            <a:schemeClr val="accent6"/>
+          </a:effectRef>
+          <a:fontRef idx="minor">
+            <a:schemeClr val="lt1"/>
+          </a:fontRef>
+        </p:style>
+        <p:txBody>
+          <a:bodyPr lIns="91439" tIns="45719" rIns="91439" bIns="45719" rtlCol="0" anchor="ctr"/>
+          <a:lstStyle/>
+          <a:p>
+            <a:pPr algn="ctr"/>
+            <a:r>
+              <a:rPr lang="de-AT" sz="1400" dirty="0" smtClean="0">
+                <a:latin typeface="Times New Roman" pitchFamily="18" charset="0"/>
+                <a:cs typeface="Times New Roman" pitchFamily="18" charset="0"/>
+              </a:rPr>
+              <a:t>Optimizer</a:t>
+            </a:r>
+            <a:endParaRPr lang="de-AT" sz="1400" dirty="0">
+              <a:latin typeface="Times New Roman" pitchFamily="18" charset="0"/>
+              <a:cs typeface="Times New Roman" pitchFamily="18" charset="0"/>
+            </a:endParaRPr>
+          </a:p>
+        </p:txBody>
+      </p:sp>
+      <p:sp>
+        <p:nvSpPr>
+          <p:cNvPr id="27" name="Rectangle 62"/>
+          <p:cNvSpPr/>
+          <p:nvPr/>
+        </p:nvSpPr>
+        <p:spPr>
+          <a:xfrm>
+            <a:off x="10190672" y="3377537"/>
+            <a:ext cx="1653668" cy="331237"/>
           </a:xfrm>
           <a:prstGeom prst="rect">
             <a:avLst/>
@@ -3199,28 +4128,130 @@
           </a:fontRef>
         </p:style>
         <p:txBody>
-          <a:bodyPr rtlCol="0" anchor="ctr"/>
+          <a:bodyPr lIns="91439" tIns="45719" rIns="91439" bIns="45719" rtlCol="0" anchor="ctr"/>
           <a:lstStyle/>
           <a:p>
             <a:pPr algn="ctr"/>
             <a:r>
-              <a:rPr lang="de-AT" sz="1400" dirty="0" smtClean="0"/>
-              <a:t>MainForm</a:t>
-            </a:r>
-            <a:endParaRPr lang="de-AT" sz="1400" dirty="0"/>
-          </a:p>
-        </p:txBody>
-      </p:sp>
-      <p:sp>
-        <p:nvSpPr>
-          <p:cNvPr id="8" name="Rectangle 7"/>
+              <a:rPr lang="de-AT" sz="1400" dirty="0" err="1" smtClean="0">
+                <a:latin typeface="Times New Roman" pitchFamily="18" charset="0"/>
+                <a:cs typeface="Times New Roman" pitchFamily="18" charset="0"/>
+              </a:rPr>
+              <a:t>ControlExtensions</a:t>
+            </a:r>
+            <a:endParaRPr lang="de-AT" sz="1400" dirty="0">
+              <a:latin typeface="Times New Roman" pitchFamily="18" charset="0"/>
+              <a:cs typeface="Times New Roman" pitchFamily="18" charset="0"/>
+            </a:endParaRPr>
+          </a:p>
+        </p:txBody>
+      </p:sp>
+      <p:sp>
+        <p:nvSpPr>
+          <p:cNvPr id="28" name="Rectangle 64"/>
           <p:cNvSpPr/>
           <p:nvPr/>
         </p:nvSpPr>
         <p:spPr>
           <a:xfrm>
-            <a:off x="7237358" y="4149080"/>
+            <a:off x="4932635" y="1332508"/>
+            <a:ext cx="3389330" cy="331237"/>
+          </a:xfrm>
+          <a:prstGeom prst="rect">
+            <a:avLst/>
+          </a:prstGeom>
+        </p:spPr>
+        <p:style>
+          <a:lnRef idx="2">
+            <a:schemeClr val="accent4">
+              <a:shade val="50000"/>
+            </a:schemeClr>
+          </a:lnRef>
+          <a:fillRef idx="1">
+            <a:schemeClr val="accent4"/>
+          </a:fillRef>
+          <a:effectRef idx="0">
+            <a:schemeClr val="accent4"/>
+          </a:effectRef>
+          <a:fontRef idx="minor">
+            <a:schemeClr val="lt1"/>
+          </a:fontRef>
+        </p:style>
+        <p:txBody>
+          <a:bodyPr lIns="91439" tIns="45719" rIns="91439" bIns="45719" rtlCol="0" anchor="ctr"/>
+          <a:lstStyle/>
+          <a:p>
+            <a:pPr algn="ctr"/>
+            <a:r>
+              <a:rPr lang="de-AT" sz="1400" dirty="0" smtClean="0">
+                <a:latin typeface="Times New Roman" pitchFamily="18" charset="0"/>
+                <a:cs typeface="Times New Roman" pitchFamily="18" charset="0"/>
+              </a:rPr>
+              <a:t>Optimization Operators</a:t>
+            </a:r>
+          </a:p>
+        </p:txBody>
+      </p:sp>
+      <p:sp>
+        <p:nvSpPr>
+          <p:cNvPr id="29" name="Rectangle 65"/>
+          <p:cNvSpPr/>
+          <p:nvPr/>
+        </p:nvSpPr>
+        <p:spPr>
+          <a:xfrm>
+            <a:off x="1476251" y="3377539"/>
             <a:ext cx="1656184" cy="331237"/>
+          </a:xfrm>
+          <a:prstGeom prst="rect">
+            <a:avLst/>
+          </a:prstGeom>
+        </p:spPr>
+        <p:style>
+          <a:lnRef idx="2">
+            <a:schemeClr val="accent1">
+              <a:shade val="50000"/>
+            </a:schemeClr>
+          </a:lnRef>
+          <a:fillRef idx="1">
+            <a:schemeClr val="accent1"/>
+          </a:fillRef>
+          <a:effectRef idx="0">
+            <a:schemeClr val="accent1"/>
+          </a:effectRef>
+          <a:fontRef idx="minor">
+            <a:schemeClr val="lt1"/>
+          </a:fontRef>
+        </p:style>
+        <p:txBody>
+          <a:bodyPr lIns="91439" tIns="45719" rIns="91439" bIns="45719" rtlCol="0" anchor="ctr"/>
+          <a:lstStyle/>
+          <a:p>
+            <a:pPr algn="ctr"/>
+            <a:r>
+              <a:rPr lang="de-AT" sz="1400" dirty="0" smtClean="0">
+                <a:latin typeface="Times New Roman" pitchFamily="18" charset="0"/>
+                <a:cs typeface="Times New Roman" pitchFamily="18" charset="0"/>
+              </a:rPr>
+              <a:t>Clients.Common</a:t>
+            </a:r>
+            <a:endParaRPr lang="de-AT" sz="1400" dirty="0">
+              <a:latin typeface="Times New Roman" pitchFamily="18" charset="0"/>
+              <a:cs typeface="Times New Roman" pitchFamily="18" charset="0"/>
+            </a:endParaRPr>
+          </a:p>
+        </p:txBody>
+      </p:sp>
+      <p:sp>
+        <p:nvSpPr>
+          <p:cNvPr id="30" name="Rectangle 66"/>
+          <p:cNvSpPr/>
+          <p:nvPr/>
+        </p:nvSpPr>
+        <p:spPr>
+          <a:xfrm>
+            <a:off x="10190672" y="2974294"/>
+            <a:ext cx="1653668" cy="331237"/>
           </a:xfrm>
           <a:prstGeom prst="rect">
             <a:avLst/>
@@ -3243,28 +4274,424 @@
           </a:fontRef>
         </p:style>
         <p:txBody>
-          <a:bodyPr rtlCol="0" anchor="ctr"/>
+          <a:bodyPr lIns="91439" tIns="45719" rIns="91439" bIns="45719" rtlCol="0" anchor="ctr"/>
           <a:lstStyle/>
           <a:p>
             <a:pPr algn="ctr"/>
             <a:r>
-              <a:rPr lang="de-AT" sz="1400" dirty="0" smtClean="0"/>
-              <a:t>WindowsForms</a:t>
-            </a:r>
-            <a:endParaRPr lang="de-AT" sz="1400" dirty="0"/>
-          </a:p>
-        </p:txBody>
-      </p:sp>
-      <p:sp>
-        <p:nvSpPr>
-          <p:cNvPr id="9" name="Rectangle 8"/>
+              <a:rPr lang="de-AT" sz="1400" dirty="0" smtClean="0">
+                <a:latin typeface="Times New Roman" pitchFamily="18" charset="0"/>
+                <a:cs typeface="Times New Roman" pitchFamily="18" charset="0"/>
+              </a:rPr>
+              <a:t>CodeEditor</a:t>
+            </a:r>
+            <a:endParaRPr lang="de-AT" sz="1400" dirty="0">
+              <a:latin typeface="Times New Roman" pitchFamily="18" charset="0"/>
+              <a:cs typeface="Times New Roman" pitchFamily="18" charset="0"/>
+            </a:endParaRPr>
+          </a:p>
+        </p:txBody>
+      </p:sp>
+      <p:sp>
+        <p:nvSpPr>
+          <p:cNvPr id="31" name="Rectangle 67"/>
           <p:cNvSpPr/>
           <p:nvPr/>
         </p:nvSpPr>
         <p:spPr>
           <a:xfrm>
-            <a:off x="3717810" y="5013174"/>
-            <a:ext cx="5175731" cy="331237"/>
+            <a:off x="4939152" y="1920898"/>
+            <a:ext cx="1655402" cy="331241"/>
+          </a:xfrm>
+          <a:prstGeom prst="rect">
+            <a:avLst/>
+          </a:prstGeom>
+        </p:spPr>
+        <p:style>
+          <a:lnRef idx="2">
+            <a:schemeClr val="accent5">
+              <a:shade val="50000"/>
+            </a:schemeClr>
+          </a:lnRef>
+          <a:fillRef idx="1">
+            <a:schemeClr val="accent5"/>
+          </a:fillRef>
+          <a:effectRef idx="0">
+            <a:schemeClr val="accent5"/>
+          </a:effectRef>
+          <a:fontRef idx="minor">
+            <a:schemeClr val="lt1"/>
+          </a:fontRef>
+        </p:style>
+        <p:txBody>
+          <a:bodyPr lIns="91439" tIns="45719" rIns="91439" bIns="45719" rtlCol="0" anchor="ctr"/>
+          <a:lstStyle/>
+          <a:p>
+            <a:pPr algn="ctr"/>
+            <a:r>
+              <a:rPr lang="de-AT" sz="1400" dirty="0" err="1">
+                <a:latin typeface="Times New Roman" pitchFamily="18" charset="0"/>
+                <a:cs typeface="Times New Roman" pitchFamily="18" charset="0"/>
+              </a:rPr>
+              <a:t>Programmable</a:t>
+            </a:r>
+            <a:r>
+              <a:rPr lang="de-AT" sz="1400" dirty="0">
+                <a:latin typeface="Times New Roman" pitchFamily="18" charset="0"/>
+                <a:cs typeface="Times New Roman" pitchFamily="18" charset="0"/>
+              </a:rPr>
+              <a:t> Op.</a:t>
+            </a:r>
+          </a:p>
+        </p:txBody>
+      </p:sp>
+      <p:sp>
+        <p:nvSpPr>
+          <p:cNvPr id="33" name="Textfeld 20"/>
+          <p:cNvSpPr txBox="1"/>
+          <p:nvPr/>
+        </p:nvSpPr>
+        <p:spPr>
+          <a:xfrm>
+            <a:off x="8389019" y="5057181"/>
+            <a:ext cx="3456384" cy="307775"/>
+          </a:xfrm>
+          <a:prstGeom prst="rect">
+            <a:avLst/>
+          </a:prstGeom>
+          <a:noFill/>
+        </p:spPr>
+        <p:txBody>
+          <a:bodyPr wrap="square" lIns="91439" tIns="45719" rIns="91439" bIns="45719" rtlCol="0">
+            <a:spAutoFit/>
+          </a:bodyPr>
+          <a:lstStyle/>
+          <a:p>
+            <a:pPr algn="ctr"/>
+            <a:r>
+              <a:rPr lang="de-DE" sz="1400" dirty="0" smtClean="0">
+                <a:latin typeface="Times New Roman" pitchFamily="18" charset="0"/>
+                <a:cs typeface="Times New Roman" pitchFamily="18" charset="0"/>
+              </a:rPr>
+              <a:t>Views</a:t>
+            </a:r>
+            <a:endParaRPr lang="de-AT" sz="1400" dirty="0">
+              <a:latin typeface="Times New Roman" pitchFamily="18" charset="0"/>
+              <a:cs typeface="Times New Roman" pitchFamily="18" charset="0"/>
+            </a:endParaRPr>
+          </a:p>
+        </p:txBody>
+      </p:sp>
+      <p:sp>
+        <p:nvSpPr>
+          <p:cNvPr id="34" name="Textfeld 39"/>
+          <p:cNvSpPr txBox="1"/>
+          <p:nvPr/>
+        </p:nvSpPr>
+        <p:spPr>
+          <a:xfrm>
+            <a:off x="1476251" y="5057181"/>
+            <a:ext cx="6912768" cy="307775"/>
+          </a:xfrm>
+          <a:prstGeom prst="rect">
+            <a:avLst/>
+          </a:prstGeom>
+          <a:noFill/>
+        </p:spPr>
+        <p:txBody>
+          <a:bodyPr wrap="square" lIns="91439" tIns="45719" rIns="91439" bIns="45719" rtlCol="0">
+            <a:spAutoFit/>
+          </a:bodyPr>
+          <a:lstStyle/>
+          <a:p>
+            <a:pPr algn="ctr"/>
+            <a:r>
+              <a:rPr lang="de-DE" sz="1400" dirty="0" smtClean="0">
+                <a:latin typeface="Times New Roman" pitchFamily="18" charset="0"/>
+                <a:cs typeface="Times New Roman" pitchFamily="18" charset="0"/>
+              </a:rPr>
+              <a:t>Models</a:t>
+            </a:r>
+            <a:endParaRPr lang="de-AT" sz="1400" dirty="0">
+              <a:latin typeface="Times New Roman" pitchFamily="18" charset="0"/>
+              <a:cs typeface="Times New Roman" pitchFamily="18" charset="0"/>
+            </a:endParaRPr>
+          </a:p>
+        </p:txBody>
+      </p:sp>
+      <p:cxnSp>
+        <p:nvCxnSpPr>
+          <p:cNvPr id="35" name="Straight Connector 72"/>
+          <p:cNvCxnSpPr/>
+          <p:nvPr/>
+        </p:nvCxnSpPr>
+        <p:spPr>
+          <a:xfrm>
+            <a:off x="8389019" y="324396"/>
+            <a:ext cx="0" cy="5040560"/>
+          </a:xfrm>
+          <a:prstGeom prst="line">
+            <a:avLst/>
+          </a:prstGeom>
+          <a:ln>
+            <a:prstDash val="dash"/>
+          </a:ln>
+          <a:effectLst/>
+        </p:spPr>
+        <p:style>
+          <a:lnRef idx="2">
+            <a:schemeClr val="dk1"/>
+          </a:lnRef>
+          <a:fillRef idx="0">
+            <a:schemeClr val="dk1"/>
+          </a:fillRef>
+          <a:effectRef idx="1">
+            <a:schemeClr val="dk1"/>
+          </a:effectRef>
+          <a:fontRef idx="minor">
+            <a:schemeClr val="tx1"/>
+          </a:fontRef>
+        </p:style>
+      </p:cxnSp>
+      <p:cxnSp>
+        <p:nvCxnSpPr>
+          <p:cNvPr id="36" name="Gerade Verbindung 35"/>
+          <p:cNvCxnSpPr/>
+          <p:nvPr/>
+        </p:nvCxnSpPr>
+        <p:spPr>
+          <a:xfrm>
+            <a:off x="684163" y="2844676"/>
+            <a:ext cx="11336773" cy="0"/>
+          </a:xfrm>
+          <a:prstGeom prst="line">
+            <a:avLst/>
+          </a:prstGeom>
+          <a:ln>
+            <a:prstDash val="dash"/>
+          </a:ln>
+          <a:effectLst/>
+        </p:spPr>
+        <p:style>
+          <a:lnRef idx="2">
+            <a:schemeClr val="dk1"/>
+          </a:lnRef>
+          <a:fillRef idx="0">
+            <a:schemeClr val="dk1"/>
+          </a:fillRef>
+          <a:effectRef idx="1">
+            <a:schemeClr val="dk1"/>
+          </a:effectRef>
+          <a:fontRef idx="minor">
+            <a:schemeClr val="tx1"/>
+          </a:fontRef>
+        </p:style>
+      </p:cxnSp>
+      <p:cxnSp>
+        <p:nvCxnSpPr>
+          <p:cNvPr id="37" name="Gerade Verbindung 36"/>
+          <p:cNvCxnSpPr/>
+          <p:nvPr/>
+        </p:nvCxnSpPr>
+        <p:spPr>
+          <a:xfrm>
+            <a:off x="684163" y="1790176"/>
+            <a:ext cx="11336773" cy="0"/>
+          </a:xfrm>
+          <a:prstGeom prst="line">
+            <a:avLst/>
+          </a:prstGeom>
+          <a:ln>
+            <a:prstDash val="dash"/>
+          </a:ln>
+          <a:effectLst/>
+        </p:spPr>
+        <p:style>
+          <a:lnRef idx="2">
+            <a:schemeClr val="dk1"/>
+          </a:lnRef>
+          <a:fillRef idx="0">
+            <a:schemeClr val="dk1"/>
+          </a:fillRef>
+          <a:effectRef idx="1">
+            <a:schemeClr val="dk1"/>
+          </a:effectRef>
+          <a:fontRef idx="minor">
+            <a:schemeClr val="tx1"/>
+          </a:fontRef>
+        </p:style>
+      </p:cxnSp>
+      <p:sp>
+        <p:nvSpPr>
+          <p:cNvPr id="38" name="Rectangle 63"/>
+          <p:cNvSpPr/>
+          <p:nvPr/>
+        </p:nvSpPr>
+        <p:spPr>
+          <a:xfrm flipH="1">
+            <a:off x="10190672" y="900460"/>
+            <a:ext cx="1655122" cy="1779432"/>
+          </a:xfrm>
+          <a:prstGeom prst="rect">
+            <a:avLst/>
+          </a:prstGeom>
+        </p:spPr>
+        <p:style>
+          <a:lnRef idx="2">
+            <a:schemeClr val="accent6">
+              <a:shade val="50000"/>
+            </a:schemeClr>
+          </a:lnRef>
+          <a:fillRef idx="1">
+            <a:schemeClr val="accent6"/>
+          </a:fillRef>
+          <a:effectRef idx="0">
+            <a:schemeClr val="accent6"/>
+          </a:effectRef>
+          <a:fontRef idx="minor">
+            <a:schemeClr val="lt1"/>
+          </a:fontRef>
+        </p:style>
+        <p:txBody>
+          <a:bodyPr lIns="91439" tIns="45719" rIns="91439" bIns="45719" rtlCol="0" anchor="ctr"/>
+          <a:lstStyle/>
+          <a:p>
+            <a:pPr algn="ctr"/>
+            <a:r>
+              <a:rPr lang="de-AT" sz="1400" dirty="0" smtClean="0">
+                <a:latin typeface="Times New Roman" pitchFamily="18" charset="0"/>
+                <a:cs typeface="Times New Roman" pitchFamily="18" charset="0"/>
+              </a:rPr>
+              <a:t>*.Views</a:t>
+            </a:r>
+            <a:endParaRPr lang="de-AT" sz="1400" dirty="0">
+              <a:latin typeface="Times New Roman" pitchFamily="18" charset="0"/>
+              <a:cs typeface="Times New Roman" pitchFamily="18" charset="0"/>
+            </a:endParaRPr>
+          </a:p>
+        </p:txBody>
+      </p:sp>
+      <p:sp>
+        <p:nvSpPr>
+          <p:cNvPr id="43" name="Textfeld 39"/>
+          <p:cNvSpPr txBox="1"/>
+          <p:nvPr/>
+        </p:nvSpPr>
+        <p:spPr>
+          <a:xfrm rot="16200000">
+            <a:off x="-89815" y="3762673"/>
+            <a:ext cx="2143767" cy="307775"/>
+          </a:xfrm>
+          <a:prstGeom prst="rect">
+            <a:avLst/>
+          </a:prstGeom>
+          <a:noFill/>
+        </p:spPr>
+        <p:txBody>
+          <a:bodyPr wrap="square" lIns="91439" tIns="45719" rIns="91439" bIns="45719" rtlCol="0">
+            <a:spAutoFit/>
+          </a:bodyPr>
+          <a:lstStyle/>
+          <a:p>
+            <a:pPr algn="ctr"/>
+            <a:r>
+              <a:rPr lang="de-DE" sz="1400" dirty="0" smtClean="0">
+                <a:latin typeface="Times New Roman" pitchFamily="18" charset="0"/>
+                <a:cs typeface="Times New Roman" pitchFamily="18" charset="0"/>
+              </a:rPr>
+              <a:t>Base</a:t>
+            </a:r>
+            <a:endParaRPr lang="de-AT" sz="1400" dirty="0">
+              <a:latin typeface="Times New Roman" pitchFamily="18" charset="0"/>
+              <a:cs typeface="Times New Roman" pitchFamily="18" charset="0"/>
+            </a:endParaRPr>
+          </a:p>
+        </p:txBody>
+      </p:sp>
+      <p:sp>
+        <p:nvSpPr>
+          <p:cNvPr id="44" name="Textfeld 39"/>
+          <p:cNvSpPr txBox="1"/>
+          <p:nvPr/>
+        </p:nvSpPr>
+        <p:spPr>
+          <a:xfrm rot="16200000">
+            <a:off x="446127" y="2146608"/>
+            <a:ext cx="1071884" cy="307775"/>
+          </a:xfrm>
+          <a:prstGeom prst="rect">
+            <a:avLst/>
+          </a:prstGeom>
+          <a:noFill/>
+        </p:spPr>
+        <p:txBody>
+          <a:bodyPr wrap="square" lIns="91439" tIns="45719" rIns="91439" bIns="45719" rtlCol="0">
+            <a:spAutoFit/>
+          </a:bodyPr>
+          <a:lstStyle/>
+          <a:p>
+            <a:pPr algn="ctr"/>
+            <a:r>
+              <a:rPr lang="de-DE" sz="1400" dirty="0" smtClean="0">
+                <a:latin typeface="Times New Roman" pitchFamily="18" charset="0"/>
+                <a:cs typeface="Times New Roman" pitchFamily="18" charset="0"/>
+              </a:rPr>
+              <a:t>Core</a:t>
+            </a:r>
+            <a:endParaRPr lang="de-AT" sz="1400" dirty="0">
+              <a:latin typeface="Times New Roman" pitchFamily="18" charset="0"/>
+              <a:cs typeface="Times New Roman" pitchFamily="18" charset="0"/>
+            </a:endParaRPr>
+          </a:p>
+        </p:txBody>
+      </p:sp>
+      <p:sp>
+        <p:nvSpPr>
+          <p:cNvPr id="45" name="Textfeld 39"/>
+          <p:cNvSpPr txBox="1"/>
+          <p:nvPr/>
+        </p:nvSpPr>
+        <p:spPr>
+          <a:xfrm rot="16200000">
+            <a:off x="338118" y="958477"/>
+            <a:ext cx="1287905" cy="307775"/>
+          </a:xfrm>
+          <a:prstGeom prst="rect">
+            <a:avLst/>
+          </a:prstGeom>
+          <a:noFill/>
+        </p:spPr>
+        <p:txBody>
+          <a:bodyPr wrap="square" lIns="91439" tIns="45719" rIns="91439" bIns="45719" rtlCol="0">
+            <a:spAutoFit/>
+          </a:bodyPr>
+          <a:lstStyle/>
+          <a:p>
+            <a:pPr algn="ctr"/>
+            <a:r>
+              <a:rPr lang="de-DE" sz="1400" dirty="0" err="1" smtClean="0">
+                <a:latin typeface="Times New Roman" pitchFamily="18" charset="0"/>
+                <a:cs typeface="Times New Roman" pitchFamily="18" charset="0"/>
+              </a:rPr>
+              <a:t>Optimization</a:t>
+            </a:r>
+            <a:endParaRPr lang="de-AT" sz="1400" dirty="0">
+              <a:latin typeface="Times New Roman" pitchFamily="18" charset="0"/>
+              <a:cs typeface="Times New Roman" pitchFamily="18" charset="0"/>
+            </a:endParaRPr>
+          </a:p>
+        </p:txBody>
+      </p:sp>
+      <p:sp>
+        <p:nvSpPr>
+          <p:cNvPr id="4" name="Rectangle 37"/>
+          <p:cNvSpPr/>
+          <p:nvPr/>
+        </p:nvSpPr>
+        <p:spPr>
+          <a:xfrm>
+            <a:off x="1476251" y="3809587"/>
+            <a:ext cx="10369152" cy="331237"/>
           </a:xfrm>
           <a:prstGeom prst="rect">
             <a:avLst/>
@@ -3287,499 +4714,34 @@
           </a:fontRef>
         </p:style>
         <p:txBody>
-          <a:bodyPr rtlCol="0" anchor="ctr"/>
+          <a:bodyPr lIns="91439" tIns="45719" rIns="91439" bIns="45719" rtlCol="0" anchor="ctr"/>
           <a:lstStyle/>
           <a:p>
             <a:pPr algn="ctr"/>
             <a:r>
-              <a:rPr lang="de-AT" sz="1400" dirty="0" smtClean="0"/>
-              <a:t>Resources</a:t>
-            </a:r>
-            <a:endParaRPr lang="de-AT" sz="1400" dirty="0"/>
-          </a:p>
-        </p:txBody>
-      </p:sp>
-      <p:sp>
-        <p:nvSpPr>
-          <p:cNvPr id="10" name="Rectangle 9"/>
+              <a:rPr lang="de-AT" sz="1400" dirty="0" smtClean="0">
+                <a:latin typeface="Times New Roman" pitchFamily="18" charset="0"/>
+                <a:cs typeface="Times New Roman" pitchFamily="18" charset="0"/>
+              </a:rPr>
+              <a:t>Common, Resources, and External Libraries</a:t>
+            </a:r>
+            <a:endParaRPr lang="de-AT" sz="1400" dirty="0">
+              <a:latin typeface="Times New Roman" pitchFamily="18" charset="0"/>
+              <a:cs typeface="Times New Roman" pitchFamily="18" charset="0"/>
+            </a:endParaRPr>
+          </a:p>
+        </p:txBody>
+      </p:sp>
+      <p:sp>
+        <p:nvSpPr>
+          <p:cNvPr id="19" name="Rectangle 53"/>
           <p:cNvSpPr/>
           <p:nvPr/>
         </p:nvSpPr>
         <p:spPr>
           <a:xfrm>
-            <a:off x="1985055" y="3645024"/>
-            <a:ext cx="1655403" cy="331237"/>
-          </a:xfrm>
-          <a:prstGeom prst="rect">
-            <a:avLst/>
-          </a:prstGeom>
-        </p:spPr>
-        <p:style>
-          <a:lnRef idx="2">
-            <a:schemeClr val="accent5">
-              <a:shade val="50000"/>
-            </a:schemeClr>
-          </a:lnRef>
-          <a:fillRef idx="1">
-            <a:schemeClr val="accent5"/>
-          </a:fillRef>
-          <a:effectRef idx="0">
-            <a:schemeClr val="accent5"/>
-          </a:effectRef>
-          <a:fontRef idx="minor">
-            <a:schemeClr val="lt1"/>
-          </a:fontRef>
-        </p:style>
-        <p:txBody>
-          <a:bodyPr rtlCol="0" anchor="ctr"/>
-          <a:lstStyle/>
-          <a:p>
-            <a:pPr algn="ctr"/>
-            <a:r>
-              <a:rPr lang="de-AT" sz="1400" dirty="0" smtClean="0"/>
-              <a:t>Core</a:t>
-            </a:r>
-            <a:endParaRPr lang="de-AT" sz="1400" dirty="0"/>
-          </a:p>
-        </p:txBody>
-      </p:sp>
-      <p:sp>
-        <p:nvSpPr>
-          <p:cNvPr id="11" name="Rectangle 10"/>
-          <p:cNvSpPr/>
-          <p:nvPr/>
-        </p:nvSpPr>
-        <p:spPr>
-          <a:xfrm>
-            <a:off x="3712467" y="3645024"/>
-            <a:ext cx="1656184" cy="331237"/>
-          </a:xfrm>
-          <a:prstGeom prst="rect">
-            <a:avLst/>
-          </a:prstGeom>
-        </p:spPr>
-        <p:style>
-          <a:lnRef idx="2">
-            <a:schemeClr val="accent5">
-              <a:shade val="50000"/>
-            </a:schemeClr>
-          </a:lnRef>
-          <a:fillRef idx="1">
-            <a:schemeClr val="accent5"/>
-          </a:fillRef>
-          <a:effectRef idx="0">
-            <a:schemeClr val="accent5"/>
-          </a:effectRef>
-          <a:fontRef idx="minor">
-            <a:schemeClr val="lt1"/>
-          </a:fontRef>
-        </p:style>
-        <p:txBody>
-          <a:bodyPr rtlCol="0" anchor="ctr"/>
-          <a:lstStyle/>
-          <a:p>
-            <a:pPr algn="ctr"/>
-            <a:r>
-              <a:rPr lang="de-AT" sz="1400" dirty="0" smtClean="0"/>
-              <a:t>Data</a:t>
-            </a:r>
-            <a:endParaRPr lang="de-AT" sz="1400" dirty="0"/>
-          </a:p>
-        </p:txBody>
-      </p:sp>
-      <p:sp>
-        <p:nvSpPr>
-          <p:cNvPr id="13" name="Rectangle 12"/>
-          <p:cNvSpPr/>
-          <p:nvPr/>
-        </p:nvSpPr>
-        <p:spPr>
-          <a:xfrm>
-            <a:off x="251520" y="3212975"/>
-            <a:ext cx="1656184" cy="331237"/>
-          </a:xfrm>
-          <a:prstGeom prst="rect">
-            <a:avLst/>
-          </a:prstGeom>
-        </p:spPr>
-        <p:style>
-          <a:lnRef idx="2">
-            <a:schemeClr val="accent5">
-              <a:shade val="50000"/>
-            </a:schemeClr>
-          </a:lnRef>
-          <a:fillRef idx="1">
-            <a:schemeClr val="accent5"/>
-          </a:fillRef>
-          <a:effectRef idx="0">
-            <a:schemeClr val="accent5"/>
-          </a:effectRef>
-          <a:fontRef idx="minor">
-            <a:schemeClr val="lt1"/>
-          </a:fontRef>
-        </p:style>
-        <p:txBody>
-          <a:bodyPr rtlCol="0" anchor="ctr"/>
-          <a:lstStyle/>
-          <a:p>
-            <a:pPr algn="ctr"/>
-            <a:r>
-              <a:rPr lang="de-AT" sz="1400" dirty="0" smtClean="0"/>
-              <a:t>Parameters</a:t>
-            </a:r>
-            <a:endParaRPr lang="de-AT" sz="1400" dirty="0"/>
-          </a:p>
-        </p:txBody>
-      </p:sp>
-      <p:sp>
-        <p:nvSpPr>
-          <p:cNvPr id="14" name="Rectangle 13"/>
-          <p:cNvSpPr/>
-          <p:nvPr/>
-        </p:nvSpPr>
-        <p:spPr>
-          <a:xfrm>
-            <a:off x="3710576" y="3212974"/>
-            <a:ext cx="1656184" cy="331237"/>
-          </a:xfrm>
-          <a:prstGeom prst="rect">
-            <a:avLst/>
-          </a:prstGeom>
-        </p:spPr>
-        <p:style>
-          <a:lnRef idx="2">
-            <a:schemeClr val="accent5">
-              <a:shade val="50000"/>
-            </a:schemeClr>
-          </a:lnRef>
-          <a:fillRef idx="1">
-            <a:schemeClr val="accent5"/>
-          </a:fillRef>
-          <a:effectRef idx="0">
-            <a:schemeClr val="accent5"/>
-          </a:effectRef>
-          <a:fontRef idx="minor">
-            <a:schemeClr val="lt1"/>
-          </a:fontRef>
-        </p:style>
-        <p:txBody>
-          <a:bodyPr rtlCol="0" anchor="ctr"/>
-          <a:lstStyle/>
-          <a:p>
-            <a:pPr algn="ctr"/>
-            <a:r>
-              <a:rPr lang="de-AT" sz="1400" dirty="0" smtClean="0"/>
-              <a:t>Operators</a:t>
-            </a:r>
-            <a:endParaRPr lang="de-AT" sz="1400" dirty="0"/>
-          </a:p>
-        </p:txBody>
-      </p:sp>
-      <p:sp>
-        <p:nvSpPr>
-          <p:cNvPr id="15" name="Rectangle 14"/>
-          <p:cNvSpPr/>
-          <p:nvPr/>
-        </p:nvSpPr>
-        <p:spPr>
-          <a:xfrm>
-            <a:off x="3710576" y="2780922"/>
-            <a:ext cx="1655403" cy="331237"/>
-          </a:xfrm>
-          <a:prstGeom prst="rect">
-            <a:avLst/>
-          </a:prstGeom>
-        </p:spPr>
-        <p:style>
-          <a:lnRef idx="2">
-            <a:schemeClr val="accent5">
-              <a:shade val="50000"/>
-            </a:schemeClr>
-          </a:lnRef>
-          <a:fillRef idx="1">
-            <a:schemeClr val="accent5"/>
-          </a:fillRef>
-          <a:effectRef idx="0">
-            <a:schemeClr val="accent5"/>
-          </a:effectRef>
-          <a:fontRef idx="minor">
-            <a:schemeClr val="lt1"/>
-          </a:fontRef>
-        </p:style>
-        <p:txBody>
-          <a:bodyPr rtlCol="0" anchor="ctr"/>
-          <a:lstStyle/>
-          <a:p>
-            <a:pPr algn="ctr"/>
-            <a:r>
-              <a:rPr lang="de-AT" sz="1400" dirty="0" smtClean="0"/>
-              <a:t>Optimization</a:t>
-            </a:r>
-            <a:endParaRPr lang="de-AT" sz="1400" dirty="0"/>
-          </a:p>
-        </p:txBody>
-      </p:sp>
-      <p:sp>
-        <p:nvSpPr>
-          <p:cNvPr id="16" name="Rectangle 15"/>
-          <p:cNvSpPr/>
-          <p:nvPr/>
-        </p:nvSpPr>
-        <p:spPr>
-          <a:xfrm>
-            <a:off x="1985055" y="2780921"/>
-            <a:ext cx="1655403" cy="331237"/>
-          </a:xfrm>
-          <a:prstGeom prst="rect">
-            <a:avLst/>
-          </a:prstGeom>
-        </p:spPr>
-        <p:style>
-          <a:lnRef idx="2">
-            <a:schemeClr val="accent5">
-              <a:shade val="50000"/>
-            </a:schemeClr>
-          </a:lnRef>
-          <a:fillRef idx="1">
-            <a:schemeClr val="accent5"/>
-          </a:fillRef>
-          <a:effectRef idx="0">
-            <a:schemeClr val="accent5"/>
-          </a:effectRef>
-          <a:fontRef idx="minor">
-            <a:schemeClr val="lt1"/>
-          </a:fontRef>
-        </p:style>
-        <p:txBody>
-          <a:bodyPr rtlCol="0" anchor="ctr"/>
-          <a:lstStyle/>
-          <a:p>
-            <a:pPr algn="ctr"/>
-            <a:r>
-              <a:rPr lang="de-AT" sz="1400" dirty="0" smtClean="0"/>
-              <a:t>.*Engine</a:t>
-            </a:r>
-            <a:endParaRPr lang="de-AT" sz="1400" dirty="0"/>
-          </a:p>
-        </p:txBody>
-      </p:sp>
-      <p:sp>
-        <p:nvSpPr>
-          <p:cNvPr id="17" name="Rectangle 16"/>
-          <p:cNvSpPr/>
-          <p:nvPr/>
-        </p:nvSpPr>
-        <p:spPr>
-          <a:xfrm>
-            <a:off x="3717811" y="1412777"/>
-            <a:ext cx="1656184" cy="331237"/>
-          </a:xfrm>
-          <a:prstGeom prst="rect">
-            <a:avLst/>
-          </a:prstGeom>
-        </p:spPr>
-        <p:style>
-          <a:lnRef idx="2">
-            <a:schemeClr val="accent4">
-              <a:shade val="50000"/>
-            </a:schemeClr>
-          </a:lnRef>
-          <a:fillRef idx="1">
-            <a:schemeClr val="accent4"/>
-          </a:fillRef>
-          <a:effectRef idx="0">
-            <a:schemeClr val="accent4"/>
-          </a:effectRef>
-          <a:fontRef idx="minor">
-            <a:schemeClr val="lt1"/>
-          </a:fontRef>
-        </p:style>
-        <p:txBody>
-          <a:bodyPr rtlCol="0" anchor="ctr"/>
-          <a:lstStyle/>
-          <a:p>
-            <a:pPr algn="ctr"/>
-            <a:r>
-              <a:rPr lang="de-AT" sz="1400" dirty="0" smtClean="0"/>
-              <a:t>Encodings.*</a:t>
-            </a:r>
-            <a:endParaRPr lang="de-AT" sz="1400" dirty="0"/>
-          </a:p>
-        </p:txBody>
-      </p:sp>
-      <p:sp>
-        <p:nvSpPr>
-          <p:cNvPr id="18" name="Rectangle 17"/>
-          <p:cNvSpPr/>
-          <p:nvPr/>
-        </p:nvSpPr>
-        <p:spPr>
-          <a:xfrm>
-            <a:off x="1989619" y="1412778"/>
-            <a:ext cx="1656184" cy="331236"/>
-          </a:xfrm>
-          <a:prstGeom prst="rect">
-            <a:avLst/>
-          </a:prstGeom>
-        </p:spPr>
-        <p:style>
-          <a:lnRef idx="2">
-            <a:schemeClr val="accent4">
-              <a:shade val="50000"/>
-            </a:schemeClr>
-          </a:lnRef>
-          <a:fillRef idx="1">
-            <a:schemeClr val="accent4"/>
-          </a:fillRef>
-          <a:effectRef idx="0">
-            <a:schemeClr val="accent4"/>
-          </a:effectRef>
-          <a:fontRef idx="minor">
-            <a:schemeClr val="lt1"/>
-          </a:fontRef>
-        </p:style>
-        <p:txBody>
-          <a:bodyPr rtlCol="0" anchor="ctr"/>
-          <a:lstStyle/>
-          <a:p>
-            <a:pPr algn="ctr"/>
-            <a:r>
-              <a:rPr lang="de-AT" sz="1400" dirty="0" smtClean="0"/>
-              <a:t>Problems.*</a:t>
-            </a:r>
-            <a:endParaRPr lang="de-AT" sz="1400" dirty="0"/>
-          </a:p>
-        </p:txBody>
-      </p:sp>
-      <p:sp>
-        <p:nvSpPr>
-          <p:cNvPr id="19" name="Rectangle 18"/>
-          <p:cNvSpPr/>
-          <p:nvPr/>
-        </p:nvSpPr>
-        <p:spPr>
-          <a:xfrm>
-            <a:off x="256864" y="1412776"/>
-            <a:ext cx="1656184" cy="331237"/>
-          </a:xfrm>
-          <a:prstGeom prst="rect">
-            <a:avLst/>
-          </a:prstGeom>
-        </p:spPr>
-        <p:style>
-          <a:lnRef idx="2">
-            <a:schemeClr val="accent4">
-              <a:shade val="50000"/>
-            </a:schemeClr>
-          </a:lnRef>
-          <a:fillRef idx="1">
-            <a:schemeClr val="accent4"/>
-          </a:fillRef>
-          <a:effectRef idx="0">
-            <a:schemeClr val="accent4"/>
-          </a:effectRef>
-          <a:fontRef idx="minor">
-            <a:schemeClr val="lt1"/>
-          </a:fontRef>
-        </p:style>
-        <p:txBody>
-          <a:bodyPr rtlCol="0" anchor="ctr"/>
-          <a:lstStyle/>
-          <a:p>
-            <a:pPr algn="ctr"/>
-            <a:r>
-              <a:rPr lang="de-AT" sz="1400" dirty="0" smtClean="0"/>
-              <a:t>Algorithms.*</a:t>
-            </a:r>
-            <a:endParaRPr lang="de-AT" sz="1400" dirty="0"/>
-          </a:p>
-        </p:txBody>
-      </p:sp>
-      <p:sp>
-        <p:nvSpPr>
-          <p:cNvPr id="20" name="Rectangle 19"/>
-          <p:cNvSpPr/>
-          <p:nvPr/>
-        </p:nvSpPr>
-        <p:spPr>
-          <a:xfrm>
-            <a:off x="1984275" y="2276872"/>
-            <a:ext cx="1656184" cy="331237"/>
-          </a:xfrm>
-          <a:prstGeom prst="rect">
-            <a:avLst/>
-          </a:prstGeom>
-        </p:spPr>
-        <p:style>
-          <a:lnRef idx="2">
-            <a:schemeClr val="accent4">
-              <a:shade val="50000"/>
-            </a:schemeClr>
-          </a:lnRef>
-          <a:fillRef idx="1">
-            <a:schemeClr val="accent4"/>
-          </a:fillRef>
-          <a:effectRef idx="0">
-            <a:schemeClr val="accent4"/>
-          </a:effectRef>
-          <a:fontRef idx="minor">
-            <a:schemeClr val="lt1"/>
-          </a:fontRef>
-        </p:style>
-        <p:txBody>
-          <a:bodyPr rtlCol="0" anchor="ctr"/>
-          <a:lstStyle/>
-          <a:p>
-            <a:pPr algn="ctr"/>
-            <a:r>
-              <a:rPr lang="de-AT" sz="1400" dirty="0" smtClean="0"/>
-              <a:t>Analysis</a:t>
-            </a:r>
-            <a:endParaRPr lang="de-AT" sz="1400" dirty="0"/>
-          </a:p>
-        </p:txBody>
-      </p:sp>
-      <p:sp>
-        <p:nvSpPr>
-          <p:cNvPr id="22" name="TextBox 21"/>
-          <p:cNvSpPr txBox="1"/>
-          <p:nvPr/>
-        </p:nvSpPr>
-        <p:spPr>
-          <a:xfrm>
-            <a:off x="0" y="260648"/>
-            <a:ext cx="9144000" cy="461665"/>
-          </a:xfrm>
-          <a:prstGeom prst="rect">
-            <a:avLst/>
-          </a:prstGeom>
-          <a:noFill/>
-        </p:spPr>
-        <p:txBody>
-          <a:bodyPr wrap="square" rtlCol="0">
-            <a:spAutoFit/>
-          </a:bodyPr>
-          <a:lstStyle/>
-          <a:p>
-            <a:pPr algn="ctr"/>
-            <a:r>
-              <a:rPr lang="de-AT" sz="2400" b="1" dirty="0" smtClean="0"/>
-              <a:t>HeuristicLab 3.3 Architecture</a:t>
-            </a:r>
-            <a:endParaRPr lang="de-AT" sz="2400" b="1" dirty="0"/>
-          </a:p>
-        </p:txBody>
-      </p:sp>
-      <p:sp>
-        <p:nvSpPr>
-          <p:cNvPr id="23" name="Rectangle 22"/>
-          <p:cNvSpPr/>
-          <p:nvPr/>
-        </p:nvSpPr>
-        <p:spPr>
-          <a:xfrm>
-            <a:off x="251520" y="5445224"/>
-            <a:ext cx="8640960" cy="331237"/>
+            <a:off x="1476251" y="4225161"/>
+            <a:ext cx="10369544" cy="331237"/>
           </a:xfrm>
           <a:prstGeom prst="rect">
             <a:avLst/>
@@ -3802,28 +4764,34 @@
           </a:fontRef>
         </p:style>
         <p:txBody>
-          <a:bodyPr rtlCol="0" anchor="ctr"/>
+          <a:bodyPr lIns="91439" tIns="45719" rIns="91439" bIns="45719" rtlCol="0" anchor="ctr"/>
           <a:lstStyle/>
           <a:p>
             <a:pPr algn="ctr"/>
             <a:r>
-              <a:rPr lang="de-AT" sz="1400" dirty="0" smtClean="0"/>
+              <a:rPr lang="de-AT" sz="1400" dirty="0" smtClean="0">
+                <a:latin typeface="Times New Roman" pitchFamily="18" charset="0"/>
+                <a:cs typeface="Times New Roman" pitchFamily="18" charset="0"/>
+              </a:rPr>
               <a:t>PluginInfrastructure</a:t>
             </a:r>
-            <a:endParaRPr lang="de-AT" sz="1400" dirty="0"/>
-          </a:p>
-        </p:txBody>
-      </p:sp>
-      <p:sp>
-        <p:nvSpPr>
-          <p:cNvPr id="24" name="Rectangle 23"/>
+            <a:endParaRPr lang="de-AT" sz="1400" dirty="0">
+              <a:latin typeface="Times New Roman" pitchFamily="18" charset="0"/>
+              <a:cs typeface="Times New Roman" pitchFamily="18" charset="0"/>
+            </a:endParaRPr>
+          </a:p>
+        </p:txBody>
+      </p:sp>
+      <p:sp>
+        <p:nvSpPr>
+          <p:cNvPr id="20" name="Rectangle 54"/>
           <p:cNvSpPr/>
           <p:nvPr/>
         </p:nvSpPr>
         <p:spPr>
           <a:xfrm>
-            <a:off x="251520" y="5877272"/>
-            <a:ext cx="8640960" cy="331237"/>
+            <a:off x="1476251" y="4657208"/>
+            <a:ext cx="10369544" cy="331237"/>
           </a:xfrm>
           <a:prstGeom prst="rect">
             <a:avLst/>
@@ -3858,7 +4826,7 @@
           </a:fontRef>
         </p:style>
         <p:txBody>
-          <a:bodyPr rtlCol="0" anchor="ctr"/>
+          <a:bodyPr lIns="91439" tIns="45719" rIns="91439" bIns="45719" rtlCol="0" anchor="ctr"/>
           <a:lstStyle/>
           <a:p>
             <a:pPr algn="ctr"/>
@@ -3867,6 +4835,8 @@
                 <a:solidFill>
                   <a:schemeClr val="tx1"/>
                 </a:solidFill>
+                <a:latin typeface="Times New Roman" pitchFamily="18" charset="0"/>
+                <a:cs typeface="Times New Roman" pitchFamily="18" charset="0"/>
               </a:rPr>
               <a:t>.Net 4.0</a:t>
             </a:r>
@@ -3874,604 +4844,22 @@
               <a:solidFill>
                 <a:schemeClr val="tx1"/>
               </a:solidFill>
+              <a:latin typeface="Times New Roman" pitchFamily="18" charset="0"/>
+              <a:cs typeface="Times New Roman" pitchFamily="18" charset="0"/>
             </a:endParaRPr>
           </a:p>
         </p:txBody>
       </p:sp>
       <p:sp>
         <p:nvSpPr>
-          <p:cNvPr id="25" name="Rectangle 24"/>
+          <p:cNvPr id="32" name="Rectangle 68"/>
           <p:cNvSpPr/>
           <p:nvPr/>
         </p:nvSpPr>
         <p:spPr>
           <a:xfrm>
-            <a:off x="5508104" y="2780931"/>
-            <a:ext cx="1660521" cy="331237"/>
-          </a:xfrm>
-          <a:prstGeom prst="rect">
-            <a:avLst/>
-          </a:prstGeom>
-        </p:spPr>
-        <p:style>
-          <a:lnRef idx="2">
-            <a:schemeClr val="accent6">
-              <a:shade val="50000"/>
-            </a:schemeClr>
-          </a:lnRef>
-          <a:fillRef idx="1">
-            <a:schemeClr val="accent6"/>
-          </a:fillRef>
-          <a:effectRef idx="0">
-            <a:schemeClr val="accent6"/>
-          </a:effectRef>
-          <a:fontRef idx="minor">
-            <a:schemeClr val="lt1"/>
-          </a:fontRef>
-        </p:style>
-        <p:txBody>
-          <a:bodyPr rtlCol="0" anchor="ctr"/>
-          <a:lstStyle/>
-          <a:p>
-            <a:pPr algn="ctr"/>
-            <a:r>
-              <a:rPr lang="de-AT" sz="1400" dirty="0" smtClean="0"/>
-              <a:t>GraphVisualization</a:t>
-            </a:r>
-            <a:endParaRPr lang="de-AT" sz="1400" dirty="0"/>
-          </a:p>
-        </p:txBody>
-      </p:sp>
-      <p:sp>
-        <p:nvSpPr>
-          <p:cNvPr id="29" name="Rectangle 28"/>
-          <p:cNvSpPr/>
-          <p:nvPr/>
-        </p:nvSpPr>
-        <p:spPr>
-          <a:xfrm>
-            <a:off x="3710576" y="4581125"/>
-            <a:ext cx="1656184" cy="331237"/>
-          </a:xfrm>
-          <a:prstGeom prst="rect">
-            <a:avLst/>
-          </a:prstGeom>
-        </p:spPr>
-        <p:style>
-          <a:lnRef idx="2">
-            <a:schemeClr val="accent1">
-              <a:shade val="50000"/>
-            </a:schemeClr>
-          </a:lnRef>
-          <a:fillRef idx="1">
-            <a:schemeClr val="accent1"/>
-          </a:fillRef>
-          <a:effectRef idx="0">
-            <a:schemeClr val="accent1"/>
-          </a:effectRef>
-          <a:fontRef idx="minor">
-            <a:schemeClr val="lt1"/>
-          </a:fontRef>
-        </p:style>
-        <p:txBody>
-          <a:bodyPr rtlCol="0" anchor="ctr"/>
-          <a:lstStyle/>
-          <a:p>
-            <a:pPr algn="ctr"/>
-            <a:r>
-              <a:rPr lang="de-AT" sz="1400" dirty="0" smtClean="0"/>
-              <a:t>Tracing/Logging</a:t>
-            </a:r>
-            <a:endParaRPr lang="de-AT" sz="1400" dirty="0"/>
-          </a:p>
-        </p:txBody>
-      </p:sp>
-      <p:sp>
-        <p:nvSpPr>
-          <p:cNvPr id="30" name="Rectangle 29"/>
-          <p:cNvSpPr/>
-          <p:nvPr/>
-        </p:nvSpPr>
-        <p:spPr>
-          <a:xfrm>
-            <a:off x="3712467" y="2276872"/>
-            <a:ext cx="1656184" cy="331237"/>
-          </a:xfrm>
-          <a:prstGeom prst="rect">
-            <a:avLst/>
-          </a:prstGeom>
-        </p:spPr>
-        <p:style>
-          <a:lnRef idx="2">
-            <a:schemeClr val="accent4">
-              <a:shade val="50000"/>
-            </a:schemeClr>
-          </a:lnRef>
-          <a:fillRef idx="1">
-            <a:schemeClr val="accent4"/>
-          </a:fillRef>
-          <a:effectRef idx="0">
-            <a:schemeClr val="accent4"/>
-          </a:effectRef>
-          <a:fontRef idx="minor">
-            <a:schemeClr val="lt1"/>
-          </a:fontRef>
-        </p:style>
-        <p:txBody>
-          <a:bodyPr rtlCol="0" anchor="ctr"/>
-          <a:lstStyle/>
-          <a:p>
-            <a:pPr algn="ctr"/>
-            <a:r>
-              <a:rPr lang="de-AT" sz="1400" dirty="0" smtClean="0"/>
-              <a:t>Selection</a:t>
-            </a:r>
-            <a:endParaRPr lang="de-AT" sz="1400" dirty="0"/>
-          </a:p>
-        </p:txBody>
-      </p:sp>
-      <p:sp>
-        <p:nvSpPr>
-          <p:cNvPr id="31" name="Rectangle 30"/>
-          <p:cNvSpPr/>
-          <p:nvPr/>
-        </p:nvSpPr>
-        <p:spPr>
-          <a:xfrm>
-            <a:off x="1984275" y="1844824"/>
-            <a:ext cx="1656184" cy="331237"/>
-          </a:xfrm>
-          <a:prstGeom prst="rect">
-            <a:avLst/>
-          </a:prstGeom>
-        </p:spPr>
-        <p:style>
-          <a:lnRef idx="2">
-            <a:schemeClr val="accent4">
-              <a:shade val="50000"/>
-            </a:schemeClr>
-          </a:lnRef>
-          <a:fillRef idx="1">
-            <a:schemeClr val="accent4"/>
-          </a:fillRef>
-          <a:effectRef idx="0">
-            <a:schemeClr val="accent4"/>
-          </a:effectRef>
-          <a:fontRef idx="minor">
-            <a:schemeClr val="lt1"/>
-          </a:fontRef>
-        </p:style>
-        <p:txBody>
-          <a:bodyPr rtlCol="0" anchor="ctr"/>
-          <a:lstStyle/>
-          <a:p>
-            <a:pPr algn="ctr"/>
-            <a:r>
-              <a:rPr lang="de-AT" sz="1400" dirty="0" smtClean="0"/>
-              <a:t>Random</a:t>
-            </a:r>
-            <a:endParaRPr lang="de-AT" sz="1400" dirty="0"/>
-          </a:p>
-        </p:txBody>
-      </p:sp>
-      <p:sp>
-        <p:nvSpPr>
-          <p:cNvPr id="36" name="Rectangle 35"/>
-          <p:cNvSpPr/>
-          <p:nvPr/>
-        </p:nvSpPr>
-        <p:spPr>
-          <a:xfrm>
-            <a:off x="251520" y="3645023"/>
-            <a:ext cx="1661528" cy="331237"/>
-          </a:xfrm>
-          <a:prstGeom prst="rect">
-            <a:avLst/>
-          </a:prstGeom>
-        </p:spPr>
-        <p:style>
-          <a:lnRef idx="2">
-            <a:schemeClr val="accent5">
-              <a:shade val="50000"/>
-            </a:schemeClr>
-          </a:lnRef>
-          <a:fillRef idx="1">
-            <a:schemeClr val="accent5"/>
-          </a:fillRef>
-          <a:effectRef idx="0">
-            <a:schemeClr val="accent5"/>
-          </a:effectRef>
-          <a:fontRef idx="minor">
-            <a:schemeClr val="lt1"/>
-          </a:fontRef>
-        </p:style>
-        <p:txBody>
-          <a:bodyPr rtlCol="0" anchor="ctr"/>
-          <a:lstStyle/>
-          <a:p>
-            <a:pPr algn="ctr"/>
-            <a:r>
-              <a:rPr lang="de-AT" sz="1400" dirty="0"/>
-              <a:t>Instances.*</a:t>
-            </a:r>
-            <a:endParaRPr lang="de-AT" sz="1400" dirty="0"/>
-          </a:p>
-        </p:txBody>
-      </p:sp>
-      <p:sp>
-        <p:nvSpPr>
-          <p:cNvPr id="37" name="Rectangle 36"/>
-          <p:cNvSpPr/>
-          <p:nvPr/>
-        </p:nvSpPr>
-        <p:spPr>
-          <a:xfrm>
-            <a:off x="5508104" y="3212976"/>
-            <a:ext cx="1660521" cy="339272"/>
-          </a:xfrm>
-          <a:prstGeom prst="rect">
-            <a:avLst/>
-          </a:prstGeom>
-        </p:spPr>
-        <p:style>
-          <a:lnRef idx="2">
-            <a:schemeClr val="accent6">
-              <a:shade val="50000"/>
-            </a:schemeClr>
-          </a:lnRef>
-          <a:fillRef idx="1">
-            <a:schemeClr val="accent6"/>
-          </a:fillRef>
-          <a:effectRef idx="0">
-            <a:schemeClr val="accent6"/>
-          </a:effectRef>
-          <a:fontRef idx="minor">
-            <a:schemeClr val="lt1"/>
-          </a:fontRef>
-        </p:style>
-        <p:txBody>
-          <a:bodyPr rtlCol="0" anchor="ctr"/>
-          <a:lstStyle/>
-          <a:p>
-            <a:pPr algn="ctr"/>
-            <a:r>
-              <a:rPr lang="de-AT" sz="1400" dirty="0" smtClean="0"/>
-              <a:t>Optimizer</a:t>
-            </a:r>
-            <a:endParaRPr lang="de-AT" sz="1400" dirty="0"/>
-          </a:p>
-        </p:txBody>
-      </p:sp>
-      <p:sp>
-        <p:nvSpPr>
-          <p:cNvPr id="38" name="Rectangle 37"/>
-          <p:cNvSpPr/>
-          <p:nvPr/>
-        </p:nvSpPr>
-        <p:spPr>
-          <a:xfrm>
-            <a:off x="251520" y="5013175"/>
-            <a:ext cx="1656184" cy="331237"/>
-          </a:xfrm>
-          <a:prstGeom prst="rect">
-            <a:avLst/>
-          </a:prstGeom>
-        </p:spPr>
-        <p:style>
-          <a:lnRef idx="2">
-            <a:schemeClr val="accent1">
-              <a:shade val="50000"/>
-            </a:schemeClr>
-          </a:lnRef>
-          <a:fillRef idx="1">
-            <a:schemeClr val="accent1"/>
-          </a:fillRef>
-          <a:effectRef idx="0">
-            <a:schemeClr val="accent1"/>
-          </a:effectRef>
-          <a:fontRef idx="minor">
-            <a:schemeClr val="lt1"/>
-          </a:fontRef>
-        </p:style>
-        <p:txBody>
-          <a:bodyPr rtlCol="0" anchor="ctr"/>
-          <a:lstStyle/>
-          <a:p>
-            <a:pPr algn="ctr"/>
-            <a:r>
-              <a:rPr lang="de-AT" sz="1400" dirty="0" smtClean="0"/>
-              <a:t>ExtLibs</a:t>
-            </a:r>
-            <a:endParaRPr lang="de-AT" sz="1400" dirty="0"/>
-          </a:p>
-        </p:txBody>
-      </p:sp>
-      <p:sp>
-        <p:nvSpPr>
-          <p:cNvPr id="39" name="Rectangle 38"/>
-          <p:cNvSpPr/>
-          <p:nvPr/>
-        </p:nvSpPr>
-        <p:spPr>
-          <a:xfrm>
-            <a:off x="7237357" y="4581123"/>
-            <a:ext cx="1655121" cy="331237"/>
-          </a:xfrm>
-          <a:prstGeom prst="rect">
-            <a:avLst/>
-          </a:prstGeom>
-        </p:spPr>
-        <p:style>
-          <a:lnRef idx="2">
-            <a:schemeClr val="accent2">
-              <a:shade val="50000"/>
-            </a:schemeClr>
-          </a:lnRef>
-          <a:fillRef idx="1">
-            <a:schemeClr val="accent2"/>
-          </a:fillRef>
-          <a:effectRef idx="0">
-            <a:schemeClr val="accent2"/>
-          </a:effectRef>
-          <a:fontRef idx="minor">
-            <a:schemeClr val="lt1"/>
-          </a:fontRef>
-        </p:style>
-        <p:txBody>
-          <a:bodyPr rtlCol="0" anchor="ctr"/>
-          <a:lstStyle/>
-          <a:p>
-            <a:pPr algn="ctr"/>
-            <a:r>
-              <a:rPr lang="de-AT" sz="1400" dirty="0" err="1" smtClean="0"/>
-              <a:t>ControlExtensions</a:t>
-            </a:r>
-            <a:endParaRPr lang="de-AT" sz="1400" dirty="0"/>
-          </a:p>
-        </p:txBody>
-      </p:sp>
-      <p:sp>
-        <p:nvSpPr>
-          <p:cNvPr id="41" name="Rectangle 40"/>
-          <p:cNvSpPr/>
-          <p:nvPr/>
-        </p:nvSpPr>
-        <p:spPr>
-          <a:xfrm flipH="1">
-            <a:off x="7237358" y="1412778"/>
-            <a:ext cx="791026" cy="2563482"/>
-          </a:xfrm>
-          <a:prstGeom prst="rect">
-            <a:avLst/>
-          </a:prstGeom>
-        </p:spPr>
-        <p:style>
-          <a:lnRef idx="2">
-            <a:schemeClr val="accent6">
-              <a:shade val="50000"/>
-            </a:schemeClr>
-          </a:lnRef>
-          <a:fillRef idx="1">
-            <a:schemeClr val="accent6"/>
-          </a:fillRef>
-          <a:effectRef idx="0">
-            <a:schemeClr val="accent6"/>
-          </a:effectRef>
-          <a:fontRef idx="minor">
-            <a:schemeClr val="lt1"/>
-          </a:fontRef>
-        </p:style>
-        <p:txBody>
-          <a:bodyPr rtlCol="0" anchor="ctr"/>
-          <a:lstStyle/>
-          <a:p>
-            <a:pPr algn="ctr"/>
-            <a:r>
-              <a:rPr lang="de-AT" sz="1400" dirty="0" smtClean="0"/>
-              <a:t>*.Views</a:t>
-            </a:r>
-            <a:endParaRPr lang="de-AT" sz="1400" dirty="0"/>
-          </a:p>
-        </p:txBody>
-      </p:sp>
-      <p:sp>
-        <p:nvSpPr>
-          <p:cNvPr id="42" name="Rectangle 41"/>
-          <p:cNvSpPr/>
-          <p:nvPr/>
-        </p:nvSpPr>
-        <p:spPr>
-          <a:xfrm>
-            <a:off x="3712467" y="1844824"/>
-            <a:ext cx="1656184" cy="331237"/>
-          </a:xfrm>
-          <a:prstGeom prst="rect">
-            <a:avLst/>
-          </a:prstGeom>
-        </p:spPr>
-        <p:style>
-          <a:lnRef idx="2">
-            <a:schemeClr val="accent4">
-              <a:shade val="50000"/>
-            </a:schemeClr>
-          </a:lnRef>
-          <a:fillRef idx="1">
-            <a:schemeClr val="accent4"/>
-          </a:fillRef>
-          <a:effectRef idx="0">
-            <a:schemeClr val="accent4"/>
-          </a:effectRef>
-          <a:fontRef idx="minor">
-            <a:schemeClr val="lt1"/>
-          </a:fontRef>
-        </p:style>
-        <p:txBody>
-          <a:bodyPr rtlCol="0" anchor="ctr"/>
-          <a:lstStyle/>
-          <a:p>
-            <a:pPr algn="ctr"/>
-            <a:r>
-              <a:rPr lang="de-AT" sz="1400" dirty="0" err="1" smtClean="0"/>
-              <a:t>Optimization</a:t>
-            </a:r>
-            <a:r>
-              <a:rPr lang="de-AT" sz="1400" dirty="0" smtClean="0"/>
-              <a:t> Op.</a:t>
-            </a:r>
-            <a:endParaRPr lang="de-AT" sz="1400" dirty="0" smtClean="0"/>
-          </a:p>
-        </p:txBody>
-      </p:sp>
-      <p:sp>
-        <p:nvSpPr>
-          <p:cNvPr id="43" name="Rectangle 42"/>
-          <p:cNvSpPr/>
-          <p:nvPr/>
-        </p:nvSpPr>
-        <p:spPr>
-          <a:xfrm>
-            <a:off x="3713248" y="4149080"/>
-            <a:ext cx="1656184" cy="331237"/>
-          </a:xfrm>
-          <a:prstGeom prst="rect">
-            <a:avLst/>
-          </a:prstGeom>
-        </p:spPr>
-        <p:style>
-          <a:lnRef idx="2">
-            <a:schemeClr val="accent1">
-              <a:shade val="50000"/>
-            </a:schemeClr>
-          </a:lnRef>
-          <a:fillRef idx="1">
-            <a:schemeClr val="accent1"/>
-          </a:fillRef>
-          <a:effectRef idx="0">
-            <a:schemeClr val="accent1"/>
-          </a:effectRef>
-          <a:fontRef idx="minor">
-            <a:schemeClr val="lt1"/>
-          </a:fontRef>
-        </p:style>
-        <p:txBody>
-          <a:bodyPr rtlCol="0" anchor="ctr"/>
-          <a:lstStyle/>
-          <a:p>
-            <a:pPr algn="ctr"/>
-            <a:r>
-              <a:rPr lang="de-AT" sz="1400" dirty="0" smtClean="0"/>
-              <a:t>Clients.Common</a:t>
-            </a:r>
-            <a:endParaRPr lang="de-AT" sz="1400" dirty="0"/>
-          </a:p>
-        </p:txBody>
-      </p:sp>
-      <p:sp>
-        <p:nvSpPr>
-          <p:cNvPr id="44" name="Rectangle 43"/>
-          <p:cNvSpPr/>
-          <p:nvPr/>
-        </p:nvSpPr>
-        <p:spPr>
-          <a:xfrm>
-            <a:off x="5508104" y="4149080"/>
-            <a:ext cx="1656184" cy="331237"/>
-          </a:xfrm>
-          <a:prstGeom prst="rect">
-            <a:avLst/>
-          </a:prstGeom>
-        </p:spPr>
-        <p:style>
-          <a:lnRef idx="2">
-            <a:schemeClr val="accent2">
-              <a:shade val="50000"/>
-            </a:schemeClr>
-          </a:lnRef>
-          <a:fillRef idx="1">
-            <a:schemeClr val="accent2"/>
-          </a:fillRef>
-          <a:effectRef idx="0">
-            <a:schemeClr val="accent2"/>
-          </a:effectRef>
-          <a:fontRef idx="minor">
-            <a:schemeClr val="lt1"/>
-          </a:fontRef>
-        </p:style>
-        <p:txBody>
-          <a:bodyPr rtlCol="0" anchor="ctr"/>
-          <a:lstStyle/>
-          <a:p>
-            <a:pPr algn="ctr"/>
-            <a:r>
-              <a:rPr lang="de-AT" sz="1400" dirty="0" smtClean="0"/>
-              <a:t>CodeEditor</a:t>
-            </a:r>
-            <a:endParaRPr lang="de-AT" sz="1400" dirty="0"/>
-          </a:p>
-        </p:txBody>
-      </p:sp>
-      <p:sp>
-        <p:nvSpPr>
-          <p:cNvPr id="45" name="Rectangle 44"/>
-          <p:cNvSpPr/>
-          <p:nvPr/>
-        </p:nvSpPr>
-        <p:spPr>
-          <a:xfrm>
-            <a:off x="1985056" y="3212970"/>
-            <a:ext cx="1655402" cy="331241"/>
-          </a:xfrm>
-          <a:prstGeom prst="rect">
-            <a:avLst/>
-          </a:prstGeom>
-        </p:spPr>
-        <p:style>
-          <a:lnRef idx="2">
-            <a:schemeClr val="accent5">
-              <a:shade val="50000"/>
-            </a:schemeClr>
-          </a:lnRef>
-          <a:fillRef idx="1">
-            <a:schemeClr val="accent5"/>
-          </a:fillRef>
-          <a:effectRef idx="0">
-            <a:schemeClr val="accent5"/>
-          </a:effectRef>
-          <a:fontRef idx="minor">
-            <a:schemeClr val="lt1"/>
-          </a:fontRef>
-        </p:style>
-        <p:txBody>
-          <a:bodyPr rtlCol="0" anchor="ctr"/>
-          <a:lstStyle/>
-          <a:p>
-            <a:pPr algn="ctr"/>
-            <a:r>
-              <a:rPr lang="de-AT" sz="1400" dirty="0" err="1"/>
-              <a:t>Programmable</a:t>
-            </a:r>
-            <a:r>
-              <a:rPr lang="de-AT" sz="1400" dirty="0"/>
-              <a:t> </a:t>
-            </a:r>
-            <a:r>
-              <a:rPr lang="de-AT" sz="1400" dirty="0"/>
-              <a:t>Op.</a:t>
-            </a:r>
-            <a:endParaRPr lang="de-AT" sz="1400" dirty="0"/>
-          </a:p>
-        </p:txBody>
-      </p:sp>
-      <p:sp>
-        <p:nvSpPr>
-          <p:cNvPr id="46" name="Rectangle 45"/>
-          <p:cNvSpPr/>
-          <p:nvPr/>
-        </p:nvSpPr>
-        <p:spPr>
-          <a:xfrm>
-            <a:off x="251128" y="980728"/>
-            <a:ext cx="8641351" cy="331237"/>
+            <a:off x="1476251" y="396404"/>
+            <a:ext cx="10369543" cy="331237"/>
           </a:xfrm>
           <a:prstGeom prst="rect">
             <a:avLst/>
@@ -4494,118 +4882,36 @@
           </a:fontRef>
         </p:style>
         <p:txBody>
-          <a:bodyPr rtlCol="0" anchor="ctr"/>
+          <a:bodyPr lIns="91439" tIns="45719" rIns="91439" bIns="45719" rtlCol="0" anchor="ctr"/>
           <a:lstStyle/>
           <a:p>
             <a:pPr algn="ctr"/>
             <a:r>
-              <a:rPr lang="de-AT" sz="1400" dirty="0" smtClean="0"/>
-              <a:t>Tests</a:t>
-            </a:r>
-            <a:endParaRPr lang="de-AT" sz="1400" dirty="0"/>
-          </a:p>
-        </p:txBody>
-      </p:sp>
-      <p:cxnSp>
-        <p:nvCxnSpPr>
-          <p:cNvPr id="3" name="Gerade Verbindung 2"/>
-          <p:cNvCxnSpPr/>
-          <p:nvPr/>
-        </p:nvCxnSpPr>
-        <p:spPr>
-          <a:xfrm>
-            <a:off x="5443335" y="764704"/>
-            <a:ext cx="0" cy="5832648"/>
-          </a:xfrm>
-          <a:prstGeom prst="line">
-            <a:avLst/>
-          </a:prstGeom>
-          <a:ln w="19050">
-            <a:solidFill>
-              <a:schemeClr val="tx1">
-                <a:lumMod val="75000"/>
-                <a:lumOff val="25000"/>
-              </a:schemeClr>
-            </a:solidFill>
-            <a:prstDash val="dash"/>
-          </a:ln>
-        </p:spPr>
-        <p:style>
-          <a:lnRef idx="1">
-            <a:schemeClr val="accent1"/>
-          </a:lnRef>
-          <a:fillRef idx="0">
-            <a:schemeClr val="accent1"/>
-          </a:fillRef>
-          <a:effectRef idx="0">
-            <a:schemeClr val="accent1"/>
-          </a:effectRef>
-          <a:fontRef idx="minor">
-            <a:schemeClr val="tx1"/>
-          </a:fontRef>
-        </p:style>
-      </p:cxnSp>
-      <p:sp>
-        <p:nvSpPr>
-          <p:cNvPr id="21" name="Textfeld 20"/>
-          <p:cNvSpPr txBox="1"/>
-          <p:nvPr/>
-        </p:nvSpPr>
-        <p:spPr>
-          <a:xfrm>
-            <a:off x="6796238" y="6277244"/>
-            <a:ext cx="614977" cy="307777"/>
-          </a:xfrm>
-          <a:prstGeom prst="rect">
-            <a:avLst/>
-          </a:prstGeom>
-          <a:noFill/>
-        </p:spPr>
-        <p:txBody>
-          <a:bodyPr wrap="none" rtlCol="0">
-            <a:spAutoFit/>
-          </a:bodyPr>
-          <a:lstStyle/>
-          <a:p>
-            <a:r>
-              <a:rPr lang="de-DE" sz="1400" dirty="0" smtClean="0"/>
-              <a:t>Views</a:t>
-            </a:r>
-            <a:endParaRPr lang="de-AT" sz="1400" dirty="0"/>
-          </a:p>
-        </p:txBody>
-      </p:sp>
-      <p:sp>
-        <p:nvSpPr>
-          <p:cNvPr id="40" name="Textfeld 39"/>
-          <p:cNvSpPr txBox="1"/>
-          <p:nvPr/>
-        </p:nvSpPr>
-        <p:spPr>
-          <a:xfrm>
-            <a:off x="2411760" y="6277244"/>
-            <a:ext cx="729687" cy="307777"/>
-          </a:xfrm>
-          <a:prstGeom prst="rect">
-            <a:avLst/>
-          </a:prstGeom>
-          <a:noFill/>
-        </p:spPr>
-        <p:txBody>
-          <a:bodyPr wrap="none" rtlCol="0">
-            <a:spAutoFit/>
-          </a:bodyPr>
-          <a:lstStyle/>
-          <a:p>
-            <a:r>
-              <a:rPr lang="de-DE" sz="1400" dirty="0" smtClean="0"/>
-              <a:t>Models</a:t>
-            </a:r>
-            <a:endParaRPr lang="de-AT" sz="1400" dirty="0"/>
+              <a:rPr lang="de-AT" sz="1400" dirty="0" smtClean="0">
+                <a:solidFill>
+                  <a:schemeClr val="tx1"/>
+                </a:solidFill>
+                <a:latin typeface="Times New Roman" pitchFamily="18" charset="0"/>
+                <a:cs typeface="Times New Roman" pitchFamily="18" charset="0"/>
+              </a:rPr>
+              <a:t>Unit Tests</a:t>
+            </a:r>
+            <a:endParaRPr lang="de-AT" sz="1400" dirty="0">
+              <a:solidFill>
+                <a:schemeClr val="tx1"/>
+              </a:solidFill>
+              <a:latin typeface="Times New Roman" pitchFamily="18" charset="0"/>
+              <a:cs typeface="Times New Roman" pitchFamily="18" charset="0"/>
+            </a:endParaRPr>
           </a:p>
         </p:txBody>
       </p:sp>
     </p:spTree>
+    <p:extLst>
+      <p:ext uri="{BB962C8B-B14F-4D97-AF65-F5344CB8AC3E}">
+        <p14:creationId xmlns:p14="http://schemas.microsoft.com/office/powerpoint/2010/main" val="2886582130"/>
+      </p:ext>
+    </p:extLst>
   </p:cSld>
   <p:clrMapOvr>
     <a:masterClrMapping/>
@@ -4614,9 +4920,9 @@
 </file>
 
 <file path=ppt/theme/theme1.xml><?xml version="1.0" encoding="utf-8"?>
-<a:theme xmlns:a="http://schemas.openxmlformats.org/drawingml/2006/main" name="Office Theme">
+<a:theme xmlns:a="http://schemas.openxmlformats.org/drawingml/2006/main" name="Larissa">
   <a:themeElements>
-    <a:clrScheme name="Office">
+    <a:clrScheme name="Larissa">
       <a:dk1>
         <a:sysClr val="windowText" lastClr="000000"/>
       </a:dk1>
@@ -4654,7 +4960,7 @@
         <a:srgbClr val="800080"/>
       </a:folHlink>
     </a:clrScheme>
-    <a:fontScheme name="Office">
+    <a:fontScheme name="Larissa">
       <a:majorFont>
         <a:latin typeface="Calibri"/>
         <a:ea typeface=""/>
@@ -4688,6 +4994,7 @@
         <a:font script="Mong" typeface="Mongolian Baiti"/>
         <a:font script="Viet" typeface="Times New Roman"/>
         <a:font script="Uigh" typeface="Microsoft Uighur"/>
+        <a:font script="Geor" typeface="Sylfaen"/>
       </a:majorFont>
       <a:minorFont>
         <a:latin typeface="Calibri"/>
@@ -4722,9 +5029,10 @@
         <a:font script="Mong" typeface="Mongolian Baiti"/>
         <a:font script="Viet" typeface="Arial"/>
         <a:font script="Uigh" typeface="Microsoft Uighur"/>
+        <a:font script="Geor" typeface="Sylfaen"/>
       </a:minorFont>
     </a:fontScheme>
-    <a:fmtScheme name="Office">
+    <a:fmtScheme name="Larissa">
       <a:fillStyleLst>
         <a:solidFill>
           <a:schemeClr val="phClr"/>

--- a/documentation/HeuristicLab 3.3 - Architecture.pptx
+++ b/documentation/HeuristicLab 3.3 - Architecture.pptx
@@ -288,7 +288,7 @@
           <a:p>
             <a:fld id="{17A770FE-B93C-406E-B648-E21175039D10}" type="datetimeFigureOut">
               <a:rPr lang="de-AT" smtClean="0"/>
-              <a:t>11.04.2012</a:t>
+              <a:t>28.04.2012</a:t>
             </a:fld>
             <a:endParaRPr lang="de-AT"/>
           </a:p>
@@ -330,7 +330,7 @@
           <a:p>
             <a:fld id="{8D9144EB-E929-4A40-B56C-0BAF6B5B0A8F}" type="slidenum">
               <a:rPr lang="de-AT" smtClean="0"/>
-              <a:t>‹Nr.›</a:t>
+              <a:t>‹#›</a:t>
             </a:fld>
             <a:endParaRPr lang="de-AT"/>
           </a:p>
@@ -458,7 +458,7 @@
           <a:p>
             <a:fld id="{17A770FE-B93C-406E-B648-E21175039D10}" type="datetimeFigureOut">
               <a:rPr lang="de-AT" smtClean="0"/>
-              <a:t>11.04.2012</a:t>
+              <a:t>28.04.2012</a:t>
             </a:fld>
             <a:endParaRPr lang="de-AT"/>
           </a:p>
@@ -500,7 +500,7 @@
           <a:p>
             <a:fld id="{8D9144EB-E929-4A40-B56C-0BAF6B5B0A8F}" type="slidenum">
               <a:rPr lang="de-AT" smtClean="0"/>
-              <a:t>‹Nr.›</a:t>
+              <a:t>‹#›</a:t>
             </a:fld>
             <a:endParaRPr lang="de-AT"/>
           </a:p>
@@ -638,7 +638,7 @@
           <a:p>
             <a:fld id="{17A770FE-B93C-406E-B648-E21175039D10}" type="datetimeFigureOut">
               <a:rPr lang="de-AT" smtClean="0"/>
-              <a:t>11.04.2012</a:t>
+              <a:t>28.04.2012</a:t>
             </a:fld>
             <a:endParaRPr lang="de-AT"/>
           </a:p>
@@ -680,7 +680,7 @@
           <a:p>
             <a:fld id="{8D9144EB-E929-4A40-B56C-0BAF6B5B0A8F}" type="slidenum">
               <a:rPr lang="de-AT" smtClean="0"/>
-              <a:t>‹Nr.›</a:t>
+              <a:t>‹#›</a:t>
             </a:fld>
             <a:endParaRPr lang="de-AT"/>
           </a:p>
@@ -808,7 +808,7 @@
           <a:p>
             <a:fld id="{17A770FE-B93C-406E-B648-E21175039D10}" type="datetimeFigureOut">
               <a:rPr lang="de-AT" smtClean="0"/>
-              <a:t>11.04.2012</a:t>
+              <a:t>28.04.2012</a:t>
             </a:fld>
             <a:endParaRPr lang="de-AT"/>
           </a:p>
@@ -850,7 +850,7 @@
           <a:p>
             <a:fld id="{8D9144EB-E929-4A40-B56C-0BAF6B5B0A8F}" type="slidenum">
               <a:rPr lang="de-AT" smtClean="0"/>
-              <a:t>‹Nr.›</a:t>
+              <a:t>‹#›</a:t>
             </a:fld>
             <a:endParaRPr lang="de-AT"/>
           </a:p>
@@ -1054,7 +1054,7 @@
           <a:p>
             <a:fld id="{17A770FE-B93C-406E-B648-E21175039D10}" type="datetimeFigureOut">
               <a:rPr lang="de-AT" smtClean="0"/>
-              <a:t>11.04.2012</a:t>
+              <a:t>28.04.2012</a:t>
             </a:fld>
             <a:endParaRPr lang="de-AT"/>
           </a:p>
@@ -1096,7 +1096,7 @@
           <a:p>
             <a:fld id="{8D9144EB-E929-4A40-B56C-0BAF6B5B0A8F}" type="slidenum">
               <a:rPr lang="de-AT" smtClean="0"/>
-              <a:t>‹Nr.›</a:t>
+              <a:t>‹#›</a:t>
             </a:fld>
             <a:endParaRPr lang="de-AT"/>
           </a:p>
@@ -1342,7 +1342,7 @@
           <a:p>
             <a:fld id="{17A770FE-B93C-406E-B648-E21175039D10}" type="datetimeFigureOut">
               <a:rPr lang="de-AT" smtClean="0"/>
-              <a:t>11.04.2012</a:t>
+              <a:t>28.04.2012</a:t>
             </a:fld>
             <a:endParaRPr lang="de-AT"/>
           </a:p>
@@ -1384,7 +1384,7 @@
           <a:p>
             <a:fld id="{8D9144EB-E929-4A40-B56C-0BAF6B5B0A8F}" type="slidenum">
               <a:rPr lang="de-AT" smtClean="0"/>
-              <a:t>‹Nr.›</a:t>
+              <a:t>‹#›</a:t>
             </a:fld>
             <a:endParaRPr lang="de-AT"/>
           </a:p>
@@ -1769,7 +1769,7 @@
           <a:p>
             <a:fld id="{17A770FE-B93C-406E-B648-E21175039D10}" type="datetimeFigureOut">
               <a:rPr lang="de-AT" smtClean="0"/>
-              <a:t>11.04.2012</a:t>
+              <a:t>28.04.2012</a:t>
             </a:fld>
             <a:endParaRPr lang="de-AT"/>
           </a:p>
@@ -1811,7 +1811,7 @@
           <a:p>
             <a:fld id="{8D9144EB-E929-4A40-B56C-0BAF6B5B0A8F}" type="slidenum">
               <a:rPr lang="de-AT" smtClean="0"/>
-              <a:t>‹Nr.›</a:t>
+              <a:t>‹#›</a:t>
             </a:fld>
             <a:endParaRPr lang="de-AT"/>
           </a:p>
@@ -1887,7 +1887,7 @@
           <a:p>
             <a:fld id="{17A770FE-B93C-406E-B648-E21175039D10}" type="datetimeFigureOut">
               <a:rPr lang="de-AT" smtClean="0"/>
-              <a:t>11.04.2012</a:t>
+              <a:t>28.04.2012</a:t>
             </a:fld>
             <a:endParaRPr lang="de-AT"/>
           </a:p>
@@ -1929,7 +1929,7 @@
           <a:p>
             <a:fld id="{8D9144EB-E929-4A40-B56C-0BAF6B5B0A8F}" type="slidenum">
               <a:rPr lang="de-AT" smtClean="0"/>
-              <a:t>‹Nr.›</a:t>
+              <a:t>‹#›</a:t>
             </a:fld>
             <a:endParaRPr lang="de-AT"/>
           </a:p>
@@ -1982,7 +1982,7 @@
           <a:p>
             <a:fld id="{17A770FE-B93C-406E-B648-E21175039D10}" type="datetimeFigureOut">
               <a:rPr lang="de-AT" smtClean="0"/>
-              <a:t>11.04.2012</a:t>
+              <a:t>28.04.2012</a:t>
             </a:fld>
             <a:endParaRPr lang="de-AT"/>
           </a:p>
@@ -2024,7 +2024,7 @@
           <a:p>
             <a:fld id="{8D9144EB-E929-4A40-B56C-0BAF6B5B0A8F}" type="slidenum">
               <a:rPr lang="de-AT" smtClean="0"/>
-              <a:t>‹Nr.›</a:t>
+              <a:t>‹#›</a:t>
             </a:fld>
             <a:endParaRPr lang="de-AT"/>
           </a:p>
@@ -2259,7 +2259,7 @@
           <a:p>
             <a:fld id="{17A770FE-B93C-406E-B648-E21175039D10}" type="datetimeFigureOut">
               <a:rPr lang="de-AT" smtClean="0"/>
-              <a:t>11.04.2012</a:t>
+              <a:t>28.04.2012</a:t>
             </a:fld>
             <a:endParaRPr lang="de-AT"/>
           </a:p>
@@ -2301,7 +2301,7 @@
           <a:p>
             <a:fld id="{8D9144EB-E929-4A40-B56C-0BAF6B5B0A8F}" type="slidenum">
               <a:rPr lang="de-AT" smtClean="0"/>
-              <a:t>‹Nr.›</a:t>
+              <a:t>‹#›</a:t>
             </a:fld>
             <a:endParaRPr lang="de-AT"/>
           </a:p>
@@ -2512,7 +2512,7 @@
           <a:p>
             <a:fld id="{17A770FE-B93C-406E-B648-E21175039D10}" type="datetimeFigureOut">
               <a:rPr lang="de-AT" smtClean="0"/>
-              <a:t>11.04.2012</a:t>
+              <a:t>28.04.2012</a:t>
             </a:fld>
             <a:endParaRPr lang="de-AT"/>
           </a:p>
@@ -2554,7 +2554,7 @@
           <a:p>
             <a:fld id="{8D9144EB-E929-4A40-B56C-0BAF6B5B0A8F}" type="slidenum">
               <a:rPr lang="de-AT" smtClean="0"/>
-              <a:t>‹Nr.›</a:t>
+              <a:t>‹#›</a:t>
             </a:fld>
             <a:endParaRPr lang="de-AT"/>
           </a:p>
@@ -2725,7 +2725,7 @@
           <a:p>
             <a:fld id="{17A770FE-B93C-406E-B648-E21175039D10}" type="datetimeFigureOut">
               <a:rPr lang="de-AT" smtClean="0"/>
-              <a:t>11.04.2012</a:t>
+              <a:t>28.04.2012</a:t>
             </a:fld>
             <a:endParaRPr lang="de-AT"/>
           </a:p>
@@ -2803,7 +2803,7 @@
           <a:p>
             <a:fld id="{8D9144EB-E929-4A40-B56C-0BAF6B5B0A8F}" type="slidenum">
               <a:rPr lang="de-AT" smtClean="0"/>
-              <a:t>‹Nr.›</a:t>
+              <a:t>‹#›</a:t>
             </a:fld>
             <a:endParaRPr lang="de-AT"/>
           </a:p>
@@ -3108,7 +3108,7 @@
         </p:nvSpPr>
         <p:spPr>
           <a:xfrm>
-            <a:off x="3204443" y="3377539"/>
+            <a:off x="3204443" y="3355933"/>
             <a:ext cx="1656184" cy="331237"/>
           </a:xfrm>
           <a:prstGeom prst="rect">
@@ -3138,14 +3138,12 @@
             <a:pPr algn="ctr"/>
             <a:r>
               <a:rPr lang="de-AT" sz="1400" dirty="0" smtClean="0">
-                <a:latin typeface="Times New Roman" pitchFamily="18" charset="0"/>
-                <a:cs typeface="Times New Roman" pitchFamily="18" charset="0"/>
+                <a:cs typeface="Arial" pitchFamily="34" charset="0"/>
               </a:rPr>
               <a:t>Collections</a:t>
             </a:r>
             <a:endParaRPr lang="de-AT" sz="1400" dirty="0">
-              <a:latin typeface="Times New Roman" pitchFamily="18" charset="0"/>
-              <a:cs typeface="Times New Roman" pitchFamily="18" charset="0"/>
+              <a:cs typeface="Arial" pitchFamily="34" charset="0"/>
             </a:endParaRPr>
           </a:p>
         </p:txBody>
@@ -3158,7 +3156,7 @@
         </p:nvSpPr>
         <p:spPr>
           <a:xfrm>
-            <a:off x="6660827" y="3377539"/>
+            <a:off x="6660827" y="3355933"/>
             <a:ext cx="1656184" cy="331237"/>
           </a:xfrm>
           <a:prstGeom prst="rect">
@@ -3188,14 +3186,12 @@
             <a:pPr algn="ctr"/>
             <a:r>
               <a:rPr lang="de-AT" sz="1400" dirty="0" smtClean="0">
-                <a:latin typeface="Times New Roman" pitchFamily="18" charset="0"/>
-                <a:cs typeface="Times New Roman" pitchFamily="18" charset="0"/>
+                <a:cs typeface="Arial" pitchFamily="34" charset="0"/>
               </a:rPr>
               <a:t>Persistence</a:t>
             </a:r>
             <a:endParaRPr lang="de-AT" sz="1400" dirty="0">
-              <a:latin typeface="Times New Roman" pitchFamily="18" charset="0"/>
-              <a:cs typeface="Times New Roman" pitchFamily="18" charset="0"/>
+              <a:cs typeface="Arial" pitchFamily="34" charset="0"/>
             </a:endParaRPr>
           </a:p>
         </p:txBody>
@@ -3208,7 +3204,7 @@
         </p:nvSpPr>
         <p:spPr>
           <a:xfrm>
-            <a:off x="8461027" y="3377538"/>
+            <a:off x="8461027" y="3355932"/>
             <a:ext cx="1656184" cy="331237"/>
           </a:xfrm>
           <a:prstGeom prst="rect">
@@ -3238,14 +3234,12 @@
             <a:pPr algn="ctr"/>
             <a:r>
               <a:rPr lang="de-AT" sz="1400" dirty="0" smtClean="0">
-                <a:latin typeface="Times New Roman" pitchFamily="18" charset="0"/>
-                <a:cs typeface="Times New Roman" pitchFamily="18" charset="0"/>
+                <a:cs typeface="Arial" pitchFamily="34" charset="0"/>
               </a:rPr>
               <a:t>MainForm</a:t>
             </a:r>
             <a:endParaRPr lang="de-AT" sz="1400" dirty="0">
-              <a:latin typeface="Times New Roman" pitchFamily="18" charset="0"/>
-              <a:cs typeface="Times New Roman" pitchFamily="18" charset="0"/>
+              <a:cs typeface="Arial" pitchFamily="34" charset="0"/>
             </a:endParaRPr>
           </a:p>
         </p:txBody>
@@ -3258,7 +3252,7 @@
         </p:nvSpPr>
         <p:spPr>
           <a:xfrm>
-            <a:off x="8461027" y="2974294"/>
+            <a:off x="8461027" y="2952688"/>
             <a:ext cx="1656184" cy="331237"/>
           </a:xfrm>
           <a:prstGeom prst="rect">
@@ -3288,14 +3282,12 @@
             <a:pPr algn="ctr"/>
             <a:r>
               <a:rPr lang="de-AT" sz="1400" dirty="0" smtClean="0">
-                <a:latin typeface="Times New Roman" pitchFamily="18" charset="0"/>
-                <a:cs typeface="Times New Roman" pitchFamily="18" charset="0"/>
+                <a:cs typeface="Arial" pitchFamily="34" charset="0"/>
               </a:rPr>
               <a:t>WindowsForms</a:t>
             </a:r>
             <a:endParaRPr lang="de-AT" sz="1400" dirty="0">
-              <a:latin typeface="Times New Roman" pitchFamily="18" charset="0"/>
-              <a:cs typeface="Times New Roman" pitchFamily="18" charset="0"/>
+              <a:cs typeface="Arial" pitchFamily="34" charset="0"/>
             </a:endParaRPr>
           </a:p>
         </p:txBody>
@@ -3338,14 +3330,12 @@
             <a:pPr algn="ctr"/>
             <a:r>
               <a:rPr lang="de-AT" sz="1400" dirty="0" smtClean="0">
-                <a:latin typeface="Times New Roman" pitchFamily="18" charset="0"/>
-                <a:cs typeface="Times New Roman" pitchFamily="18" charset="0"/>
+                <a:cs typeface="Arial" pitchFamily="34" charset="0"/>
               </a:rPr>
               <a:t>Core</a:t>
             </a:r>
             <a:endParaRPr lang="de-AT" sz="1400" dirty="0">
-              <a:latin typeface="Times New Roman" pitchFamily="18" charset="0"/>
-              <a:cs typeface="Times New Roman" pitchFamily="18" charset="0"/>
+              <a:cs typeface="Arial" pitchFamily="34" charset="0"/>
             </a:endParaRPr>
           </a:p>
         </p:txBody>
@@ -3388,14 +3378,12 @@
             <a:pPr algn="ctr"/>
             <a:r>
               <a:rPr lang="de-AT" sz="1400" dirty="0" smtClean="0">
-                <a:latin typeface="Times New Roman" pitchFamily="18" charset="0"/>
-                <a:cs typeface="Times New Roman" pitchFamily="18" charset="0"/>
+                <a:cs typeface="Arial" pitchFamily="34" charset="0"/>
               </a:rPr>
               <a:t>Data</a:t>
             </a:r>
             <a:endParaRPr lang="de-AT" sz="1400" dirty="0">
-              <a:latin typeface="Times New Roman" pitchFamily="18" charset="0"/>
-              <a:cs typeface="Times New Roman" pitchFamily="18" charset="0"/>
+              <a:cs typeface="Arial" pitchFamily="34" charset="0"/>
             </a:endParaRPr>
           </a:p>
         </p:txBody>
@@ -3438,14 +3426,12 @@
             <a:pPr algn="ctr"/>
             <a:r>
               <a:rPr lang="de-AT" sz="1400" dirty="0" smtClean="0">
-                <a:latin typeface="Times New Roman" pitchFamily="18" charset="0"/>
-                <a:cs typeface="Times New Roman" pitchFamily="18" charset="0"/>
+                <a:cs typeface="Arial" pitchFamily="34" charset="0"/>
               </a:rPr>
               <a:t>Parameters</a:t>
             </a:r>
             <a:endParaRPr lang="de-AT" sz="1400" dirty="0">
-              <a:latin typeface="Times New Roman" pitchFamily="18" charset="0"/>
-              <a:cs typeface="Times New Roman" pitchFamily="18" charset="0"/>
+              <a:cs typeface="Arial" pitchFamily="34" charset="0"/>
             </a:endParaRPr>
           </a:p>
         </p:txBody>
@@ -3488,14 +3474,12 @@
             <a:pPr algn="ctr"/>
             <a:r>
               <a:rPr lang="de-AT" sz="1400" dirty="0" smtClean="0">
-                <a:latin typeface="Times New Roman" pitchFamily="18" charset="0"/>
-                <a:cs typeface="Times New Roman" pitchFamily="18" charset="0"/>
+                <a:cs typeface="Arial" pitchFamily="34" charset="0"/>
               </a:rPr>
               <a:t>Operators</a:t>
             </a:r>
             <a:endParaRPr lang="de-AT" sz="1400" dirty="0">
-              <a:latin typeface="Times New Roman" pitchFamily="18" charset="0"/>
-              <a:cs typeface="Times New Roman" pitchFamily="18" charset="0"/>
+              <a:cs typeface="Arial" pitchFamily="34" charset="0"/>
             </a:endParaRPr>
           </a:p>
         </p:txBody>
@@ -3538,14 +3522,12 @@
             <a:pPr algn="ctr"/>
             <a:r>
               <a:rPr lang="de-AT" sz="1400" dirty="0" smtClean="0">
-                <a:latin typeface="Times New Roman" pitchFamily="18" charset="0"/>
-                <a:cs typeface="Times New Roman" pitchFamily="18" charset="0"/>
+                <a:cs typeface="Arial" pitchFamily="34" charset="0"/>
               </a:rPr>
               <a:t>Optimization</a:t>
             </a:r>
             <a:endParaRPr lang="de-AT" sz="1400" dirty="0">
-              <a:latin typeface="Times New Roman" pitchFamily="18" charset="0"/>
-              <a:cs typeface="Times New Roman" pitchFamily="18" charset="0"/>
+              <a:cs typeface="Arial" pitchFamily="34" charset="0"/>
             </a:endParaRPr>
           </a:p>
         </p:txBody>
@@ -3588,14 +3570,18 @@
             <a:pPr algn="ctr"/>
             <a:r>
               <a:rPr lang="de-AT" sz="1400" dirty="0" smtClean="0">
-                <a:latin typeface="Times New Roman" pitchFamily="18" charset="0"/>
-                <a:cs typeface="Times New Roman" pitchFamily="18" charset="0"/>
+                <a:cs typeface="Arial" pitchFamily="34" charset="0"/>
               </a:rPr>
-              <a:t>.*Engine</a:t>
+              <a:t>*</a:t>
+            </a:r>
+            <a:r>
+              <a:rPr lang="de-AT" sz="1400" dirty="0" smtClean="0">
+                <a:cs typeface="Arial" pitchFamily="34" charset="0"/>
+              </a:rPr>
+              <a:t>Engine</a:t>
             </a:r>
             <a:endParaRPr lang="de-AT" sz="1400" dirty="0">
-              <a:latin typeface="Times New Roman" pitchFamily="18" charset="0"/>
-              <a:cs typeface="Times New Roman" pitchFamily="18" charset="0"/>
+              <a:cs typeface="Arial" pitchFamily="34" charset="0"/>
             </a:endParaRPr>
           </a:p>
         </p:txBody>
@@ -3638,14 +3624,12 @@
             <a:pPr algn="ctr"/>
             <a:r>
               <a:rPr lang="de-AT" sz="1400" dirty="0" smtClean="0">
-                <a:latin typeface="Times New Roman" pitchFamily="18" charset="0"/>
-                <a:cs typeface="Times New Roman" pitchFamily="18" charset="0"/>
+                <a:cs typeface="Arial" pitchFamily="34" charset="0"/>
               </a:rPr>
               <a:t>Encodings.*</a:t>
             </a:r>
             <a:endParaRPr lang="de-AT" sz="1400" dirty="0">
-              <a:latin typeface="Times New Roman" pitchFamily="18" charset="0"/>
-              <a:cs typeface="Times New Roman" pitchFamily="18" charset="0"/>
+              <a:cs typeface="Arial" pitchFamily="34" charset="0"/>
             </a:endParaRPr>
           </a:p>
         </p:txBody>
@@ -3688,14 +3672,12 @@
             <a:pPr algn="ctr"/>
             <a:r>
               <a:rPr lang="de-AT" sz="1400" dirty="0" smtClean="0">
-                <a:latin typeface="Times New Roman" pitchFamily="18" charset="0"/>
-                <a:cs typeface="Times New Roman" pitchFamily="18" charset="0"/>
+                <a:cs typeface="Arial" pitchFamily="34" charset="0"/>
               </a:rPr>
               <a:t>Problems.*</a:t>
             </a:r>
             <a:endParaRPr lang="de-AT" sz="1400" dirty="0">
-              <a:latin typeface="Times New Roman" pitchFamily="18" charset="0"/>
-              <a:cs typeface="Times New Roman" pitchFamily="18" charset="0"/>
+              <a:cs typeface="Arial" pitchFamily="34" charset="0"/>
             </a:endParaRPr>
           </a:p>
         </p:txBody>
@@ -3738,14 +3720,12 @@
             <a:pPr algn="ctr"/>
             <a:r>
               <a:rPr lang="de-AT" sz="1400" dirty="0" smtClean="0">
-                <a:latin typeface="Times New Roman" pitchFamily="18" charset="0"/>
-                <a:cs typeface="Times New Roman" pitchFamily="18" charset="0"/>
+                <a:cs typeface="Arial" pitchFamily="34" charset="0"/>
               </a:rPr>
               <a:t>Algorithms.*</a:t>
             </a:r>
             <a:endParaRPr lang="de-AT" sz="1400" dirty="0">
-              <a:latin typeface="Times New Roman" pitchFamily="18" charset="0"/>
-              <a:cs typeface="Times New Roman" pitchFamily="18" charset="0"/>
+              <a:cs typeface="Arial" pitchFamily="34" charset="0"/>
             </a:endParaRPr>
           </a:p>
         </p:txBody>
@@ -3788,14 +3768,12 @@
             <a:pPr algn="ctr"/>
             <a:r>
               <a:rPr lang="de-AT" sz="1400" dirty="0" smtClean="0">
-                <a:latin typeface="Times New Roman" pitchFamily="18" charset="0"/>
-                <a:cs typeface="Times New Roman" pitchFamily="18" charset="0"/>
+                <a:cs typeface="Arial" pitchFamily="34" charset="0"/>
               </a:rPr>
               <a:t>Analysis</a:t>
             </a:r>
             <a:endParaRPr lang="de-AT" sz="1400" dirty="0">
-              <a:latin typeface="Times New Roman" pitchFamily="18" charset="0"/>
-              <a:cs typeface="Times New Roman" pitchFamily="18" charset="0"/>
+              <a:cs typeface="Arial" pitchFamily="34" charset="0"/>
             </a:endParaRPr>
           </a:p>
         </p:txBody>
@@ -3838,14 +3816,12 @@
             <a:pPr algn="ctr"/>
             <a:r>
               <a:rPr lang="de-AT" sz="1400" dirty="0" smtClean="0">
-                <a:latin typeface="Times New Roman" pitchFamily="18" charset="0"/>
-                <a:cs typeface="Times New Roman" pitchFamily="18" charset="0"/>
+                <a:cs typeface="Arial" pitchFamily="34" charset="0"/>
               </a:rPr>
               <a:t>GraphVisualization</a:t>
             </a:r>
             <a:endParaRPr lang="de-AT" sz="1400" dirty="0">
-              <a:latin typeface="Times New Roman" pitchFamily="18" charset="0"/>
-              <a:cs typeface="Times New Roman" pitchFamily="18" charset="0"/>
+              <a:cs typeface="Arial" pitchFamily="34" charset="0"/>
             </a:endParaRPr>
           </a:p>
         </p:txBody>
@@ -3858,7 +3834,7 @@
         </p:nvSpPr>
         <p:spPr>
           <a:xfrm>
-            <a:off x="4938370" y="3377540"/>
+            <a:off x="4938370" y="3355934"/>
             <a:ext cx="1656184" cy="331236"/>
           </a:xfrm>
           <a:prstGeom prst="rect">
@@ -3888,14 +3864,12 @@
             <a:pPr algn="ctr"/>
             <a:r>
               <a:rPr lang="de-AT" sz="1400" dirty="0" smtClean="0">
-                <a:latin typeface="Times New Roman" pitchFamily="18" charset="0"/>
-                <a:cs typeface="Times New Roman" pitchFamily="18" charset="0"/>
+                <a:cs typeface="Arial" pitchFamily="34" charset="0"/>
               </a:rPr>
               <a:t>Tracing/Logging</a:t>
             </a:r>
             <a:endParaRPr lang="de-AT" sz="1400" dirty="0">
-              <a:latin typeface="Times New Roman" pitchFamily="18" charset="0"/>
-              <a:cs typeface="Times New Roman" pitchFamily="18" charset="0"/>
+              <a:cs typeface="Arial" pitchFamily="34" charset="0"/>
             </a:endParaRPr>
           </a:p>
         </p:txBody>
@@ -3938,14 +3912,12 @@
             <a:pPr algn="ctr"/>
             <a:r>
               <a:rPr lang="de-AT" sz="1400" dirty="0" smtClean="0">
-                <a:latin typeface="Times New Roman" pitchFamily="18" charset="0"/>
-                <a:cs typeface="Times New Roman" pitchFamily="18" charset="0"/>
+                <a:cs typeface="Arial" pitchFamily="34" charset="0"/>
               </a:rPr>
               <a:t>Selection</a:t>
             </a:r>
             <a:endParaRPr lang="de-AT" sz="1400" dirty="0">
-              <a:latin typeface="Times New Roman" pitchFamily="18" charset="0"/>
-              <a:cs typeface="Times New Roman" pitchFamily="18" charset="0"/>
+              <a:cs typeface="Arial" pitchFamily="34" charset="0"/>
             </a:endParaRPr>
           </a:p>
         </p:txBody>
@@ -3988,14 +3960,12 @@
             <a:pPr algn="ctr"/>
             <a:r>
               <a:rPr lang="de-AT" sz="1400" dirty="0" smtClean="0">
-                <a:latin typeface="Times New Roman" pitchFamily="18" charset="0"/>
-                <a:cs typeface="Times New Roman" pitchFamily="18" charset="0"/>
+                <a:cs typeface="Arial" pitchFamily="34" charset="0"/>
               </a:rPr>
               <a:t>Random</a:t>
             </a:r>
             <a:endParaRPr lang="de-AT" sz="1400" dirty="0">
-              <a:latin typeface="Times New Roman" pitchFamily="18" charset="0"/>
-              <a:cs typeface="Times New Roman" pitchFamily="18" charset="0"/>
+              <a:cs typeface="Arial" pitchFamily="34" charset="0"/>
             </a:endParaRPr>
           </a:p>
         </p:txBody>
@@ -4038,8 +4008,7 @@
             <a:pPr algn="ctr"/>
             <a:r>
               <a:rPr lang="de-AT" sz="1400" dirty="0">
-                <a:latin typeface="Times New Roman" pitchFamily="18" charset="0"/>
-                <a:cs typeface="Times New Roman" pitchFamily="18" charset="0"/>
+                <a:cs typeface="Arial" pitchFamily="34" charset="0"/>
               </a:rPr>
               <a:t>Instances.*</a:t>
             </a:r>
@@ -4084,14 +4053,12 @@
             <a:pPr algn="ctr"/>
             <a:r>
               <a:rPr lang="de-AT" sz="1400" dirty="0" smtClean="0">
-                <a:latin typeface="Times New Roman" pitchFamily="18" charset="0"/>
-                <a:cs typeface="Times New Roman" pitchFamily="18" charset="0"/>
+                <a:cs typeface="Arial" pitchFamily="34" charset="0"/>
               </a:rPr>
               <a:t>Optimizer</a:t>
             </a:r>
             <a:endParaRPr lang="de-AT" sz="1400" dirty="0">
-              <a:latin typeface="Times New Roman" pitchFamily="18" charset="0"/>
-              <a:cs typeface="Times New Roman" pitchFamily="18" charset="0"/>
+              <a:cs typeface="Arial" pitchFamily="34" charset="0"/>
             </a:endParaRPr>
           </a:p>
         </p:txBody>
@@ -4104,7 +4071,7 @@
         </p:nvSpPr>
         <p:spPr>
           <a:xfrm>
-            <a:off x="10190672" y="3377537"/>
+            <a:off x="10190672" y="3355931"/>
             <a:ext cx="1653668" cy="331237"/>
           </a:xfrm>
           <a:prstGeom prst="rect">
@@ -4134,14 +4101,12 @@
             <a:pPr algn="ctr"/>
             <a:r>
               <a:rPr lang="de-AT" sz="1400" dirty="0" err="1" smtClean="0">
-                <a:latin typeface="Times New Roman" pitchFamily="18" charset="0"/>
-                <a:cs typeface="Times New Roman" pitchFamily="18" charset="0"/>
+                <a:cs typeface="Arial" pitchFamily="34" charset="0"/>
               </a:rPr>
               <a:t>ControlExtensions</a:t>
             </a:r>
             <a:endParaRPr lang="de-AT" sz="1400" dirty="0">
-              <a:latin typeface="Times New Roman" pitchFamily="18" charset="0"/>
-              <a:cs typeface="Times New Roman" pitchFamily="18" charset="0"/>
+              <a:cs typeface="Arial" pitchFamily="34" charset="0"/>
             </a:endParaRPr>
           </a:p>
         </p:txBody>
@@ -4184,8 +4149,7 @@
             <a:pPr algn="ctr"/>
             <a:r>
               <a:rPr lang="de-AT" sz="1400" dirty="0" smtClean="0">
-                <a:latin typeface="Times New Roman" pitchFamily="18" charset="0"/>
-                <a:cs typeface="Times New Roman" pitchFamily="18" charset="0"/>
+                <a:cs typeface="Arial" pitchFamily="34" charset="0"/>
               </a:rPr>
               <a:t>Optimization Operators</a:t>
             </a:r>
@@ -4200,7 +4164,7 @@
         </p:nvSpPr>
         <p:spPr>
           <a:xfrm>
-            <a:off x="1476251" y="3377539"/>
+            <a:off x="1476251" y="3355933"/>
             <a:ext cx="1656184" cy="331237"/>
           </a:xfrm>
           <a:prstGeom prst="rect">
@@ -4230,14 +4194,12 @@
             <a:pPr algn="ctr"/>
             <a:r>
               <a:rPr lang="de-AT" sz="1400" dirty="0" smtClean="0">
-                <a:latin typeface="Times New Roman" pitchFamily="18" charset="0"/>
-                <a:cs typeface="Times New Roman" pitchFamily="18" charset="0"/>
+                <a:cs typeface="Arial" pitchFamily="34" charset="0"/>
               </a:rPr>
               <a:t>Clients.Common</a:t>
             </a:r>
             <a:endParaRPr lang="de-AT" sz="1400" dirty="0">
-              <a:latin typeface="Times New Roman" pitchFamily="18" charset="0"/>
-              <a:cs typeface="Times New Roman" pitchFamily="18" charset="0"/>
+              <a:cs typeface="Arial" pitchFamily="34" charset="0"/>
             </a:endParaRPr>
           </a:p>
         </p:txBody>
@@ -4250,7 +4212,7 @@
         </p:nvSpPr>
         <p:spPr>
           <a:xfrm>
-            <a:off x="10190672" y="2974294"/>
+            <a:off x="10190672" y="2952688"/>
             <a:ext cx="1653668" cy="331237"/>
           </a:xfrm>
           <a:prstGeom prst="rect">
@@ -4280,14 +4242,12 @@
             <a:pPr algn="ctr"/>
             <a:r>
               <a:rPr lang="de-AT" sz="1400" dirty="0" smtClean="0">
-                <a:latin typeface="Times New Roman" pitchFamily="18" charset="0"/>
-                <a:cs typeface="Times New Roman" pitchFamily="18" charset="0"/>
+                <a:cs typeface="Arial" pitchFamily="34" charset="0"/>
               </a:rPr>
               <a:t>CodeEditor</a:t>
             </a:r>
             <a:endParaRPr lang="de-AT" sz="1400" dirty="0">
-              <a:latin typeface="Times New Roman" pitchFamily="18" charset="0"/>
-              <a:cs typeface="Times New Roman" pitchFamily="18" charset="0"/>
+              <a:cs typeface="Arial" pitchFamily="34" charset="0"/>
             </a:endParaRPr>
           </a:p>
         </p:txBody>
@@ -4330,15 +4290,13 @@
             <a:pPr algn="ctr"/>
             <a:r>
               <a:rPr lang="de-AT" sz="1400" dirty="0" err="1">
-                <a:latin typeface="Times New Roman" pitchFamily="18" charset="0"/>
-                <a:cs typeface="Times New Roman" pitchFamily="18" charset="0"/>
+                <a:cs typeface="Arial" pitchFamily="34" charset="0"/>
               </a:rPr>
               <a:t>Programmable</a:t>
             </a:r>
             <a:r>
               <a:rPr lang="de-AT" sz="1400" dirty="0">
-                <a:latin typeface="Times New Roman" pitchFamily="18" charset="0"/>
-                <a:cs typeface="Times New Roman" pitchFamily="18" charset="0"/>
+                <a:cs typeface="Arial" pitchFamily="34" charset="0"/>
               </a:rPr>
               <a:t> Op.</a:t>
             </a:r>
@@ -4353,7 +4311,7 @@
         </p:nvSpPr>
         <p:spPr>
           <a:xfrm>
-            <a:off x="8389019" y="5057181"/>
+            <a:off x="8389019" y="5179591"/>
             <a:ext cx="3456384" cy="307775"/>
           </a:xfrm>
           <a:prstGeom prst="rect">
@@ -4370,14 +4328,12 @@
             <a:pPr algn="ctr"/>
             <a:r>
               <a:rPr lang="de-DE" sz="1400" dirty="0" smtClean="0">
-                <a:latin typeface="Times New Roman" pitchFamily="18" charset="0"/>
-                <a:cs typeface="Times New Roman" pitchFamily="18" charset="0"/>
+                <a:cs typeface="Arial" pitchFamily="34" charset="0"/>
               </a:rPr>
               <a:t>Views</a:t>
             </a:r>
             <a:endParaRPr lang="de-AT" sz="1400" dirty="0">
-              <a:latin typeface="Times New Roman" pitchFamily="18" charset="0"/>
-              <a:cs typeface="Times New Roman" pitchFamily="18" charset="0"/>
+              <a:cs typeface="Arial" pitchFamily="34" charset="0"/>
             </a:endParaRPr>
           </a:p>
         </p:txBody>
@@ -4390,7 +4346,7 @@
         </p:nvSpPr>
         <p:spPr>
           <a:xfrm>
-            <a:off x="1476251" y="5057181"/>
+            <a:off x="1476251" y="5179591"/>
             <a:ext cx="6912768" cy="307775"/>
           </a:xfrm>
           <a:prstGeom prst="rect">
@@ -4407,14 +4363,12 @@
             <a:pPr algn="ctr"/>
             <a:r>
               <a:rPr lang="de-DE" sz="1400" dirty="0" smtClean="0">
-                <a:latin typeface="Times New Roman" pitchFamily="18" charset="0"/>
-                <a:cs typeface="Times New Roman" pitchFamily="18" charset="0"/>
+                <a:cs typeface="Arial" pitchFamily="34" charset="0"/>
               </a:rPr>
               <a:t>Models</a:t>
             </a:r>
             <a:endParaRPr lang="de-AT" sz="1400" dirty="0">
-              <a:latin typeface="Times New Roman" pitchFamily="18" charset="0"/>
-              <a:cs typeface="Times New Roman" pitchFamily="18" charset="0"/>
+              <a:cs typeface="Arial" pitchFamily="34" charset="0"/>
             </a:endParaRPr>
           </a:p>
         </p:txBody>
@@ -4427,8 +4381,8 @@
         </p:nvCxnSpPr>
         <p:spPr>
           <a:xfrm>
-            <a:off x="8389019" y="324396"/>
-            <a:ext cx="0" cy="5040560"/>
+            <a:off x="8389019" y="252388"/>
+            <a:ext cx="0" cy="5194088"/>
           </a:xfrm>
           <a:prstGeom prst="line">
             <a:avLst/>
@@ -4461,7 +4415,7 @@
         </p:nvCxnSpPr>
         <p:spPr>
           <a:xfrm>
-            <a:off x="684163" y="2844676"/>
+            <a:off x="684163" y="2812593"/>
             <a:ext cx="11336773" cy="0"/>
           </a:xfrm>
           <a:prstGeom prst="line">
@@ -4495,7 +4449,7 @@
         </p:nvCxnSpPr>
         <p:spPr>
           <a:xfrm>
-            <a:off x="684163" y="1790176"/>
+            <a:off x="684163" y="1798197"/>
             <a:ext cx="11336773" cy="0"/>
           </a:xfrm>
           <a:prstGeom prst="line">
@@ -4559,14 +4513,12 @@
             <a:pPr algn="ctr"/>
             <a:r>
               <a:rPr lang="de-AT" sz="1400" dirty="0" smtClean="0">
-                <a:latin typeface="Times New Roman" pitchFamily="18" charset="0"/>
-                <a:cs typeface="Times New Roman" pitchFamily="18" charset="0"/>
+                <a:cs typeface="Arial" pitchFamily="34" charset="0"/>
               </a:rPr>
               <a:t>*.Views</a:t>
             </a:r>
             <a:endParaRPr lang="de-AT" sz="1400" dirty="0">
-              <a:latin typeface="Times New Roman" pitchFamily="18" charset="0"/>
-              <a:cs typeface="Times New Roman" pitchFamily="18" charset="0"/>
+              <a:cs typeface="Arial" pitchFamily="34" charset="0"/>
             </a:endParaRPr>
           </a:p>
         </p:txBody>
@@ -4579,8 +4531,8 @@
         </p:nvSpPr>
         <p:spPr>
           <a:xfrm rot="16200000">
-            <a:off x="-89815" y="3762673"/>
-            <a:ext cx="2143767" cy="307775"/>
+            <a:off x="276218" y="3375035"/>
+            <a:ext cx="1411704" cy="307775"/>
           </a:xfrm>
           <a:prstGeom prst="rect">
             <a:avLst/>
@@ -4596,14 +4548,12 @@
             <a:pPr algn="ctr"/>
             <a:r>
               <a:rPr lang="de-DE" sz="1400" dirty="0" smtClean="0">
-                <a:latin typeface="Times New Roman" pitchFamily="18" charset="0"/>
-                <a:cs typeface="Times New Roman" pitchFamily="18" charset="0"/>
+                <a:cs typeface="Arial" pitchFamily="34" charset="0"/>
               </a:rPr>
               <a:t>Base</a:t>
             </a:r>
             <a:endParaRPr lang="de-AT" sz="1400" dirty="0">
-              <a:latin typeface="Times New Roman" pitchFamily="18" charset="0"/>
-              <a:cs typeface="Times New Roman" pitchFamily="18" charset="0"/>
+              <a:cs typeface="Arial" pitchFamily="34" charset="0"/>
             </a:endParaRPr>
           </a:p>
         </p:txBody>
@@ -4616,8 +4566,8 @@
         </p:nvSpPr>
         <p:spPr>
           <a:xfrm rot="16200000">
-            <a:off x="446127" y="2146608"/>
-            <a:ext cx="1071884" cy="307775"/>
+            <a:off x="469635" y="2156746"/>
+            <a:ext cx="1024871" cy="307775"/>
           </a:xfrm>
           <a:prstGeom prst="rect">
             <a:avLst/>
@@ -4633,14 +4583,12 @@
             <a:pPr algn="ctr"/>
             <a:r>
               <a:rPr lang="de-DE" sz="1400" dirty="0" smtClean="0">
-                <a:latin typeface="Times New Roman" pitchFamily="18" charset="0"/>
-                <a:cs typeface="Times New Roman" pitchFamily="18" charset="0"/>
+                <a:cs typeface="Arial" pitchFamily="34" charset="0"/>
               </a:rPr>
               <a:t>Core</a:t>
             </a:r>
             <a:endParaRPr lang="de-AT" sz="1400" dirty="0">
-              <a:latin typeface="Times New Roman" pitchFamily="18" charset="0"/>
-              <a:cs typeface="Times New Roman" pitchFamily="18" charset="0"/>
+              <a:cs typeface="Arial" pitchFamily="34" charset="0"/>
             </a:endParaRPr>
           </a:p>
         </p:txBody>
@@ -4653,8 +4601,8 @@
         </p:nvSpPr>
         <p:spPr>
           <a:xfrm rot="16200000">
-            <a:off x="338118" y="958477"/>
-            <a:ext cx="1287905" cy="307775"/>
+            <a:off x="281176" y="943412"/>
+            <a:ext cx="1401792" cy="307775"/>
           </a:xfrm>
           <a:prstGeom prst="rect">
             <a:avLst/>
@@ -4670,14 +4618,12 @@
             <a:pPr algn="ctr"/>
             <a:r>
               <a:rPr lang="de-DE" sz="1400" dirty="0" err="1" smtClean="0">
-                <a:latin typeface="Times New Roman" pitchFamily="18" charset="0"/>
-                <a:cs typeface="Times New Roman" pitchFamily="18" charset="0"/>
+                <a:cs typeface="Arial" pitchFamily="34" charset="0"/>
               </a:rPr>
               <a:t>Optimization</a:t>
             </a:r>
             <a:endParaRPr lang="de-AT" sz="1400" dirty="0">
-              <a:latin typeface="Times New Roman" pitchFamily="18" charset="0"/>
-              <a:cs typeface="Times New Roman" pitchFamily="18" charset="0"/>
+              <a:cs typeface="Arial" pitchFamily="34" charset="0"/>
             </a:endParaRPr>
           </a:p>
         </p:txBody>
@@ -4690,7 +4636,7 @@
         </p:nvSpPr>
         <p:spPr>
           <a:xfrm>
-            <a:off x="1476251" y="3809587"/>
+            <a:off x="1476251" y="3787981"/>
             <a:ext cx="10369152" cy="331237"/>
           </a:xfrm>
           <a:prstGeom prst="rect">
@@ -4720,14 +4666,30 @@
             <a:pPr algn="ctr"/>
             <a:r>
               <a:rPr lang="de-AT" sz="1400" dirty="0" smtClean="0">
-                <a:latin typeface="Times New Roman" pitchFamily="18" charset="0"/>
-                <a:cs typeface="Times New Roman" pitchFamily="18" charset="0"/>
+                <a:cs typeface="Arial" pitchFamily="34" charset="0"/>
               </a:rPr>
-              <a:t>Common, Resources, and External Libraries</a:t>
+              <a:t>Common, Resources, </a:t>
+            </a:r>
+            <a:r>
+              <a:rPr lang="de-AT" sz="1400" dirty="0" err="1" smtClean="0">
+                <a:cs typeface="Arial" pitchFamily="34" charset="0"/>
+              </a:rPr>
+              <a:t>External</a:t>
+            </a:r>
+            <a:r>
+              <a:rPr lang="de-AT" sz="1400" dirty="0" smtClean="0">
+                <a:cs typeface="Arial" pitchFamily="34" charset="0"/>
+              </a:rPr>
+              <a:t> </a:t>
+            </a:r>
+            <a:r>
+              <a:rPr lang="de-AT" sz="1400" dirty="0" smtClean="0">
+                <a:cs typeface="Arial" pitchFamily="34" charset="0"/>
+              </a:rPr>
+              <a:t>Libraries</a:t>
             </a:r>
             <a:endParaRPr lang="de-AT" sz="1400" dirty="0">
-              <a:latin typeface="Times New Roman" pitchFamily="18" charset="0"/>
-              <a:cs typeface="Times New Roman" pitchFamily="18" charset="0"/>
+              <a:cs typeface="Arial" pitchFamily="34" charset="0"/>
             </a:endParaRPr>
           </a:p>
         </p:txBody>
@@ -4740,12 +4702,24 @@
         </p:nvSpPr>
         <p:spPr>
           <a:xfrm>
-            <a:off x="1476251" y="4225161"/>
+            <a:off x="1476251" y="4347571"/>
             <a:ext cx="10369544" cy="331237"/>
           </a:xfrm>
           <a:prstGeom prst="rect">
             <a:avLst/>
           </a:prstGeom>
+          <a:solidFill>
+            <a:schemeClr val="bg1">
+              <a:lumMod val="85000"/>
+            </a:schemeClr>
+          </a:solidFill>
+          <a:ln>
+            <a:solidFill>
+              <a:schemeClr val="bg1">
+                <a:lumMod val="50000"/>
+              </a:schemeClr>
+            </a:solidFill>
+          </a:ln>
         </p:spPr>
         <p:style>
           <a:lnRef idx="2">
@@ -4770,14 +4744,18 @@
             <a:pPr algn="ctr"/>
             <a:r>
               <a:rPr lang="de-AT" sz="1400" dirty="0" smtClean="0">
-                <a:latin typeface="Times New Roman" pitchFamily="18" charset="0"/>
-                <a:cs typeface="Times New Roman" pitchFamily="18" charset="0"/>
+                <a:solidFill>
+                  <a:schemeClr val="tx1"/>
+                </a:solidFill>
+                <a:cs typeface="Arial" pitchFamily="34" charset="0"/>
               </a:rPr>
               <a:t>PluginInfrastructure</a:t>
             </a:r>
             <a:endParaRPr lang="de-AT" sz="1400" dirty="0">
-              <a:latin typeface="Times New Roman" pitchFamily="18" charset="0"/>
-              <a:cs typeface="Times New Roman" pitchFamily="18" charset="0"/>
+              <a:solidFill>
+                <a:schemeClr val="tx1"/>
+              </a:solidFill>
+              <a:cs typeface="Arial" pitchFamily="34" charset="0"/>
             </a:endParaRPr>
           </a:p>
         </p:txBody>
@@ -4790,17 +4768,24 @@
         </p:nvSpPr>
         <p:spPr>
           <a:xfrm>
-            <a:off x="1476251" y="4657208"/>
+            <a:off x="1476251" y="4779618"/>
             <a:ext cx="10369544" cy="331237"/>
           </a:xfrm>
           <a:prstGeom prst="rect">
             <a:avLst/>
           </a:prstGeom>
-          <a:solidFill>
-            <a:schemeClr val="bg1">
-              <a:lumMod val="85000"/>
-            </a:schemeClr>
-          </a:solidFill>
+          <a:pattFill prst="pct25">
+            <a:fgClr>
+              <a:schemeClr val="bg1">
+                <a:lumMod val="50000"/>
+              </a:schemeClr>
+            </a:fgClr>
+            <a:bgClr>
+              <a:schemeClr val="bg1">
+                <a:lumMod val="85000"/>
+              </a:schemeClr>
+            </a:bgClr>
+          </a:pattFill>
           <a:ln>
             <a:solidFill>
               <a:schemeClr val="bg1">
@@ -4835,17 +4820,15 @@
                 <a:solidFill>
                   <a:schemeClr val="tx1"/>
                 </a:solidFill>
-                <a:latin typeface="Times New Roman" pitchFamily="18" charset="0"/>
-                <a:cs typeface="Times New Roman" pitchFamily="18" charset="0"/>
+                <a:cs typeface="Arial" pitchFamily="34" charset="0"/>
               </a:rPr>
-              <a:t>.Net 4.0</a:t>
+              <a:t>Microsoft .NET 4.0</a:t>
             </a:r>
             <a:endParaRPr lang="de-AT" sz="1400" dirty="0">
               <a:solidFill>
                 <a:schemeClr val="tx1"/>
               </a:solidFill>
-              <a:latin typeface="Times New Roman" pitchFamily="18" charset="0"/>
-              <a:cs typeface="Times New Roman" pitchFamily="18" charset="0"/>
+              <a:cs typeface="Arial" pitchFamily="34" charset="0"/>
             </a:endParaRPr>
           </a:p>
         </p:txBody>
@@ -4891,8 +4874,7 @@
                 <a:solidFill>
                   <a:schemeClr val="tx1"/>
                 </a:solidFill>
-                <a:latin typeface="Times New Roman" pitchFamily="18" charset="0"/>
-                <a:cs typeface="Times New Roman" pitchFamily="18" charset="0"/>
+                <a:cs typeface="Arial" pitchFamily="34" charset="0"/>
               </a:rPr>
               <a:t>Unit Tests</a:t>
             </a:r>
@@ -4900,12 +4882,80 @@
               <a:solidFill>
                 <a:schemeClr val="tx1"/>
               </a:solidFill>
-              <a:latin typeface="Times New Roman" pitchFamily="18" charset="0"/>
-              <a:cs typeface="Times New Roman" pitchFamily="18" charset="0"/>
+              <a:cs typeface="Arial" pitchFamily="34" charset="0"/>
             </a:endParaRPr>
           </a:p>
         </p:txBody>
       </p:sp>
+      <p:sp>
+        <p:nvSpPr>
+          <p:cNvPr id="40" name="Textfeld 39"/>
+          <p:cNvSpPr txBox="1"/>
+          <p:nvPr/>
+        </p:nvSpPr>
+        <p:spPr>
+          <a:xfrm rot="16200000">
+            <a:off x="452987" y="4609973"/>
+            <a:ext cx="1058174" cy="307775"/>
+          </a:xfrm>
+          <a:prstGeom prst="rect">
+            <a:avLst/>
+          </a:prstGeom>
+          <a:noFill/>
+        </p:spPr>
+        <p:txBody>
+          <a:bodyPr wrap="square" lIns="91439" tIns="45719" rIns="91439" bIns="45719" rtlCol="0">
+            <a:spAutoFit/>
+          </a:bodyPr>
+          <a:lstStyle/>
+          <a:p>
+            <a:pPr algn="ctr"/>
+            <a:r>
+              <a:rPr lang="de-DE" sz="1400" dirty="0" err="1" smtClean="0">
+                <a:cs typeface="Arial" pitchFamily="34" charset="0"/>
+              </a:rPr>
+              <a:t>Foundation</a:t>
+            </a:r>
+            <a:endParaRPr lang="de-AT" sz="1400" dirty="0">
+              <a:cs typeface="Arial" pitchFamily="34" charset="0"/>
+            </a:endParaRPr>
+          </a:p>
+        </p:txBody>
+      </p:sp>
+      <p:cxnSp>
+        <p:nvCxnSpPr>
+          <p:cNvPr id="41" name="Gerade Verbindung 35"/>
+          <p:cNvCxnSpPr/>
+          <p:nvPr/>
+        </p:nvCxnSpPr>
+        <p:spPr>
+          <a:xfrm>
+            <a:off x="684163" y="4234775"/>
+            <a:ext cx="11336773" cy="0"/>
+          </a:xfrm>
+          <a:prstGeom prst="line">
+            <a:avLst/>
+          </a:prstGeom>
+          <a:ln>
+            <a:prstDash val="dash"/>
+          </a:ln>
+          <a:effectLst/>
+        </p:spPr>
+        <p:style>
+          <a:lnRef idx="2">
+            <a:schemeClr val="dk1"/>
+          </a:lnRef>
+          <a:fillRef idx="0">
+            <a:schemeClr val="dk1"/>
+          </a:fillRef>
+          <a:effectRef idx="1">
+            <a:schemeClr val="dk1"/>
+          </a:effectRef>
+          <a:fontRef idx="minor">
+            <a:schemeClr val="tx1"/>
+          </a:fontRef>
+        </p:style>
+      </p:cxnSp>
     </p:spTree>
     <p:extLst>
       <p:ext uri="{BB962C8B-B14F-4D97-AF65-F5344CB8AC3E}">

--- a/documentation/HeuristicLab 3.3 - Architecture.pptx
+++ b/documentation/HeuristicLab 3.3 - Architecture.pptx
@@ -104,6 +104,22 @@
       </a:defRPr>
     </a:lvl9pPr>
   </p:defaultTextStyle>
+  <p:extLst>
+    <p:ext uri="{EFAFB233-063F-42B5-8137-9DF3F51BA10A}">
+      <p15:sldGuideLst xmlns:p15="http://schemas.microsoft.com/office/powerpoint/2012/main">
+        <p15:guide id="1" orient="horz" pos="1928">
+          <p15:clr>
+            <a:srgbClr val="A4A3A4"/>
+          </p15:clr>
+        </p15:guide>
+        <p15:guide id="2" pos="3969">
+          <p15:clr>
+            <a:srgbClr val="A4A3A4"/>
+          </p15:clr>
+        </p15:guide>
+      </p15:sldGuideLst>
+    </p:ext>
+  </p:extLst>
 </p:presentation>
 </file>
 
@@ -288,7 +304,7 @@
           <a:p>
             <a:fld id="{17A770FE-B93C-406E-B648-E21175039D10}" type="datetimeFigureOut">
               <a:rPr lang="de-AT" smtClean="0"/>
-              <a:t>28.04.2012</a:t>
+              <a:t>18.02.2014</a:t>
             </a:fld>
             <a:endParaRPr lang="de-AT"/>
           </a:p>
@@ -330,7 +346,7 @@
           <a:p>
             <a:fld id="{8D9144EB-E929-4A40-B56C-0BAF6B5B0A8F}" type="slidenum">
               <a:rPr lang="de-AT" smtClean="0"/>
-              <a:t>‹#›</a:t>
+              <a:t>‹Nr.›</a:t>
             </a:fld>
             <a:endParaRPr lang="de-AT"/>
           </a:p>
@@ -458,7 +474,7 @@
           <a:p>
             <a:fld id="{17A770FE-B93C-406E-B648-E21175039D10}" type="datetimeFigureOut">
               <a:rPr lang="de-AT" smtClean="0"/>
-              <a:t>28.04.2012</a:t>
+              <a:t>18.02.2014</a:t>
             </a:fld>
             <a:endParaRPr lang="de-AT"/>
           </a:p>
@@ -500,7 +516,7 @@
           <a:p>
             <a:fld id="{8D9144EB-E929-4A40-B56C-0BAF6B5B0A8F}" type="slidenum">
               <a:rPr lang="de-AT" smtClean="0"/>
-              <a:t>‹#›</a:t>
+              <a:t>‹Nr.›</a:t>
             </a:fld>
             <a:endParaRPr lang="de-AT"/>
           </a:p>
@@ -638,7 +654,7 @@
           <a:p>
             <a:fld id="{17A770FE-B93C-406E-B648-E21175039D10}" type="datetimeFigureOut">
               <a:rPr lang="de-AT" smtClean="0"/>
-              <a:t>28.04.2012</a:t>
+              <a:t>18.02.2014</a:t>
             </a:fld>
             <a:endParaRPr lang="de-AT"/>
           </a:p>
@@ -680,7 +696,7 @@
           <a:p>
             <a:fld id="{8D9144EB-E929-4A40-B56C-0BAF6B5B0A8F}" type="slidenum">
               <a:rPr lang="de-AT" smtClean="0"/>
-              <a:t>‹#›</a:t>
+              <a:t>‹Nr.›</a:t>
             </a:fld>
             <a:endParaRPr lang="de-AT"/>
           </a:p>
@@ -808,7 +824,7 @@
           <a:p>
             <a:fld id="{17A770FE-B93C-406E-B648-E21175039D10}" type="datetimeFigureOut">
               <a:rPr lang="de-AT" smtClean="0"/>
-              <a:t>28.04.2012</a:t>
+              <a:t>18.02.2014</a:t>
             </a:fld>
             <a:endParaRPr lang="de-AT"/>
           </a:p>
@@ -850,7 +866,7 @@
           <a:p>
             <a:fld id="{8D9144EB-E929-4A40-B56C-0BAF6B5B0A8F}" type="slidenum">
               <a:rPr lang="de-AT" smtClean="0"/>
-              <a:t>‹#›</a:t>
+              <a:t>‹Nr.›</a:t>
             </a:fld>
             <a:endParaRPr lang="de-AT"/>
           </a:p>
@@ -1054,7 +1070,7 @@
           <a:p>
             <a:fld id="{17A770FE-B93C-406E-B648-E21175039D10}" type="datetimeFigureOut">
               <a:rPr lang="de-AT" smtClean="0"/>
-              <a:t>28.04.2012</a:t>
+              <a:t>18.02.2014</a:t>
             </a:fld>
             <a:endParaRPr lang="de-AT"/>
           </a:p>
@@ -1096,7 +1112,7 @@
           <a:p>
             <a:fld id="{8D9144EB-E929-4A40-B56C-0BAF6B5B0A8F}" type="slidenum">
               <a:rPr lang="de-AT" smtClean="0"/>
-              <a:t>‹#›</a:t>
+              <a:t>‹Nr.›</a:t>
             </a:fld>
             <a:endParaRPr lang="de-AT"/>
           </a:p>
@@ -1342,7 +1358,7 @@
           <a:p>
             <a:fld id="{17A770FE-B93C-406E-B648-E21175039D10}" type="datetimeFigureOut">
               <a:rPr lang="de-AT" smtClean="0"/>
-              <a:t>28.04.2012</a:t>
+              <a:t>18.02.2014</a:t>
             </a:fld>
             <a:endParaRPr lang="de-AT"/>
           </a:p>
@@ -1384,7 +1400,7 @@
           <a:p>
             <a:fld id="{8D9144EB-E929-4A40-B56C-0BAF6B5B0A8F}" type="slidenum">
               <a:rPr lang="de-AT" smtClean="0"/>
-              <a:t>‹#›</a:t>
+              <a:t>‹Nr.›</a:t>
             </a:fld>
             <a:endParaRPr lang="de-AT"/>
           </a:p>
@@ -1769,7 +1785,7 @@
           <a:p>
             <a:fld id="{17A770FE-B93C-406E-B648-E21175039D10}" type="datetimeFigureOut">
               <a:rPr lang="de-AT" smtClean="0"/>
-              <a:t>28.04.2012</a:t>
+              <a:t>18.02.2014</a:t>
             </a:fld>
             <a:endParaRPr lang="de-AT"/>
           </a:p>
@@ -1811,7 +1827,7 @@
           <a:p>
             <a:fld id="{8D9144EB-E929-4A40-B56C-0BAF6B5B0A8F}" type="slidenum">
               <a:rPr lang="de-AT" smtClean="0"/>
-              <a:t>‹#›</a:t>
+              <a:t>‹Nr.›</a:t>
             </a:fld>
             <a:endParaRPr lang="de-AT"/>
           </a:p>
@@ -1887,7 +1903,7 @@
           <a:p>
             <a:fld id="{17A770FE-B93C-406E-B648-E21175039D10}" type="datetimeFigureOut">
               <a:rPr lang="de-AT" smtClean="0"/>
-              <a:t>28.04.2012</a:t>
+              <a:t>18.02.2014</a:t>
             </a:fld>
             <a:endParaRPr lang="de-AT"/>
           </a:p>
@@ -1929,7 +1945,7 @@
           <a:p>
             <a:fld id="{8D9144EB-E929-4A40-B56C-0BAF6B5B0A8F}" type="slidenum">
               <a:rPr lang="de-AT" smtClean="0"/>
-              <a:t>‹#›</a:t>
+              <a:t>‹Nr.›</a:t>
             </a:fld>
             <a:endParaRPr lang="de-AT"/>
           </a:p>
@@ -1982,7 +1998,7 @@
           <a:p>
             <a:fld id="{17A770FE-B93C-406E-B648-E21175039D10}" type="datetimeFigureOut">
               <a:rPr lang="de-AT" smtClean="0"/>
-              <a:t>28.04.2012</a:t>
+              <a:t>18.02.2014</a:t>
             </a:fld>
             <a:endParaRPr lang="de-AT"/>
           </a:p>
@@ -2024,7 +2040,7 @@
           <a:p>
             <a:fld id="{8D9144EB-E929-4A40-B56C-0BAF6B5B0A8F}" type="slidenum">
               <a:rPr lang="de-AT" smtClean="0"/>
-              <a:t>‹#›</a:t>
+              <a:t>‹Nr.›</a:t>
             </a:fld>
             <a:endParaRPr lang="de-AT"/>
           </a:p>
@@ -2259,7 +2275,7 @@
           <a:p>
             <a:fld id="{17A770FE-B93C-406E-B648-E21175039D10}" type="datetimeFigureOut">
               <a:rPr lang="de-AT" smtClean="0"/>
-              <a:t>28.04.2012</a:t>
+              <a:t>18.02.2014</a:t>
             </a:fld>
             <a:endParaRPr lang="de-AT"/>
           </a:p>
@@ -2301,7 +2317,7 @@
           <a:p>
             <a:fld id="{8D9144EB-E929-4A40-B56C-0BAF6B5B0A8F}" type="slidenum">
               <a:rPr lang="de-AT" smtClean="0"/>
-              <a:t>‹#›</a:t>
+              <a:t>‹Nr.›</a:t>
             </a:fld>
             <a:endParaRPr lang="de-AT"/>
           </a:p>
@@ -2512,7 +2528,7 @@
           <a:p>
             <a:fld id="{17A770FE-B93C-406E-B648-E21175039D10}" type="datetimeFigureOut">
               <a:rPr lang="de-AT" smtClean="0"/>
-              <a:t>28.04.2012</a:t>
+              <a:t>18.02.2014</a:t>
             </a:fld>
             <a:endParaRPr lang="de-AT"/>
           </a:p>
@@ -2554,7 +2570,7 @@
           <a:p>
             <a:fld id="{8D9144EB-E929-4A40-B56C-0BAF6B5B0A8F}" type="slidenum">
               <a:rPr lang="de-AT" smtClean="0"/>
-              <a:t>‹#›</a:t>
+              <a:t>‹Nr.›</a:t>
             </a:fld>
             <a:endParaRPr lang="de-AT"/>
           </a:p>
@@ -2725,7 +2741,7 @@
           <a:p>
             <a:fld id="{17A770FE-B93C-406E-B648-E21175039D10}" type="datetimeFigureOut">
               <a:rPr lang="de-AT" smtClean="0"/>
-              <a:t>28.04.2012</a:t>
+              <a:t>18.02.2014</a:t>
             </a:fld>
             <a:endParaRPr lang="de-AT"/>
           </a:p>
@@ -2803,7 +2819,7 @@
           <a:p>
             <a:fld id="{8D9144EB-E929-4A40-B56C-0BAF6B5B0A8F}" type="slidenum">
               <a:rPr lang="de-AT" smtClean="0"/>
-              <a:t>‹#›</a:t>
+              <a:t>‹Nr.›</a:t>
             </a:fld>
             <a:endParaRPr lang="de-AT"/>
           </a:p>
@@ -3444,7 +3460,7 @@
         </p:nvSpPr>
         <p:spPr>
           <a:xfrm>
-            <a:off x="3210178" y="1920902"/>
+            <a:off x="4936000" y="1920902"/>
             <a:ext cx="1656184" cy="331237"/>
           </a:xfrm>
           <a:prstGeom prst="rect">
@@ -3572,13 +3588,7 @@
               <a:rPr lang="de-AT" sz="1400" dirty="0" smtClean="0">
                 <a:cs typeface="Arial" pitchFamily="34" charset="0"/>
               </a:rPr>
-              <a:t>*</a:t>
-            </a:r>
-            <a:r>
-              <a:rPr lang="de-AT" sz="1400" dirty="0" smtClean="0">
-                <a:cs typeface="Arial" pitchFamily="34" charset="0"/>
-              </a:rPr>
-              <a:t>Engine</a:t>
+              <a:t>*Engine</a:t>
             </a:r>
             <a:endParaRPr lang="de-AT" sz="1400" dirty="0">
               <a:cs typeface="Arial" pitchFamily="34" charset="0"/>
@@ -4148,11 +4158,14 @@
           <a:p>
             <a:pPr algn="ctr"/>
             <a:r>
-              <a:rPr lang="de-AT" sz="1400" dirty="0" smtClean="0">
+              <a:rPr lang="de-AT" sz="1400" dirty="0" err="1" smtClean="0">
                 <a:cs typeface="Arial" pitchFamily="34" charset="0"/>
               </a:rPr>
-              <a:t>Optimization Operators</a:t>
-            </a:r>
+              <a:t>Optimization.Operators</a:t>
+            </a:r>
+            <a:endParaRPr lang="de-AT" sz="1400" dirty="0" smtClean="0">
+              <a:cs typeface="Arial" pitchFamily="34" charset="0"/>
+            </a:endParaRPr>
           </a:p>
         </p:txBody>
       </p:sp>
@@ -4260,7 +4273,7 @@
         </p:nvSpPr>
         <p:spPr>
           <a:xfrm>
-            <a:off x="4939152" y="1920898"/>
+            <a:off x="3205125" y="1920898"/>
             <a:ext cx="1655402" cy="331241"/>
           </a:xfrm>
           <a:prstGeom prst="rect">
@@ -4680,13 +4693,7 @@
               <a:rPr lang="de-AT" sz="1400" dirty="0" smtClean="0">
                 <a:cs typeface="Arial" pitchFamily="34" charset="0"/>
               </a:rPr>
-              <a:t> </a:t>
-            </a:r>
-            <a:r>
-              <a:rPr lang="de-AT" sz="1400" dirty="0" smtClean="0">
-                <a:cs typeface="Arial" pitchFamily="34" charset="0"/>
-              </a:rPr>
-              <a:t>Libraries</a:t>
+              <a:t> Libraries</a:t>
             </a:r>
             <a:endParaRPr lang="de-AT" sz="1400" dirty="0">
               <a:cs typeface="Arial" pitchFamily="34" charset="0"/>

--- a/documentation/HeuristicLab 3.3 - Architecture.pptx
+++ b/documentation/HeuristicLab 3.3 - Architecture.pptx
@@ -304,7 +304,7 @@
           <a:p>
             <a:fld id="{17A770FE-B93C-406E-B648-E21175039D10}" type="datetimeFigureOut">
               <a:rPr lang="de-AT" smtClean="0"/>
-              <a:t>18.02.2014</a:t>
+              <a:t>09.03.2015</a:t>
             </a:fld>
             <a:endParaRPr lang="de-AT"/>
           </a:p>
@@ -474,7 +474,7 @@
           <a:p>
             <a:fld id="{17A770FE-B93C-406E-B648-E21175039D10}" type="datetimeFigureOut">
               <a:rPr lang="de-AT" smtClean="0"/>
-              <a:t>18.02.2014</a:t>
+              <a:t>09.03.2015</a:t>
             </a:fld>
             <a:endParaRPr lang="de-AT"/>
           </a:p>
@@ -654,7 +654,7 @@
           <a:p>
             <a:fld id="{17A770FE-B93C-406E-B648-E21175039D10}" type="datetimeFigureOut">
               <a:rPr lang="de-AT" smtClean="0"/>
-              <a:t>18.02.2014</a:t>
+              <a:t>09.03.2015</a:t>
             </a:fld>
             <a:endParaRPr lang="de-AT"/>
           </a:p>
@@ -824,7 +824,7 @@
           <a:p>
             <a:fld id="{17A770FE-B93C-406E-B648-E21175039D10}" type="datetimeFigureOut">
               <a:rPr lang="de-AT" smtClean="0"/>
-              <a:t>18.02.2014</a:t>
+              <a:t>09.03.2015</a:t>
             </a:fld>
             <a:endParaRPr lang="de-AT"/>
           </a:p>
@@ -1070,7 +1070,7 @@
           <a:p>
             <a:fld id="{17A770FE-B93C-406E-B648-E21175039D10}" type="datetimeFigureOut">
               <a:rPr lang="de-AT" smtClean="0"/>
-              <a:t>18.02.2014</a:t>
+              <a:t>09.03.2015</a:t>
             </a:fld>
             <a:endParaRPr lang="de-AT"/>
           </a:p>
@@ -1358,7 +1358,7 @@
           <a:p>
             <a:fld id="{17A770FE-B93C-406E-B648-E21175039D10}" type="datetimeFigureOut">
               <a:rPr lang="de-AT" smtClean="0"/>
-              <a:t>18.02.2014</a:t>
+              <a:t>09.03.2015</a:t>
             </a:fld>
             <a:endParaRPr lang="de-AT"/>
           </a:p>
@@ -1785,7 +1785,7 @@
           <a:p>
             <a:fld id="{17A770FE-B93C-406E-B648-E21175039D10}" type="datetimeFigureOut">
               <a:rPr lang="de-AT" smtClean="0"/>
-              <a:t>18.02.2014</a:t>
+              <a:t>09.03.2015</a:t>
             </a:fld>
             <a:endParaRPr lang="de-AT"/>
           </a:p>
@@ -1903,7 +1903,7 @@
           <a:p>
             <a:fld id="{17A770FE-B93C-406E-B648-E21175039D10}" type="datetimeFigureOut">
               <a:rPr lang="de-AT" smtClean="0"/>
-              <a:t>18.02.2014</a:t>
+              <a:t>09.03.2015</a:t>
             </a:fld>
             <a:endParaRPr lang="de-AT"/>
           </a:p>
@@ -1998,7 +1998,7 @@
           <a:p>
             <a:fld id="{17A770FE-B93C-406E-B648-E21175039D10}" type="datetimeFigureOut">
               <a:rPr lang="de-AT" smtClean="0"/>
-              <a:t>18.02.2014</a:t>
+              <a:t>09.03.2015</a:t>
             </a:fld>
             <a:endParaRPr lang="de-AT"/>
           </a:p>
@@ -2275,7 +2275,7 @@
           <a:p>
             <a:fld id="{17A770FE-B93C-406E-B648-E21175039D10}" type="datetimeFigureOut">
               <a:rPr lang="de-AT" smtClean="0"/>
-              <a:t>18.02.2014</a:t>
+              <a:t>09.03.2015</a:t>
             </a:fld>
             <a:endParaRPr lang="de-AT"/>
           </a:p>
@@ -2528,7 +2528,7 @@
           <a:p>
             <a:fld id="{17A770FE-B93C-406E-B648-E21175039D10}" type="datetimeFigureOut">
               <a:rPr lang="de-AT" smtClean="0"/>
-              <a:t>18.02.2014</a:t>
+              <a:t>09.03.2015</a:t>
             </a:fld>
             <a:endParaRPr lang="de-AT"/>
           </a:p>
@@ -2741,7 +2741,7 @@
           <a:p>
             <a:fld id="{17A770FE-B93C-406E-B648-E21175039D10}" type="datetimeFigureOut">
               <a:rPr lang="de-AT" smtClean="0"/>
-              <a:t>18.02.2014</a:t>
+              <a:t>09.03.2015</a:t>
             </a:fld>
             <a:endParaRPr lang="de-AT"/>
           </a:p>
@@ -3492,7 +3492,7 @@
               <a:rPr lang="de-AT" sz="1400" dirty="0" smtClean="0">
                 <a:cs typeface="Arial" pitchFamily="34" charset="0"/>
               </a:rPr>
-              <a:t>Operators</a:t>
+              <a:t>Operators.*</a:t>
             </a:r>
             <a:endParaRPr lang="de-AT" sz="1400" dirty="0">
               <a:cs typeface="Arial" pitchFamily="34" charset="0"/>
@@ -4302,17 +4302,14 @@
           <a:p>
             <a:pPr algn="ctr"/>
             <a:r>
-              <a:rPr lang="de-AT" sz="1400" dirty="0" err="1">
+              <a:rPr lang="de-AT" sz="1400" dirty="0" smtClean="0">
                 <a:cs typeface="Arial" pitchFamily="34" charset="0"/>
               </a:rPr>
-              <a:t>Programmable</a:t>
-            </a:r>
-            <a:r>
-              <a:rPr lang="de-AT" sz="1400" dirty="0">
-                <a:cs typeface="Arial" pitchFamily="34" charset="0"/>
-              </a:rPr>
-              <a:t> Op.</a:t>
-            </a:r>
+              <a:t>Scripting</a:t>
+            </a:r>
+            <a:endParaRPr lang="de-AT" sz="1400" dirty="0">
+              <a:cs typeface="Arial" pitchFamily="34" charset="0"/>
+            </a:endParaRPr>
           </a:p>
         </p:txBody>
       </p:sp>
@@ -4829,7 +4826,16 @@
                 </a:solidFill>
                 <a:cs typeface="Arial" pitchFamily="34" charset="0"/>
               </a:rPr>
-              <a:t>Microsoft .NET 4.0</a:t>
+              <a:t>Microsoft .NET </a:t>
+            </a:r>
+            <a:r>
+              <a:rPr lang="de-AT" sz="1400" dirty="0" smtClean="0">
+                <a:solidFill>
+                  <a:schemeClr val="tx1"/>
+                </a:solidFill>
+                <a:cs typeface="Arial" pitchFamily="34" charset="0"/>
+              </a:rPr>
+              <a:t>4.5</a:t>
             </a:r>
             <a:endParaRPr lang="de-AT" sz="1400" dirty="0">
               <a:solidFill>
